--- a/documents/MamaG_Presentation.pptx
+++ b/documents/MamaG_Presentation.pptx
@@ -10,13 +10,13 @@
     <p:sldId id="258" r:id="rId4"/>
     <p:sldId id="259" r:id="rId5"/>
     <p:sldId id="260" r:id="rId6"/>
-    <p:sldId id="261" r:id="rId7"/>
-    <p:sldId id="262" r:id="rId8"/>
-    <p:sldId id="263" r:id="rId9"/>
-    <p:sldId id="264" r:id="rId10"/>
-    <p:sldId id="265" r:id="rId11"/>
-    <p:sldId id="266" r:id="rId12"/>
-    <p:sldId id="267" r:id="rId13"/>
+    <p:sldId id="262" r:id="rId7"/>
+    <p:sldId id="263" r:id="rId8"/>
+    <p:sldId id="264" r:id="rId9"/>
+    <p:sldId id="265" r:id="rId10"/>
+    <p:sldId id="266" r:id="rId11"/>
+    <p:sldId id="267" r:id="rId12"/>
+    <p:sldId id="261" r:id="rId13"/>
     <p:sldId id="268" r:id="rId14"/>
     <p:sldId id="269" r:id="rId15"/>
     <p:sldId id="270" r:id="rId16"/>
@@ -261,7 +261,7 @@
           <a:p>
             <a:fld id="{04479EDF-97A5-494E-AAF6-7EBC952C85CA}" type="datetimeFigureOut">
               <a:rPr lang="en-US" smtClean="0"/>
-              <a:t>11/9/2015</a:t>
+              <a:t>11/9/15</a:t>
             </a:fld>
             <a:endParaRPr lang="en-US"/>
           </a:p>
@@ -431,7 +431,7 @@
           <a:p>
             <a:fld id="{04479EDF-97A5-494E-AAF6-7EBC952C85CA}" type="datetimeFigureOut">
               <a:rPr lang="en-US" smtClean="0"/>
-              <a:t>11/9/2015</a:t>
+              <a:t>11/9/15</a:t>
             </a:fld>
             <a:endParaRPr lang="en-US"/>
           </a:p>
@@ -611,7 +611,7 @@
           <a:p>
             <a:fld id="{04479EDF-97A5-494E-AAF6-7EBC952C85CA}" type="datetimeFigureOut">
               <a:rPr lang="en-US" smtClean="0"/>
-              <a:t>11/9/2015</a:t>
+              <a:t>11/9/15</a:t>
             </a:fld>
             <a:endParaRPr lang="en-US"/>
           </a:p>
@@ -781,7 +781,7 @@
           <a:p>
             <a:fld id="{04479EDF-97A5-494E-AAF6-7EBC952C85CA}" type="datetimeFigureOut">
               <a:rPr lang="en-US" smtClean="0"/>
-              <a:t>11/9/2015</a:t>
+              <a:t>11/9/15</a:t>
             </a:fld>
             <a:endParaRPr lang="en-US"/>
           </a:p>
@@ -1027,7 +1027,7 @@
           <a:p>
             <a:fld id="{04479EDF-97A5-494E-AAF6-7EBC952C85CA}" type="datetimeFigureOut">
               <a:rPr lang="en-US" smtClean="0"/>
-              <a:t>11/9/2015</a:t>
+              <a:t>11/9/15</a:t>
             </a:fld>
             <a:endParaRPr lang="en-US"/>
           </a:p>
@@ -1259,7 +1259,7 @@
           <a:p>
             <a:fld id="{04479EDF-97A5-494E-AAF6-7EBC952C85CA}" type="datetimeFigureOut">
               <a:rPr lang="en-US" smtClean="0"/>
-              <a:t>11/9/2015</a:t>
+              <a:t>11/9/15</a:t>
             </a:fld>
             <a:endParaRPr lang="en-US"/>
           </a:p>
@@ -1626,7 +1626,7 @@
           <a:p>
             <a:fld id="{04479EDF-97A5-494E-AAF6-7EBC952C85CA}" type="datetimeFigureOut">
               <a:rPr lang="en-US" smtClean="0"/>
-              <a:t>11/9/2015</a:t>
+              <a:t>11/9/15</a:t>
             </a:fld>
             <a:endParaRPr lang="en-US"/>
           </a:p>
@@ -1744,7 +1744,7 @@
           <a:p>
             <a:fld id="{04479EDF-97A5-494E-AAF6-7EBC952C85CA}" type="datetimeFigureOut">
               <a:rPr lang="en-US" smtClean="0"/>
-              <a:t>11/9/2015</a:t>
+              <a:t>11/9/15</a:t>
             </a:fld>
             <a:endParaRPr lang="en-US"/>
           </a:p>
@@ -1839,7 +1839,7 @@
           <a:p>
             <a:fld id="{04479EDF-97A5-494E-AAF6-7EBC952C85CA}" type="datetimeFigureOut">
               <a:rPr lang="en-US" smtClean="0"/>
-              <a:t>11/9/2015</a:t>
+              <a:t>11/9/15</a:t>
             </a:fld>
             <a:endParaRPr lang="en-US"/>
           </a:p>
@@ -2116,7 +2116,7 @@
           <a:p>
             <a:fld id="{04479EDF-97A5-494E-AAF6-7EBC952C85CA}" type="datetimeFigureOut">
               <a:rPr lang="en-US" smtClean="0"/>
-              <a:t>11/9/2015</a:t>
+              <a:t>11/9/15</a:t>
             </a:fld>
             <a:endParaRPr lang="en-US"/>
           </a:p>
@@ -2369,7 +2369,7 @@
           <a:p>
             <a:fld id="{04479EDF-97A5-494E-AAF6-7EBC952C85CA}" type="datetimeFigureOut">
               <a:rPr lang="en-US" smtClean="0"/>
-              <a:t>11/9/2015</a:t>
+              <a:t>11/9/15</a:t>
             </a:fld>
             <a:endParaRPr lang="en-US"/>
           </a:p>
@@ -2582,7 +2582,7 @@
           <a:p>
             <a:fld id="{04479EDF-97A5-494E-AAF6-7EBC952C85CA}" type="datetimeFigureOut">
               <a:rPr lang="en-US" smtClean="0"/>
-              <a:t>11/9/2015</a:t>
+              <a:t>11/9/15</a:t>
             </a:fld>
             <a:endParaRPr lang="en-US"/>
           </a:p>
@@ -3062,7 +3062,7 @@
   <p:timing>
     <p:tnLst>
       <p:par>
-        <p:cTn id="1" dur="indefinite" restart="never" nodeType="tmRoot"/>
+        <p:cTn xmlns:p14="http://schemas.microsoft.com/office/powerpoint/2010/main" id="1" dur="indefinite" restart="never" nodeType="tmRoot"/>
       </p:par>
     </p:tnLst>
   </p:timing>
@@ -3103,7 +3103,7 @@
           <a:p>
             <a:r>
               <a:rPr lang="en-US" dirty="0" smtClean="0"/>
-              <a:t>Coupon Management and Delete Coupon</a:t>
+              <a:t>Coupon Management and View All Coupons</a:t>
             </a:r>
             <a:endParaRPr lang="en-US" dirty="0"/>
           </a:p>
@@ -3121,8 +3121,8 @@
         </p:nvSpPr>
         <p:spPr>
           <a:xfrm>
-            <a:off x="5384800" y="3595688"/>
-            <a:ext cx="5969000" cy="1725036"/>
+            <a:off x="838200" y="5472113"/>
+            <a:ext cx="10515600" cy="965632"/>
           </a:xfrm>
         </p:spPr>
         <p:txBody>
@@ -3131,7 +3131,7 @@
           <a:p>
             <a:r>
               <a:rPr lang="en-US" dirty="0" smtClean="0"/>
-              <a:t>You can delete a coupon by selecting it and simply clicking Delete Coupon.</a:t>
+              <a:t>Here we can view all existing coupons in our database.</a:t>
             </a:r>
             <a:endParaRPr lang="en-US" dirty="0"/>
           </a:p>
@@ -3139,7 +3139,7 @@
       </p:sp>
       <p:pic>
         <p:nvPicPr>
-          <p:cNvPr id="5" name="Picture 4"/>
+          <p:cNvPr id="6" name="Picture 5"/>
           <p:cNvPicPr>
             <a:picLocks noChangeAspect="1"/>
           </p:cNvPicPr>
@@ -3153,8 +3153,8 @@
         </p:blipFill>
         <p:spPr>
           <a:xfrm>
-            <a:off x="838200" y="1690688"/>
-            <a:ext cx="10677525" cy="1905000"/>
+            <a:off x="1433512" y="3328988"/>
+            <a:ext cx="9324975" cy="2143125"/>
           </a:xfrm>
           <a:prstGeom prst="rect">
             <a:avLst/>
@@ -3163,22 +3163,28 @@
       </p:pic>
       <p:pic>
         <p:nvPicPr>
-          <p:cNvPr id="6" name="Picture 5"/>
+          <p:cNvPr id="5" name="Picture 4" descr="Screen Shot 2015-11-09 at 3.02.15 AM.png"/>
           <p:cNvPicPr>
             <a:picLocks noChangeAspect="1"/>
           </p:cNvPicPr>
           <p:nvPr/>
         </p:nvPicPr>
         <p:blipFill>
-          <a:blip r:embed="rId3"/>
+          <a:blip r:embed="rId3">
+            <a:extLst>
+              <a:ext uri="{28A0092B-C50C-407E-A947-70E740481C1C}">
+                <a14:useLocalDpi xmlns:a14="http://schemas.microsoft.com/office/drawing/2010/main" val="0"/>
+              </a:ext>
+            </a:extLst>
+          </a:blip>
           <a:stretch>
             <a:fillRect/>
           </a:stretch>
         </p:blipFill>
         <p:spPr>
           <a:xfrm>
-            <a:off x="838200" y="3595688"/>
-            <a:ext cx="4619625" cy="2028825"/>
+            <a:off x="1197885" y="1425276"/>
+            <a:ext cx="9796231" cy="1728185"/>
           </a:xfrm>
           <a:prstGeom prst="rect">
             <a:avLst/>
@@ -3188,7 +3194,7 @@
     </p:spTree>
     <p:extLst>
       <p:ext uri="{BB962C8B-B14F-4D97-AF65-F5344CB8AC3E}">
-        <p14:creationId xmlns:p14="http://schemas.microsoft.com/office/powerpoint/2010/main" val="3257540605"/>
+        <p14:creationId xmlns:p14="http://schemas.microsoft.com/office/powerpoint/2010/main" val="613645464"/>
       </p:ext>
     </p:extLst>
   </p:cSld>
@@ -3198,7 +3204,7 @@
   <p:timing>
     <p:tnLst>
       <p:par>
-        <p:cTn id="1" dur="indefinite" restart="never" nodeType="tmRoot"/>
+        <p:cTn xmlns:p14="http://schemas.microsoft.com/office/powerpoint/2010/main" id="1" dur="indefinite" restart="never" nodeType="tmRoot"/>
       </p:par>
     </p:tnLst>
   </p:timing>
@@ -3239,7 +3245,7 @@
           <a:p>
             <a:r>
               <a:rPr lang="en-US" dirty="0" smtClean="0"/>
-              <a:t>Coupon Management and View All Coupons</a:t>
+              <a:t>Reports </a:t>
             </a:r>
             <a:endParaRPr lang="en-US" dirty="0"/>
           </a:p>
@@ -3247,74 +3253,115 @@
       </p:sp>
       <p:sp>
         <p:nvSpPr>
-          <p:cNvPr id="3" name="Content Placeholder 2"/>
-          <p:cNvSpPr>
-            <a:spLocks noGrp="1"/>
-          </p:cNvSpPr>
-          <p:nvPr>
-            <p:ph idx="1"/>
-          </p:nvPr>
+          <p:cNvPr id="5" name="TextBox 4"/>
+          <p:cNvSpPr txBox="1"/>
+          <p:nvPr/>
         </p:nvSpPr>
         <p:spPr>
           <a:xfrm>
-            <a:off x="838200" y="5472113"/>
-            <a:ext cx="10515600" cy="965632"/>
+            <a:off x="1145309" y="3491345"/>
+            <a:ext cx="9652000" cy="1754327"/>
           </a:xfrm>
+          <a:prstGeom prst="rect">
+            <a:avLst/>
+          </a:prstGeom>
+          <a:noFill/>
         </p:spPr>
         <p:txBody>
-          <a:bodyPr/>
-          <a:lstStyle/>
-          <a:p>
-            <a:r>
-              <a:rPr lang="en-US" dirty="0" smtClean="0"/>
-              <a:t>Here we can view all existing coupons in our database.</a:t>
-            </a:r>
-            <a:endParaRPr lang="en-US" dirty="0"/>
+          <a:bodyPr wrap="square" rtlCol="0">
+            <a:spAutoFit/>
+          </a:bodyPr>
+          <a:lstStyle/>
+          <a:p>
+            <a:pPr marL="285750" indent="-285750">
+              <a:buFont typeface="Arial" panose="020B0604020202020204" pitchFamily="34" charset="0"/>
+              <a:buChar char="•"/>
+            </a:pPr>
+            <a:r>
+              <a:rPr lang="en-US" dirty="0" smtClean="0"/>
+              <a:t>The application is capable of generating reports by pulling information from the database</a:t>
+            </a:r>
+          </a:p>
+          <a:p>
+            <a:pPr marL="742950" lvl="1" indent="-285750">
+              <a:buFont typeface="Arial" panose="020B0604020202020204" pitchFamily="34" charset="0"/>
+              <a:buChar char="•"/>
+            </a:pPr>
+            <a:r>
+              <a:rPr lang="en-US" dirty="0" smtClean="0"/>
+              <a:t>Sales Summary Report</a:t>
+            </a:r>
+          </a:p>
+          <a:p>
+            <a:pPr marL="742950" lvl="1" indent="-285750">
+              <a:buFont typeface="Arial" panose="020B0604020202020204" pitchFamily="34" charset="0"/>
+              <a:buChar char="•"/>
+            </a:pPr>
+            <a:r>
+              <a:rPr lang="en-US" dirty="0" smtClean="0"/>
+              <a:t>Generate </a:t>
+            </a:r>
+            <a:r>
+              <a:rPr lang="en-US" dirty="0" smtClean="0"/>
+              <a:t>Sales Report</a:t>
+            </a:r>
+          </a:p>
+          <a:p>
+            <a:pPr marL="742950" lvl="1" indent="-285750">
+              <a:buFont typeface="Arial" panose="020B0604020202020204" pitchFamily="34" charset="0"/>
+              <a:buChar char="•"/>
+            </a:pPr>
+            <a:r>
+              <a:rPr lang="en-US" dirty="0" smtClean="0"/>
+              <a:t>Customer Absent Report</a:t>
+            </a:r>
+          </a:p>
+          <a:p>
+            <a:pPr marL="742950" lvl="1" indent="-285750">
+              <a:buFont typeface="Arial" panose="020B0604020202020204" pitchFamily="34" charset="0"/>
+              <a:buChar char="•"/>
+            </a:pPr>
+            <a:r>
+              <a:rPr lang="en-US" dirty="0" smtClean="0"/>
+              <a:t>Frequent Buyer</a:t>
+            </a:r>
+          </a:p>
+          <a:p>
+            <a:pPr marL="742950" lvl="1" indent="-285750">
+              <a:buFont typeface="Arial" panose="020B0604020202020204" pitchFamily="34" charset="0"/>
+              <a:buChar char="•"/>
+            </a:pPr>
+            <a:r>
+              <a:rPr lang="en-US" dirty="0" smtClean="0"/>
+              <a:t>Coupon Ratio Report</a:t>
+            </a:r>
           </a:p>
         </p:txBody>
       </p:sp>
       <p:pic>
         <p:nvPicPr>
-          <p:cNvPr id="4" name="Picture 3"/>
+          <p:cNvPr id="3" name="Picture 2" descr="Screen Shot 2015-11-09 at 3.04.49 AM.png"/>
           <p:cNvPicPr>
             <a:picLocks noChangeAspect="1"/>
           </p:cNvPicPr>
           <p:nvPr/>
         </p:nvPicPr>
         <p:blipFill>
-          <a:blip r:embed="rId2"/>
+          <a:blip r:embed="rId2">
+            <a:extLst>
+              <a:ext uri="{28A0092B-C50C-407E-A947-70E740481C1C}">
+                <a14:useLocalDpi xmlns:a14="http://schemas.microsoft.com/office/drawing/2010/main" val="0"/>
+              </a:ext>
+            </a:extLst>
+          </a:blip>
           <a:stretch>
             <a:fillRect/>
           </a:stretch>
         </p:blipFill>
         <p:spPr>
           <a:xfrm>
-            <a:off x="523875" y="1690688"/>
-            <a:ext cx="10829925" cy="1638300"/>
-          </a:xfrm>
-          <a:prstGeom prst="rect">
-            <a:avLst/>
-          </a:prstGeom>
-        </p:spPr>
-      </p:pic>
-      <p:pic>
-        <p:nvPicPr>
-          <p:cNvPr id="6" name="Picture 5"/>
-          <p:cNvPicPr>
-            <a:picLocks noChangeAspect="1"/>
-          </p:cNvPicPr>
-          <p:nvPr/>
-        </p:nvPicPr>
-        <p:blipFill>
-          <a:blip r:embed="rId3"/>
-          <a:stretch>
-            <a:fillRect/>
-          </a:stretch>
-        </p:blipFill>
-        <p:spPr>
-          <a:xfrm>
-            <a:off x="1433512" y="3328988"/>
-            <a:ext cx="9324975" cy="2143125"/>
+            <a:off x="1474320" y="1470290"/>
+            <a:ext cx="9243360" cy="1863143"/>
           </a:xfrm>
           <a:prstGeom prst="rect">
             <a:avLst/>
@@ -3324,7 +3371,7 @@
     </p:spTree>
     <p:extLst>
       <p:ext uri="{BB962C8B-B14F-4D97-AF65-F5344CB8AC3E}">
-        <p14:creationId xmlns:p14="http://schemas.microsoft.com/office/powerpoint/2010/main" val="613645464"/>
+        <p14:creationId xmlns:p14="http://schemas.microsoft.com/office/powerpoint/2010/main" val="592636215"/>
       </p:ext>
     </p:extLst>
   </p:cSld>
@@ -3334,7 +3381,7 @@
   <p:timing>
     <p:tnLst>
       <p:par>
-        <p:cTn id="1" dur="indefinite" restart="never" nodeType="tmRoot"/>
+        <p:cTn xmlns:p14="http://schemas.microsoft.com/office/powerpoint/2010/main" id="1" dur="indefinite" restart="never" nodeType="tmRoot"/>
       </p:par>
     </p:tnLst>
   </p:timing>
@@ -3375,113 +3422,89 @@
           <a:p>
             <a:r>
               <a:rPr lang="en-US" dirty="0" smtClean="0"/>
-              <a:t>Reports </a:t>
+              <a:t>Reports and Sales </a:t>
+            </a:r>
+            <a:r>
+              <a:rPr lang="en-US" dirty="0" smtClean="0"/>
+              <a:t>Summary Report</a:t>
             </a:r>
             <a:endParaRPr lang="en-US" dirty="0"/>
+          </a:p>
+        </p:txBody>
+      </p:sp>
+      <p:sp>
+        <p:nvSpPr>
+          <p:cNvPr id="3" name="Content Placeholder 2"/>
+          <p:cNvSpPr>
+            <a:spLocks noGrp="1"/>
+          </p:cNvSpPr>
+          <p:nvPr>
+            <p:ph idx="1"/>
+          </p:nvPr>
+        </p:nvSpPr>
+        <p:spPr>
+          <a:xfrm>
+            <a:off x="2677787" y="3852897"/>
+            <a:ext cx="6643255" cy="2514453"/>
+          </a:xfrm>
+        </p:spPr>
+        <p:txBody>
+          <a:bodyPr/>
+          <a:lstStyle/>
+          <a:p>
+            <a:r>
+              <a:rPr lang="en-US" dirty="0" smtClean="0"/>
+              <a:t>The Sales Summary Report tab displays sales information for the current date.</a:t>
+            </a:r>
+          </a:p>
+          <a:p>
+            <a:r>
+              <a:rPr lang="en-US" dirty="0" smtClean="0"/>
+              <a:t>Displays customer, product purchased, date purchased, and if a coupon was used.</a:t>
+            </a:r>
+          </a:p>
+          <a:p>
+            <a:r>
+              <a:rPr lang="en-US" dirty="0" smtClean="0"/>
+              <a:t>Information is pulled from database by...</a:t>
+            </a:r>
           </a:p>
         </p:txBody>
       </p:sp>
       <p:pic>
         <p:nvPicPr>
-          <p:cNvPr id="4" name="Picture 3"/>
+          <p:cNvPr id="5" name="Picture 4" descr="Screen Shot 2015-11-09 at 2.57.53 AM.png"/>
           <p:cNvPicPr>
             <a:picLocks noChangeAspect="1"/>
           </p:cNvPicPr>
           <p:nvPr/>
         </p:nvPicPr>
         <p:blipFill>
-          <a:blip r:embed="rId2"/>
+          <a:blip r:embed="rId2">
+            <a:extLst>
+              <a:ext uri="{28A0092B-C50C-407E-A947-70E740481C1C}">
+                <a14:useLocalDpi xmlns:a14="http://schemas.microsoft.com/office/drawing/2010/main" val="0"/>
+              </a:ext>
+            </a:extLst>
+          </a:blip>
           <a:stretch>
             <a:fillRect/>
           </a:stretch>
         </p:blipFill>
         <p:spPr>
           <a:xfrm>
-            <a:off x="838200" y="1690688"/>
-            <a:ext cx="10363200" cy="1866900"/>
+            <a:off x="1554252" y="1611235"/>
+            <a:ext cx="8890324" cy="1859357"/>
           </a:xfrm>
           <a:prstGeom prst="rect">
             <a:avLst/>
           </a:prstGeom>
         </p:spPr>
       </p:pic>
-      <p:sp>
-        <p:nvSpPr>
-          <p:cNvPr id="5" name="TextBox 4"/>
-          <p:cNvSpPr txBox="1"/>
-          <p:nvPr/>
-        </p:nvSpPr>
-        <p:spPr>
-          <a:xfrm>
-            <a:off x="1145309" y="3491345"/>
-            <a:ext cx="9652000" cy="1477328"/>
-          </a:xfrm>
-          <a:prstGeom prst="rect">
-            <a:avLst/>
-          </a:prstGeom>
-          <a:noFill/>
-        </p:spPr>
-        <p:txBody>
-          <a:bodyPr wrap="square" rtlCol="0">
-            <a:spAutoFit/>
-          </a:bodyPr>
-          <a:lstStyle/>
-          <a:p>
-            <a:pPr marL="285750" indent="-285750">
-              <a:buFont typeface="Arial" panose="020B0604020202020204" pitchFamily="34" charset="0"/>
-              <a:buChar char="•"/>
-            </a:pPr>
-            <a:r>
-              <a:rPr lang="en-US" dirty="0" smtClean="0"/>
-              <a:t>The application is capable of generating reports by pulling information from the database</a:t>
-            </a:r>
-          </a:p>
-          <a:p>
-            <a:pPr marL="742950" lvl="1" indent="-285750">
-              <a:buFont typeface="Arial" panose="020B0604020202020204" pitchFamily="34" charset="0"/>
-              <a:buChar char="•"/>
-            </a:pPr>
-            <a:r>
-              <a:rPr lang="en-US" dirty="0" smtClean="0"/>
-              <a:t>Generate Sales Report</a:t>
-            </a:r>
-          </a:p>
-          <a:p>
-            <a:pPr marL="742950" lvl="1" indent="-285750">
-              <a:buFont typeface="Arial" panose="020B0604020202020204" pitchFamily="34" charset="0"/>
-              <a:buChar char="•"/>
-            </a:pPr>
-            <a:r>
-              <a:rPr lang="en-US" dirty="0" smtClean="0"/>
-              <a:t>Customer Absent Report</a:t>
-            </a:r>
-          </a:p>
-          <a:p>
-            <a:pPr marL="742950" lvl="1" indent="-285750">
-              <a:buFont typeface="Arial" panose="020B0604020202020204" pitchFamily="34" charset="0"/>
-              <a:buChar char="•"/>
-            </a:pPr>
-            <a:r>
-              <a:rPr lang="en-US" dirty="0" smtClean="0"/>
-              <a:t>Frequent Buyer</a:t>
-            </a:r>
-          </a:p>
-          <a:p>
-            <a:pPr marL="742950" lvl="1" indent="-285750">
-              <a:buFont typeface="Arial" panose="020B0604020202020204" pitchFamily="34" charset="0"/>
-              <a:buChar char="•"/>
-            </a:pPr>
-            <a:r>
-              <a:rPr lang="en-US" dirty="0" smtClean="0"/>
-              <a:t>Coupon Ratio Report</a:t>
-            </a:r>
-          </a:p>
-        </p:txBody>
-      </p:sp>
     </p:spTree>
     <p:extLst>
       <p:ext uri="{BB962C8B-B14F-4D97-AF65-F5344CB8AC3E}">
-        <p14:creationId xmlns:p14="http://schemas.microsoft.com/office/powerpoint/2010/main" val="592636215"/>
+        <p14:creationId xmlns:p14="http://schemas.microsoft.com/office/powerpoint/2010/main" val="1735413863"/>
       </p:ext>
     </p:extLst>
   </p:cSld>
@@ -3491,7 +3514,7 @@
   <p:timing>
     <p:tnLst>
       <p:par>
-        <p:cTn id="1" dur="indefinite" restart="never" nodeType="tmRoot"/>
+        <p:cTn xmlns:p14="http://schemas.microsoft.com/office/powerpoint/2010/main" id="1" dur="indefinite" restart="never" nodeType="tmRoot"/>
       </p:par>
     </p:tnLst>
   </p:timing>
@@ -3570,7 +3593,7 @@
   <p:timing>
     <p:tnLst>
       <p:par>
-        <p:cTn id="1" dur="indefinite" restart="never" nodeType="tmRoot"/>
+        <p:cTn xmlns:p14="http://schemas.microsoft.com/office/powerpoint/2010/main" id="1" dur="indefinite" restart="never" nodeType="tmRoot"/>
       </p:par>
     </p:tnLst>
   </p:timing>
@@ -3649,7 +3672,7 @@
   <p:timing>
     <p:tnLst>
       <p:par>
-        <p:cTn id="1" dur="indefinite" restart="never" nodeType="tmRoot"/>
+        <p:cTn xmlns:p14="http://schemas.microsoft.com/office/powerpoint/2010/main" id="1" dur="indefinite" restart="never" nodeType="tmRoot"/>
       </p:par>
     </p:tnLst>
   </p:timing>
@@ -3728,7 +3751,7 @@
   <p:timing>
     <p:tnLst>
       <p:par>
-        <p:cTn id="1" dur="indefinite" restart="never" nodeType="tmRoot"/>
+        <p:cTn xmlns:p14="http://schemas.microsoft.com/office/powerpoint/2010/main" id="1" dur="indefinite" restart="never" nodeType="tmRoot"/>
       </p:par>
     </p:tnLst>
   </p:timing>
@@ -3807,7 +3830,7 @@
   <p:timing>
     <p:tnLst>
       <p:par>
-        <p:cTn id="1" dur="indefinite" restart="never" nodeType="tmRoot"/>
+        <p:cTn xmlns:p14="http://schemas.microsoft.com/office/powerpoint/2010/main" id="1" dur="indefinite" restart="never" nodeType="tmRoot"/>
       </p:par>
     </p:tnLst>
   </p:timing>
@@ -3886,7 +3909,7 @@
   <p:timing>
     <p:tnLst>
       <p:par>
-        <p:cTn id="1" dur="indefinite" restart="never" nodeType="tmRoot"/>
+        <p:cTn xmlns:p14="http://schemas.microsoft.com/office/powerpoint/2010/main" id="1" dur="indefinite" restart="never" nodeType="tmRoot"/>
       </p:par>
     </p:tnLst>
   </p:timing>
@@ -3965,7 +3988,7 @@
   <p:timing>
     <p:tnLst>
       <p:par>
-        <p:cTn id="1" dur="indefinite" restart="never" nodeType="tmRoot"/>
+        <p:cTn xmlns:p14="http://schemas.microsoft.com/office/powerpoint/2010/main" id="1" dur="indefinite" restart="never" nodeType="tmRoot"/>
       </p:par>
     </p:tnLst>
   </p:timing>
@@ -4044,7 +4067,7 @@
   <p:timing>
     <p:tnLst>
       <p:par>
-        <p:cTn id="1" dur="indefinite" restart="never" nodeType="tmRoot"/>
+        <p:cTn xmlns:p14="http://schemas.microsoft.com/office/powerpoint/2010/main" id="1" dur="indefinite" restart="never" nodeType="tmRoot"/>
       </p:par>
     </p:tnLst>
   </p:timing>
@@ -4147,7 +4170,7 @@
   <p:timing>
     <p:tnLst>
       <p:par>
-        <p:cTn id="1" dur="indefinite" restart="never" nodeType="tmRoot"/>
+        <p:cTn xmlns:p14="http://schemas.microsoft.com/office/powerpoint/2010/main" id="1" dur="indefinite" restart="never" nodeType="tmRoot"/>
       </p:par>
     </p:tnLst>
   </p:timing>
@@ -4226,7 +4249,7 @@
   <p:timing>
     <p:tnLst>
       <p:par>
-        <p:cTn id="1" dur="indefinite" restart="never" nodeType="tmRoot"/>
+        <p:cTn xmlns:p14="http://schemas.microsoft.com/office/powerpoint/2010/main" id="1" dur="indefinite" restart="never" nodeType="tmRoot"/>
       </p:par>
     </p:tnLst>
   </p:timing>
@@ -4305,7 +4328,7 @@
   <p:timing>
     <p:tnLst>
       <p:par>
-        <p:cTn id="1" dur="indefinite" restart="never" nodeType="tmRoot"/>
+        <p:cTn xmlns:p14="http://schemas.microsoft.com/office/powerpoint/2010/main" id="1" dur="indefinite" restart="never" nodeType="tmRoot"/>
       </p:par>
     </p:tnLst>
   </p:timing>
@@ -4384,7 +4407,7 @@
   <p:timing>
     <p:tnLst>
       <p:par>
-        <p:cTn id="1" dur="indefinite" restart="never" nodeType="tmRoot"/>
+        <p:cTn xmlns:p14="http://schemas.microsoft.com/office/powerpoint/2010/main" id="1" dur="indefinite" restart="never" nodeType="tmRoot"/>
       </p:par>
     </p:tnLst>
   </p:timing>
@@ -4471,7 +4494,7 @@
   <p:timing>
     <p:tnLst>
       <p:par>
-        <p:cTn id="1" dur="indefinite" restart="never" nodeType="tmRoot"/>
+        <p:cTn xmlns:p14="http://schemas.microsoft.com/office/powerpoint/2010/main" id="1" dur="indefinite" restart="never" nodeType="tmRoot"/>
       </p:par>
     </p:tnLst>
   </p:timing>
@@ -4550,7 +4573,7 @@
   <p:timing>
     <p:tnLst>
       <p:par>
-        <p:cTn id="1" dur="indefinite" restart="never" nodeType="tmRoot"/>
+        <p:cTn xmlns:p14="http://schemas.microsoft.com/office/powerpoint/2010/main" id="1" dur="indefinite" restart="never" nodeType="tmRoot"/>
       </p:par>
     </p:tnLst>
   </p:timing>
@@ -4672,7 +4695,7 @@
   <p:timing>
     <p:tnLst>
       <p:par>
-        <p:cTn id="1" dur="indefinite" restart="never" nodeType="tmRoot"/>
+        <p:cTn xmlns:p14="http://schemas.microsoft.com/office/powerpoint/2010/main" id="1" dur="indefinite" restart="never" nodeType="tmRoot"/>
       </p:par>
     </p:tnLst>
   </p:timing>
@@ -4828,7 +4851,7 @@
   <p:timing>
     <p:tnLst>
       <p:par>
-        <p:cTn id="1" dur="indefinite" restart="never" nodeType="tmRoot"/>
+        <p:cTn xmlns:p14="http://schemas.microsoft.com/office/powerpoint/2010/main" id="1" dur="indefinite" restart="never" nodeType="tmRoot"/>
       </p:par>
     </p:tnLst>
   </p:timing>
@@ -4911,7 +4934,11 @@
           <a:p>
             <a:r>
               <a:rPr lang="en-US" dirty="0" smtClean="0"/>
-              <a:t>Upon logging in you will be on the Main Page.</a:t>
+              <a:t>Upon logging in you will be on the Main Page</a:t>
+            </a:r>
+            <a:r>
+              <a:rPr lang="en-US" dirty="0" smtClean="0"/>
+              <a:t>.</a:t>
             </a:r>
           </a:p>
           <a:p>
@@ -4927,75 +4954,64 @@
       </p:sp>
       <p:pic>
         <p:nvPicPr>
-          <p:cNvPr id="4" name="Picture 3"/>
+          <p:cNvPr id="7" name="Picture 6" descr="Screen Shot 2015-11-09 at 2.55.30 AM.png"/>
           <p:cNvPicPr>
             <a:picLocks noChangeAspect="1"/>
           </p:cNvPicPr>
           <p:nvPr/>
         </p:nvPicPr>
         <p:blipFill>
-          <a:blip r:embed="rId2"/>
+          <a:blip r:embed="rId2">
+            <a:extLst>
+              <a:ext uri="{28A0092B-C50C-407E-A947-70E740481C1C}">
+                <a14:useLocalDpi xmlns:a14="http://schemas.microsoft.com/office/drawing/2010/main" val="0"/>
+              </a:ext>
+            </a:extLst>
+          </a:blip>
           <a:stretch>
             <a:fillRect/>
           </a:stretch>
         </p:blipFill>
         <p:spPr>
           <a:xfrm>
-            <a:off x="838200" y="1690687"/>
-            <a:ext cx="10515600" cy="533400"/>
+            <a:off x="373021" y="1354532"/>
+            <a:ext cx="11445959" cy="658168"/>
           </a:xfrm>
           <a:prstGeom prst="rect">
             <a:avLst/>
           </a:prstGeom>
         </p:spPr>
       </p:pic>
-      <p:sp>
-        <p:nvSpPr>
-          <p:cNvPr id="5" name="TextBox 4"/>
-          <p:cNvSpPr txBox="1"/>
+      <p:pic>
+        <p:nvPicPr>
+          <p:cNvPr id="8" name="Picture 7" descr="Screen Shot 2015-11-09 at 2.56.49 AM.png"/>
+          <p:cNvPicPr>
+            <a:picLocks noChangeAspect="1"/>
+          </p:cNvPicPr>
           <p:nvPr/>
-        </p:nvSpPr>
+        </p:nvPicPr>
+        <p:blipFill>
+          <a:blip r:embed="rId3">
+            <a:extLst>
+              <a:ext uri="{28A0092B-C50C-407E-A947-70E740481C1C}">
+                <a14:useLocalDpi xmlns:a14="http://schemas.microsoft.com/office/drawing/2010/main" val="0"/>
+              </a:ext>
+            </a:extLst>
+          </a:blip>
+          <a:stretch>
+            <a:fillRect/>
+          </a:stretch>
+        </p:blipFill>
         <p:spPr>
           <a:xfrm>
-            <a:off x="7269018" y="2224087"/>
-            <a:ext cx="4291878" cy="2031325"/>
+            <a:off x="6344263" y="2237897"/>
+            <a:ext cx="5776684" cy="4229358"/>
           </a:xfrm>
           <a:prstGeom prst="rect">
             <a:avLst/>
           </a:prstGeom>
-          <a:noFill/>
         </p:spPr>
-        <p:txBody>
-          <a:bodyPr wrap="square" rtlCol="0">
-            <a:spAutoFit/>
-          </a:bodyPr>
-          <a:lstStyle/>
-          <a:p>
-            <a:endParaRPr lang="en-US" dirty="0" smtClean="0"/>
-          </a:p>
-          <a:p>
-            <a:endParaRPr lang="en-US" dirty="0"/>
-          </a:p>
-          <a:p>
-            <a:endParaRPr lang="en-US" dirty="0" smtClean="0"/>
-          </a:p>
-          <a:p>
-            <a:endParaRPr lang="en-US" dirty="0"/>
-          </a:p>
-          <a:p>
-            <a:endParaRPr lang="en-US" dirty="0" smtClean="0"/>
-          </a:p>
-          <a:p>
-            <a:endParaRPr lang="en-US" dirty="0"/>
-          </a:p>
-          <a:p>
-            <a:r>
-              <a:rPr lang="en-US" dirty="0" smtClean="0"/>
-              <a:t>Picture of Main Page will go here?</a:t>
-            </a:r>
-          </a:p>
-        </p:txBody>
-      </p:sp>
+      </p:pic>
     </p:spTree>
     <p:extLst>
       <p:ext uri="{BB962C8B-B14F-4D97-AF65-F5344CB8AC3E}">
@@ -5009,7 +5025,7 @@
   <p:timing>
     <p:tnLst>
       <p:par>
-        <p:cTn id="1" dur="indefinite" restart="never" nodeType="tmRoot"/>
+        <p:cTn xmlns:p14="http://schemas.microsoft.com/office/powerpoint/2010/main" id="1" dur="indefinite" restart="never" nodeType="tmRoot"/>
       </p:par>
     </p:tnLst>
   </p:timing>
@@ -5050,7 +5066,7 @@
           <a:p>
             <a:r>
               <a:rPr lang="en-US" dirty="0" smtClean="0"/>
-              <a:t>Sales Summary Report</a:t>
+              <a:t>Coupon Management and Add Coupon</a:t>
             </a:r>
             <a:endParaRPr lang="en-US" dirty="0"/>
           </a:p>
@@ -5068,58 +5084,20 @@
         </p:nvSpPr>
         <p:spPr>
           <a:xfrm>
-            <a:off x="4710545" y="2503054"/>
-            <a:ext cx="6643255" cy="3538971"/>
+            <a:off x="838200" y="3269457"/>
+            <a:ext cx="10515600" cy="4351338"/>
           </a:xfrm>
         </p:spPr>
         <p:txBody>
           <a:bodyPr/>
           <a:lstStyle/>
           <a:p>
-            <a:r>
-              <a:rPr lang="en-US" dirty="0" smtClean="0"/>
-              <a:t>The Sales Summary Report tab displays sales information for the current date.</a:t>
-            </a:r>
-          </a:p>
-          <a:p>
-            <a:r>
-              <a:rPr lang="en-US" dirty="0" smtClean="0"/>
-              <a:t>Displays customer, product purchased, date purchased, and if a coupon was used.</a:t>
-            </a:r>
-          </a:p>
-          <a:p>
-            <a:r>
-              <a:rPr lang="en-US" dirty="0" smtClean="0"/>
-              <a:t>Information is pulled from database by...</a:t>
-            </a:r>
-          </a:p>
-        </p:txBody>
-      </p:sp>
-      <p:sp>
-        <p:nvSpPr>
-          <p:cNvPr id="4" name="TextBox 3"/>
-          <p:cNvSpPr txBox="1"/>
-          <p:nvPr/>
-        </p:nvSpPr>
-        <p:spPr>
-          <a:xfrm>
-            <a:off x="1708727" y="3497025"/>
-            <a:ext cx="4202545" cy="369332"/>
-          </a:xfrm>
-          <a:prstGeom prst="rect">
-            <a:avLst/>
-          </a:prstGeom>
-          <a:noFill/>
-        </p:spPr>
-        <p:txBody>
-          <a:bodyPr wrap="square" rtlCol="0">
-            <a:spAutoFit/>
-          </a:bodyPr>
-          <a:lstStyle/>
-          <a:p>
-            <a:r>
-              <a:rPr lang="en-US" dirty="0" smtClean="0"/>
-              <a:t>Picture goes here</a:t>
+            <a:endParaRPr lang="en-US" dirty="0" smtClean="0"/>
+          </a:p>
+          <a:p>
+            <a:r>
+              <a:rPr lang="en-US" dirty="0" smtClean="0"/>
+              <a:t>Coupon Management allows users to Add, Edit, Delete, or View Available Coupons.</a:t>
             </a:r>
             <a:endParaRPr lang="en-US" dirty="0"/>
           </a:p>
@@ -5127,22 +5105,28 @@
       </p:sp>
       <p:pic>
         <p:nvPicPr>
-          <p:cNvPr id="6" name="Picture 5"/>
+          <p:cNvPr id="5" name="Picture 4" descr="Screen Shot 2015-11-09 at 3.01.56 AM.png"/>
           <p:cNvPicPr>
             <a:picLocks noChangeAspect="1"/>
           </p:cNvPicPr>
           <p:nvPr/>
         </p:nvPicPr>
         <p:blipFill>
-          <a:blip r:embed="rId2"/>
+          <a:blip r:embed="rId2">
+            <a:extLst>
+              <a:ext uri="{28A0092B-C50C-407E-A947-70E740481C1C}">
+                <a14:useLocalDpi xmlns:a14="http://schemas.microsoft.com/office/drawing/2010/main" val="0"/>
+              </a:ext>
+            </a:extLst>
+          </a:blip>
           <a:stretch>
             <a:fillRect/>
           </a:stretch>
         </p:blipFill>
         <p:spPr>
           <a:xfrm>
-            <a:off x="838200" y="1738313"/>
-            <a:ext cx="10601325" cy="485775"/>
+            <a:off x="1424362" y="1777464"/>
+            <a:ext cx="9343277" cy="1733616"/>
           </a:xfrm>
           <a:prstGeom prst="rect">
             <a:avLst/>
@@ -5152,7 +5136,7 @@
     </p:spTree>
     <p:extLst>
       <p:ext uri="{BB962C8B-B14F-4D97-AF65-F5344CB8AC3E}">
-        <p14:creationId xmlns:p14="http://schemas.microsoft.com/office/powerpoint/2010/main" val="1735413863"/>
+        <p14:creationId xmlns:p14="http://schemas.microsoft.com/office/powerpoint/2010/main" val="1713498334"/>
       </p:ext>
     </p:extLst>
   </p:cSld>
@@ -5162,7 +5146,7 @@
   <p:timing>
     <p:tnLst>
       <p:par>
-        <p:cTn id="1" dur="indefinite" restart="never" nodeType="tmRoot"/>
+        <p:cTn xmlns:p14="http://schemas.microsoft.com/office/powerpoint/2010/main" id="1" dur="indefinite" restart="never" nodeType="tmRoot"/>
       </p:par>
     </p:tnLst>
   </p:timing>
@@ -5203,7 +5187,7 @@
           <a:p>
             <a:r>
               <a:rPr lang="en-US" dirty="0" smtClean="0"/>
-              <a:t>Coupon Management and Add Coupon</a:t>
+              <a:t>Coupon Management and Adding Coupon</a:t>
             </a:r>
             <a:endParaRPr lang="en-US" dirty="0"/>
           </a:p>
@@ -5211,38 +5195,139 @@
       </p:sp>
       <p:sp>
         <p:nvSpPr>
-          <p:cNvPr id="3" name="Content Placeholder 2"/>
-          <p:cNvSpPr>
-            <a:spLocks noGrp="1"/>
-          </p:cNvSpPr>
-          <p:nvPr>
-            <p:ph idx="1"/>
-          </p:nvPr>
+          <p:cNvPr id="7" name="TextBox 6"/>
+          <p:cNvSpPr txBox="1"/>
+          <p:nvPr/>
         </p:nvSpPr>
         <p:spPr>
           <a:xfrm>
-            <a:off x="838200" y="3269457"/>
-            <a:ext cx="10515600" cy="4351338"/>
+            <a:off x="4407196" y="2378212"/>
+            <a:ext cx="7221386" cy="5016758"/>
           </a:xfrm>
+          <a:prstGeom prst="rect">
+            <a:avLst/>
+          </a:prstGeom>
+          <a:noFill/>
         </p:spPr>
         <p:txBody>
-          <a:bodyPr/>
-          <a:lstStyle/>
-          <a:p>
-            <a:endParaRPr lang="en-US" dirty="0" smtClean="0"/>
-          </a:p>
-          <a:p>
-            <a:r>
-              <a:rPr lang="en-US" dirty="0" smtClean="0"/>
-              <a:t>Coupon Management allows users to Add, Edit, Delete, or View Available Coupons.</a:t>
-            </a:r>
-            <a:endParaRPr lang="en-US" dirty="0"/>
+          <a:bodyPr wrap="square" rtlCol="0">
+            <a:spAutoFit/>
+          </a:bodyPr>
+          <a:lstStyle/>
+          <a:p>
+            <a:pPr marL="285750" indent="-285750">
+              <a:buFont typeface="Arial" panose="020B0604020202020204" pitchFamily="34" charset="0"/>
+              <a:buChar char="•"/>
+            </a:pPr>
+            <a:endParaRPr lang="en-US" sz="2000" dirty="0" smtClean="0"/>
+          </a:p>
+          <a:p>
+            <a:pPr marL="285750" indent="-285750">
+              <a:buFont typeface="Arial" panose="020B0604020202020204" pitchFamily="34" charset="0"/>
+              <a:buChar char="•"/>
+            </a:pPr>
+            <a:endParaRPr lang="en-US" sz="2000" dirty="0"/>
+          </a:p>
+          <a:p>
+            <a:pPr marL="285750" indent="-285750">
+              <a:buFont typeface="Arial" panose="020B0604020202020204" pitchFamily="34" charset="0"/>
+              <a:buChar char="•"/>
+            </a:pPr>
+            <a:endParaRPr lang="en-US" sz="2000" dirty="0" smtClean="0"/>
+          </a:p>
+          <a:p>
+            <a:pPr marL="285750" indent="-285750">
+              <a:buFont typeface="Arial" panose="020B0604020202020204" pitchFamily="34" charset="0"/>
+              <a:buChar char="•"/>
+            </a:pPr>
+            <a:r>
+              <a:rPr lang="en-US" sz="2000" dirty="0" smtClean="0"/>
+              <a:t>You must first select a product, here we have Beer with a retail price of $11.99</a:t>
+            </a:r>
+          </a:p>
+          <a:p>
+            <a:pPr marL="285750" indent="-285750">
+              <a:buFont typeface="Arial" panose="020B0604020202020204" pitchFamily="34" charset="0"/>
+              <a:buChar char="•"/>
+            </a:pPr>
+            <a:r>
+              <a:rPr lang="en-US" sz="2000" dirty="0" smtClean="0"/>
+              <a:t>Then you enter the dollar amount you want the coupon to save, we entered the coupon’s worth of $11.00.</a:t>
+            </a:r>
+          </a:p>
+          <a:p>
+            <a:pPr marL="285750" indent="-285750">
+              <a:buFont typeface="Arial" panose="020B0604020202020204" pitchFamily="34" charset="0"/>
+              <a:buChar char="•"/>
+            </a:pPr>
+            <a:r>
+              <a:rPr lang="en-US" sz="2000" dirty="0" smtClean="0"/>
+              <a:t>Enter a start date for the coupon, this coupon begins 2015-11-09.</a:t>
+            </a:r>
+          </a:p>
+          <a:p>
+            <a:pPr marL="285750" indent="-285750">
+              <a:buFont typeface="Arial" panose="020B0604020202020204" pitchFamily="34" charset="0"/>
+              <a:buChar char="•"/>
+            </a:pPr>
+            <a:r>
+              <a:rPr lang="en-US" sz="2000" dirty="0" smtClean="0"/>
+              <a:t>Enter a end date, this coupon expires on 2016-02-01.</a:t>
+            </a:r>
+          </a:p>
+          <a:p>
+            <a:pPr marL="285750" indent="-285750">
+              <a:buFont typeface="Arial" panose="020B0604020202020204" pitchFamily="34" charset="0"/>
+              <a:buChar char="•"/>
+            </a:pPr>
+            <a:r>
+              <a:rPr lang="en-US" sz="2000" dirty="0" smtClean="0"/>
+              <a:t>By clicking Add Coupon customers can now purchase Beer for $0.99.</a:t>
+            </a:r>
+          </a:p>
+          <a:p>
+            <a:pPr marL="285750" indent="-285750">
+              <a:buFont typeface="Arial" panose="020B0604020202020204" pitchFamily="34" charset="0"/>
+              <a:buChar char="•"/>
+            </a:pPr>
+            <a:r>
+              <a:rPr lang="en-US" sz="2000" dirty="0" smtClean="0"/>
+              <a:t>At anytime you can click Clear Entry to try again.</a:t>
+            </a:r>
+          </a:p>
+          <a:p>
+            <a:pPr marL="285750" indent="-285750">
+              <a:buFont typeface="Arial" panose="020B0604020202020204" pitchFamily="34" charset="0"/>
+              <a:buChar char="•"/>
+            </a:pPr>
+            <a:endParaRPr lang="en-US" sz="2000" dirty="0"/>
+          </a:p>
+          <a:p>
+            <a:pPr marL="285750" indent="-285750">
+              <a:buFont typeface="Arial" panose="020B0604020202020204" pitchFamily="34" charset="0"/>
+              <a:buChar char="•"/>
+            </a:pPr>
+            <a:endParaRPr lang="en-US" sz="2000" dirty="0"/>
+          </a:p>
+          <a:p>
+            <a:pPr marL="285750" indent="-285750">
+              <a:buFont typeface="Arial" panose="020B0604020202020204" pitchFamily="34" charset="0"/>
+              <a:buChar char="•"/>
+            </a:pPr>
+            <a:endParaRPr lang="en-US" sz="2000" dirty="0" smtClean="0"/>
+          </a:p>
+          <a:p>
+            <a:pPr marL="285750" indent="-285750">
+              <a:buFont typeface="Arial" panose="020B0604020202020204" pitchFamily="34" charset="0"/>
+              <a:buChar char="•"/>
+            </a:pPr>
+            <a:endParaRPr lang="en-US" sz="2000" dirty="0"/>
           </a:p>
         </p:txBody>
       </p:sp>
       <p:pic>
         <p:nvPicPr>
-          <p:cNvPr id="8" name="Picture 7"/>
+          <p:cNvPr id="14" name="Picture 13"/>
           <p:cNvPicPr>
             <a:picLocks noChangeAspect="1"/>
           </p:cNvPicPr>
@@ -5256,8 +5341,45 @@
         </p:blipFill>
         <p:spPr>
           <a:xfrm>
-            <a:off x="304800" y="1412082"/>
-            <a:ext cx="11582400" cy="1857375"/>
+            <a:off x="838200" y="3389128"/>
+            <a:ext cx="3451232" cy="3014981"/>
+          </a:xfrm>
+          <a:prstGeom prst="rect">
+            <a:avLst/>
+          </a:prstGeom>
+          <a:effectLst>
+            <a:outerShdw blurRad="50800" dist="38100" dir="8100000" algn="tr" rotWithShape="0">
+              <a:prstClr val="black">
+                <a:alpha val="40000"/>
+              </a:prstClr>
+            </a:outerShdw>
+          </a:effectLst>
+        </p:spPr>
+      </p:pic>
+      <p:pic>
+        <p:nvPicPr>
+          <p:cNvPr id="8" name="Picture 7" descr="Screen Shot 2015-11-09 at 3.01.56 AM.png"/>
+          <p:cNvPicPr>
+            <a:picLocks noChangeAspect="1"/>
+          </p:cNvPicPr>
+          <p:nvPr/>
+        </p:nvPicPr>
+        <p:blipFill>
+          <a:blip r:embed="rId3">
+            <a:extLst>
+              <a:ext uri="{28A0092B-C50C-407E-A947-70E740481C1C}">
+                <a14:useLocalDpi xmlns:a14="http://schemas.microsoft.com/office/drawing/2010/main" val="0"/>
+              </a:ext>
+            </a:extLst>
+          </a:blip>
+          <a:stretch>
+            <a:fillRect/>
+          </a:stretch>
+        </p:blipFill>
+        <p:spPr>
+          <a:xfrm>
+            <a:off x="1424362" y="1440003"/>
+            <a:ext cx="9343277" cy="1733616"/>
           </a:xfrm>
           <a:prstGeom prst="rect">
             <a:avLst/>
@@ -5267,7 +5389,7 @@
     </p:spTree>
     <p:extLst>
       <p:ext uri="{BB962C8B-B14F-4D97-AF65-F5344CB8AC3E}">
-        <p14:creationId xmlns:p14="http://schemas.microsoft.com/office/powerpoint/2010/main" val="1713498334"/>
+        <p14:creationId xmlns:p14="http://schemas.microsoft.com/office/powerpoint/2010/main" val="3949682001"/>
       </p:ext>
     </p:extLst>
   </p:cSld>
@@ -5277,7 +5399,7 @@
   <p:timing>
     <p:tnLst>
       <p:par>
-        <p:cTn id="1" dur="indefinite" restart="never" nodeType="tmRoot"/>
+        <p:cTn xmlns:p14="http://schemas.microsoft.com/office/powerpoint/2010/main" id="1" dur="indefinite" restart="never" nodeType="tmRoot"/>
       </p:par>
     </p:tnLst>
   </p:timing>
@@ -5318,7 +5440,7 @@
           <a:p>
             <a:r>
               <a:rPr lang="en-US" dirty="0" smtClean="0"/>
-              <a:t>Coupon Management and Adding Coupon</a:t>
+              <a:t>Coupon Management and Edit Coupon</a:t>
             </a:r>
             <a:endParaRPr lang="en-US" dirty="0"/>
           </a:p>
@@ -5326,148 +5448,53 @@
       </p:sp>
       <p:sp>
         <p:nvSpPr>
-          <p:cNvPr id="7" name="TextBox 6"/>
-          <p:cNvSpPr txBox="1"/>
-          <p:nvPr/>
+          <p:cNvPr id="3" name="Content Placeholder 2"/>
+          <p:cNvSpPr>
+            <a:spLocks noGrp="1"/>
+          </p:cNvSpPr>
+          <p:nvPr>
+            <p:ph idx="1"/>
+          </p:nvPr>
         </p:nvSpPr>
         <p:spPr>
           <a:xfrm>
-            <a:off x="4407196" y="2378212"/>
-            <a:ext cx="7221386" cy="5016758"/>
+            <a:off x="838200" y="3426690"/>
+            <a:ext cx="5904345" cy="3240956"/>
           </a:xfrm>
-          <a:prstGeom prst="rect">
-            <a:avLst/>
-          </a:prstGeom>
-          <a:noFill/>
         </p:spPr>
         <p:txBody>
-          <a:bodyPr wrap="square" rtlCol="0">
-            <a:spAutoFit/>
-          </a:bodyPr>
-          <a:lstStyle/>
-          <a:p>
-            <a:pPr marL="285750" indent="-285750">
-              <a:buFont typeface="Arial" panose="020B0604020202020204" pitchFamily="34" charset="0"/>
-              <a:buChar char="•"/>
-            </a:pPr>
-            <a:endParaRPr lang="en-US" sz="2000" dirty="0" smtClean="0"/>
-          </a:p>
-          <a:p>
-            <a:pPr marL="285750" indent="-285750">
-              <a:buFont typeface="Arial" panose="020B0604020202020204" pitchFamily="34" charset="0"/>
-              <a:buChar char="•"/>
-            </a:pPr>
-            <a:endParaRPr lang="en-US" sz="2000" dirty="0"/>
-          </a:p>
-          <a:p>
-            <a:pPr marL="285750" indent="-285750">
-              <a:buFont typeface="Arial" panose="020B0604020202020204" pitchFamily="34" charset="0"/>
-              <a:buChar char="•"/>
-            </a:pPr>
-            <a:endParaRPr lang="en-US" sz="2000" dirty="0" smtClean="0"/>
-          </a:p>
-          <a:p>
-            <a:pPr marL="285750" indent="-285750">
-              <a:buFont typeface="Arial" panose="020B0604020202020204" pitchFamily="34" charset="0"/>
-              <a:buChar char="•"/>
-            </a:pPr>
-            <a:r>
-              <a:rPr lang="en-US" sz="2000" dirty="0" smtClean="0"/>
-              <a:t>You must first select a product, here we have Beer with a retail price of $11.99</a:t>
-            </a:r>
-          </a:p>
-          <a:p>
-            <a:pPr marL="285750" indent="-285750">
-              <a:buFont typeface="Arial" panose="020B0604020202020204" pitchFamily="34" charset="0"/>
-              <a:buChar char="•"/>
-            </a:pPr>
-            <a:r>
-              <a:rPr lang="en-US" sz="2000" dirty="0" smtClean="0"/>
-              <a:t>Then you enter the dollar amount you want the coupon to save, we entered the coupon’s worth of $11.00.</a:t>
-            </a:r>
-          </a:p>
-          <a:p>
-            <a:pPr marL="285750" indent="-285750">
-              <a:buFont typeface="Arial" panose="020B0604020202020204" pitchFamily="34" charset="0"/>
-              <a:buChar char="•"/>
-            </a:pPr>
-            <a:r>
-              <a:rPr lang="en-US" sz="2000" dirty="0" smtClean="0"/>
-              <a:t>Enter a start date for the coupon, this coupon begins 2015-11-09.</a:t>
-            </a:r>
-          </a:p>
-          <a:p>
-            <a:pPr marL="285750" indent="-285750">
-              <a:buFont typeface="Arial" panose="020B0604020202020204" pitchFamily="34" charset="0"/>
-              <a:buChar char="•"/>
-            </a:pPr>
-            <a:r>
-              <a:rPr lang="en-US" sz="2000" dirty="0" smtClean="0"/>
-              <a:t>Enter a end date, this coupon expires on 2016-02-01.</a:t>
-            </a:r>
-          </a:p>
-          <a:p>
-            <a:pPr marL="285750" indent="-285750">
-              <a:buFont typeface="Arial" panose="020B0604020202020204" pitchFamily="34" charset="0"/>
-              <a:buChar char="•"/>
-            </a:pPr>
-            <a:r>
-              <a:rPr lang="en-US" sz="2000" dirty="0" smtClean="0"/>
-              <a:t>By clicking Add Coupon customers can now purchase</a:t>
-            </a:r>
-            <a:r>
-              <a:rPr lang="en-US" sz="2000" dirty="0" smtClean="0"/>
-              <a:t> Beer for $0.99.</a:t>
-            </a:r>
-          </a:p>
-          <a:p>
-            <a:pPr marL="285750" indent="-285750">
-              <a:buFont typeface="Arial" panose="020B0604020202020204" pitchFamily="34" charset="0"/>
-              <a:buChar char="•"/>
-            </a:pPr>
-            <a:r>
-              <a:rPr lang="en-US" sz="2000" dirty="0" smtClean="0"/>
-              <a:t>At anytime you can click Clear Entry </a:t>
-            </a:r>
-            <a:r>
-              <a:rPr lang="en-US" sz="2000" dirty="0" smtClean="0"/>
-              <a:t>to try again.</a:t>
-            </a:r>
-            <a:endParaRPr lang="en-US" sz="2000" dirty="0" smtClean="0"/>
-          </a:p>
-          <a:p>
-            <a:pPr marL="285750" indent="-285750">
-              <a:buFont typeface="Arial" panose="020B0604020202020204" pitchFamily="34" charset="0"/>
-              <a:buChar char="•"/>
-            </a:pPr>
-            <a:endParaRPr lang="en-US" sz="2000" dirty="0"/>
-          </a:p>
-          <a:p>
-            <a:pPr marL="285750" indent="-285750">
-              <a:buFont typeface="Arial" panose="020B0604020202020204" pitchFamily="34" charset="0"/>
-              <a:buChar char="•"/>
-            </a:pPr>
-            <a:endParaRPr lang="en-US" sz="2000" dirty="0"/>
-          </a:p>
-          <a:p>
-            <a:pPr marL="285750" indent="-285750">
-              <a:buFont typeface="Arial" panose="020B0604020202020204" pitchFamily="34" charset="0"/>
-              <a:buChar char="•"/>
-            </a:pPr>
-            <a:endParaRPr lang="en-US" sz="2000" dirty="0" smtClean="0"/>
-          </a:p>
-          <a:p>
-            <a:pPr marL="285750" indent="-285750">
-              <a:buFont typeface="Arial" panose="020B0604020202020204" pitchFamily="34" charset="0"/>
-              <a:buChar char="•"/>
-            </a:pPr>
-            <a:endParaRPr lang="en-US" sz="2000" dirty="0"/>
+          <a:bodyPr/>
+          <a:lstStyle/>
+          <a:p>
+            <a:r>
+              <a:rPr lang="en-US" dirty="0" smtClean="0"/>
+              <a:t>You can also edit any existing coupon.</a:t>
+            </a:r>
+          </a:p>
+          <a:p>
+            <a:r>
+              <a:rPr lang="en-US" dirty="0" smtClean="0"/>
+              <a:t>You are able to change the coupon savings amount.</a:t>
+            </a:r>
+          </a:p>
+          <a:p>
+            <a:r>
+              <a:rPr lang="en-US" dirty="0" smtClean="0"/>
+              <a:t>The start and end dates.</a:t>
+            </a:r>
+          </a:p>
+          <a:p>
+            <a:r>
+              <a:rPr lang="en-US" dirty="0" smtClean="0"/>
+              <a:t>Once you are done editing click Edit Coupon to save changes.</a:t>
+            </a:r>
+            <a:endParaRPr lang="en-US" dirty="0"/>
           </a:p>
         </p:txBody>
       </p:sp>
       <p:pic>
         <p:nvPicPr>
-          <p:cNvPr id="12" name="Picture 11"/>
+          <p:cNvPr id="7" name="Picture 6"/>
           <p:cNvPicPr>
             <a:picLocks noChangeAspect="1"/>
           </p:cNvPicPr>
@@ -5481,38 +5508,14 @@
         </p:blipFill>
         <p:spPr>
           <a:xfrm>
-            <a:off x="304800" y="1449522"/>
-            <a:ext cx="11582400" cy="1857375"/>
-          </a:xfrm>
-          <a:prstGeom prst="rect">
-            <a:avLst/>
-          </a:prstGeom>
-        </p:spPr>
-      </p:pic>
-      <p:pic>
-        <p:nvPicPr>
-          <p:cNvPr id="14" name="Picture 13"/>
-          <p:cNvPicPr>
-            <a:picLocks noChangeAspect="1"/>
-          </p:cNvPicPr>
-          <p:nvPr/>
-        </p:nvPicPr>
-        <p:blipFill>
-          <a:blip r:embed="rId3"/>
-          <a:stretch>
-            <a:fillRect/>
-          </a:stretch>
-        </p:blipFill>
-        <p:spPr>
-          <a:xfrm>
-            <a:off x="838200" y="3389128"/>
-            <a:ext cx="3451232" cy="3014981"/>
+            <a:off x="7343774" y="3405188"/>
+            <a:ext cx="3705225" cy="3076575"/>
           </a:xfrm>
           <a:prstGeom prst="rect">
             <a:avLst/>
           </a:prstGeom>
           <a:effectLst>
-            <a:outerShdw blurRad="50800" dist="38100" dir="8100000" algn="tr" rotWithShape="0">
+            <a:outerShdw blurRad="50800" dist="38100" dir="2700000" algn="tl" rotWithShape="0">
               <a:prstClr val="black">
                 <a:alpha val="40000"/>
               </a:prstClr>
@@ -5520,10 +5523,40 @@
           </a:effectLst>
         </p:spPr>
       </p:pic>
+      <p:pic>
+        <p:nvPicPr>
+          <p:cNvPr id="5" name="Picture 4" descr="Screen Shot 2015-11-09 at 3.02.01 AM.png"/>
+          <p:cNvPicPr>
+            <a:picLocks noChangeAspect="1"/>
+          </p:cNvPicPr>
+          <p:nvPr/>
+        </p:nvPicPr>
+        <p:blipFill>
+          <a:blip r:embed="rId3">
+            <a:extLst>
+              <a:ext uri="{28A0092B-C50C-407E-A947-70E740481C1C}">
+                <a14:useLocalDpi xmlns:a14="http://schemas.microsoft.com/office/drawing/2010/main" val="0"/>
+              </a:ext>
+            </a:extLst>
+          </a:blip>
+          <a:stretch>
+            <a:fillRect/>
+          </a:stretch>
+        </p:blipFill>
+        <p:spPr>
+          <a:xfrm>
+            <a:off x="1500964" y="1392083"/>
+            <a:ext cx="9190072" cy="1694560"/>
+          </a:xfrm>
+          <a:prstGeom prst="rect">
+            <a:avLst/>
+          </a:prstGeom>
+        </p:spPr>
+      </p:pic>
     </p:spTree>
     <p:extLst>
       <p:ext uri="{BB962C8B-B14F-4D97-AF65-F5344CB8AC3E}">
-        <p14:creationId xmlns:p14="http://schemas.microsoft.com/office/powerpoint/2010/main" val="3949682001"/>
+        <p14:creationId xmlns:p14="http://schemas.microsoft.com/office/powerpoint/2010/main" val="4227771524"/>
       </p:ext>
     </p:extLst>
   </p:cSld>
@@ -5533,7 +5566,7 @@
   <p:timing>
     <p:tnLst>
       <p:par>
-        <p:cTn id="1" dur="indefinite" restart="never" nodeType="tmRoot"/>
+        <p:cTn xmlns:p14="http://schemas.microsoft.com/office/powerpoint/2010/main" id="1" dur="indefinite" restart="never" nodeType="tmRoot"/>
       </p:par>
     </p:tnLst>
   </p:timing>
@@ -5574,7 +5607,7 @@
           <a:p>
             <a:r>
               <a:rPr lang="en-US" dirty="0" smtClean="0"/>
-              <a:t>Coupon Management and Edit Coupon</a:t>
+              <a:t>Coupon Management and Delete Coupon</a:t>
             </a:r>
             <a:endParaRPr lang="en-US" dirty="0"/>
           </a:p>
@@ -5592,8 +5625,8 @@
         </p:nvSpPr>
         <p:spPr>
           <a:xfrm>
-            <a:off x="838200" y="3426690"/>
-            <a:ext cx="5904345" cy="3240956"/>
+            <a:off x="5384800" y="3595688"/>
+            <a:ext cx="5969000" cy="1725036"/>
           </a:xfrm>
         </p:spPr>
         <p:txBody>
@@ -5602,25 +5635,7 @@
           <a:p>
             <a:r>
               <a:rPr lang="en-US" dirty="0" smtClean="0"/>
-              <a:t>You can also edit any existing coupon.</a:t>
-            </a:r>
-          </a:p>
-          <a:p>
-            <a:r>
-              <a:rPr lang="en-US" dirty="0" smtClean="0"/>
-              <a:t>You are able to change the coupon savings amount.</a:t>
-            </a:r>
-          </a:p>
-          <a:p>
-            <a:r>
-              <a:rPr lang="en-US" dirty="0" smtClean="0"/>
-              <a:t>The start and end dates.</a:t>
-            </a:r>
-          </a:p>
-          <a:p>
-            <a:r>
-              <a:rPr lang="en-US" dirty="0" smtClean="0"/>
-              <a:t>Once you are done editing click Edit Coupon to save changes.</a:t>
+              <a:t>You can delete a coupon by selecting it and simply clicking Delete Coupon.</a:t>
             </a:r>
             <a:endParaRPr lang="en-US" dirty="0"/>
           </a:p>
@@ -5642,8 +5657,8 @@
         </p:blipFill>
         <p:spPr>
           <a:xfrm>
-            <a:off x="561975" y="1690688"/>
-            <a:ext cx="11068050" cy="1714500"/>
+            <a:off x="838200" y="3595688"/>
+            <a:ext cx="4619625" cy="2028825"/>
           </a:xfrm>
           <a:prstGeom prst="rect">
             <a:avLst/>
@@ -5652,39 +5667,38 @@
       </p:pic>
       <p:pic>
         <p:nvPicPr>
-          <p:cNvPr id="7" name="Picture 6"/>
+          <p:cNvPr id="4" name="Picture 3" descr="Screen Shot 2015-11-09 at 3.02.07 AM.png"/>
           <p:cNvPicPr>
             <a:picLocks noChangeAspect="1"/>
           </p:cNvPicPr>
           <p:nvPr/>
         </p:nvPicPr>
         <p:blipFill>
-          <a:blip r:embed="rId3"/>
+          <a:blip r:embed="rId3">
+            <a:extLst>
+              <a:ext uri="{28A0092B-C50C-407E-A947-70E740481C1C}">
+                <a14:useLocalDpi xmlns:a14="http://schemas.microsoft.com/office/drawing/2010/main" val="0"/>
+              </a:ext>
+            </a:extLst>
+          </a:blip>
           <a:stretch>
             <a:fillRect/>
           </a:stretch>
         </p:blipFill>
         <p:spPr>
           <a:xfrm>
-            <a:off x="7343774" y="3405188"/>
-            <a:ext cx="3705225" cy="3076575"/>
+            <a:off x="1451006" y="1518134"/>
+            <a:ext cx="9289989" cy="1654382"/>
           </a:xfrm>
           <a:prstGeom prst="rect">
             <a:avLst/>
           </a:prstGeom>
-          <a:effectLst>
-            <a:outerShdw blurRad="50800" dist="38100" dir="2700000" algn="tl" rotWithShape="0">
-              <a:prstClr val="black">
-                <a:alpha val="40000"/>
-              </a:prstClr>
-            </a:outerShdw>
-          </a:effectLst>
         </p:spPr>
       </p:pic>
     </p:spTree>
     <p:extLst>
       <p:ext uri="{BB962C8B-B14F-4D97-AF65-F5344CB8AC3E}">
-        <p14:creationId xmlns:p14="http://schemas.microsoft.com/office/powerpoint/2010/main" val="4227771524"/>
+        <p14:creationId xmlns:p14="http://schemas.microsoft.com/office/powerpoint/2010/main" val="3257540605"/>
       </p:ext>
     </p:extLst>
   </p:cSld>
@@ -5694,7 +5708,7 @@
   <p:timing>
     <p:tnLst>
       <p:par>
-        <p:cTn id="1" dur="indefinite" restart="never" nodeType="tmRoot"/>
+        <p:cTn xmlns:p14="http://schemas.microsoft.com/office/powerpoint/2010/main" id="1" dur="indefinite" restart="never" nodeType="tmRoot"/>
       </p:par>
     </p:tnLst>
   </p:timing>
@@ -5744,7 +5758,7 @@
     </a:clrScheme>
     <a:fontScheme name="Office">
       <a:majorFont>
-        <a:latin typeface="Calibri Light" panose="020F0302020204030204"/>
+        <a:latin typeface="Calibri Light"/>
         <a:ea typeface=""/>
         <a:cs typeface=""/>
         <a:font script="Jpan" typeface="ＭＳ Ｐゴシック"/>
@@ -5779,7 +5793,7 @@
         <a:font script="Geor" typeface="Sylfaen"/>
       </a:majorFont>
       <a:minorFont>
-        <a:latin typeface="Calibri" panose="020F0502020204030204"/>
+        <a:latin typeface="Calibri"/>
         <a:ea typeface=""/>
         <a:cs typeface=""/>
         <a:font script="Jpan" typeface="ＭＳ Ｐゴシック"/>
@@ -5956,7 +5970,7 @@
   <a:extraClrSchemeLst/>
   <a:extLst>
     <a:ext uri="{05A4C25C-085E-4340-85A3-A5531E510DB2}">
-      <thm15:themeFamily xmlns:thm15="http://schemas.microsoft.com/office/thememl/2012/main" name="Office Theme" id="{62F939B6-93AF-4DB8-9C6B-D6C7DFDC589F}" vid="{4A3C46E8-61CC-4603-A589-7422A47A8E4A}"/>
+      <thm15:themeFamily xmlns:thm15="http://schemas.microsoft.com/office/thememl/2012/main" xmlns="" name="Office Theme" id="{62F939B6-93AF-4DB8-9C6B-D6C7DFDC589F}" vid="{4A3C46E8-61CC-4603-A589-7422A47A8E4A}"/>
     </a:ext>
   </a:extLst>
 </a:theme>

--- a/documents/MamaG_Presentation.pptx
+++ b/documents/MamaG_Presentation.pptx
@@ -2,7 +2,7 @@
 <file path=ppt/presentation.xml><?xml version="1.0" encoding="utf-8"?>
 <p:presentation xmlns:a="http://schemas.openxmlformats.org/drawingml/2006/main" xmlns:r="http://schemas.openxmlformats.org/officeDocument/2006/relationships" xmlns:p="http://schemas.openxmlformats.org/presentationml/2006/main" saveSubsetFonts="1">
   <p:sldMasterIdLst>
-    <p:sldMasterId id="2147483648" r:id="rId1"/>
+    <p:sldMasterId id="2147483713" r:id="rId1"/>
   </p:sldMasterIdLst>
   <p:sldIdLst>
     <p:sldId id="256" r:id="rId2"/>
@@ -127,11 +127,27 @@
       </a:defRPr>
     </a:lvl9pPr>
   </p:defaultTextStyle>
+  <p:extLst>
+    <p:ext uri="{EFAFB233-063F-42B5-8137-9DF3F51BA10A}">
+      <p15:sldGuideLst xmlns:p15="http://schemas.microsoft.com/office/powerpoint/2012/main">
+        <p15:guide id="1" orient="horz" pos="2160">
+          <p15:clr>
+            <a:srgbClr val="A4A3A4"/>
+          </p15:clr>
+        </p15:guide>
+        <p15:guide id="2" pos="3840">
+          <p15:clr>
+            <a:srgbClr val="A4A3A4"/>
+          </p15:clr>
+        </p15:guide>
+      </p15:sldGuideLst>
+    </p:ext>
+  </p:extLst>
 </p:presentation>
 </file>
 
 <file path=ppt/slideLayouts/slideLayout1.xml><?xml version="1.0" encoding="utf-8"?>
-<p:sldLayout xmlns:a="http://schemas.openxmlformats.org/drawingml/2006/main" xmlns:r="http://schemas.openxmlformats.org/officeDocument/2006/relationships" xmlns:p="http://schemas.openxmlformats.org/presentationml/2006/main" type="title" preserve="1">
+<p:sldLayout xmlns:a="http://schemas.openxmlformats.org/drawingml/2006/main" xmlns:r="http://schemas.openxmlformats.org/officeDocument/2006/relationships" xmlns:p="http://schemas.openxmlformats.org/presentationml/2006/main" showMasterSp="0" type="title" preserve="1">
   <p:cSld name="Title Slide">
     <p:spTree>
       <p:nvGrpSpPr>
@@ -159,15 +175,17 @@
         </p:nvSpPr>
         <p:spPr>
           <a:xfrm>
-            <a:off x="1524000" y="1122363"/>
-            <a:ext cx="9144000" cy="2387600"/>
-          </a:xfrm>
-        </p:spPr>
-        <p:txBody>
-          <a:bodyPr anchor="b"/>
+            <a:off x="457200" y="4960137"/>
+            <a:ext cx="7772400" cy="1463040"/>
+          </a:xfrm>
+        </p:spPr>
+        <p:txBody>
+          <a:bodyPr anchor="ctr">
+            <a:normAutofit/>
+          </a:bodyPr>
           <a:lstStyle>
-            <a:lvl1pPr algn="ctr">
-              <a:defRPr sz="6000"/>
+            <a:lvl1pPr algn="r">
+              <a:defRPr sz="5000" spc="200" baseline="0"/>
             </a:lvl1pPr>
           </a:lstStyle>
           <a:p>
@@ -175,7 +193,7 @@
               <a:rPr lang="en-US" smtClean="0"/>
               <a:t>Click to edit Master title style</a:t>
             </a:r>
-            <a:endParaRPr lang="en-US"/>
+            <a:endParaRPr lang="en-US" dirty="0"/>
           </a:p>
         </p:txBody>
       </p:sp>
@@ -191,20 +209,35 @@
         </p:nvSpPr>
         <p:spPr>
           <a:xfrm>
-            <a:off x="1524000" y="3602038"/>
-            <a:ext cx="9144000" cy="1655762"/>
-          </a:xfrm>
-        </p:spPr>
-        <p:txBody>
-          <a:bodyPr/>
+            <a:off x="8610600" y="4960137"/>
+            <a:ext cx="3200400" cy="1463040"/>
+          </a:xfrm>
+        </p:spPr>
+        <p:txBody>
+          <a:bodyPr lIns="91440" rIns="91440" anchor="ctr">
+            <a:normAutofit/>
+          </a:bodyPr>
           <a:lstStyle>
-            <a:lvl1pPr marL="0" indent="0" algn="ctr">
+            <a:lvl1pPr marL="0" indent="0" algn="l">
+              <a:lnSpc>
+                <a:spcPct val="100000"/>
+              </a:lnSpc>
+              <a:spcBef>
+                <a:spcPts val="0"/>
+              </a:spcBef>
               <a:buNone/>
-              <a:defRPr sz="2400"/>
+              <a:defRPr sz="1800">
+                <a:solidFill>
+                  <a:schemeClr val="tx1">
+                    <a:lumMod val="95000"/>
+                    <a:lumOff val="5000"/>
+                  </a:schemeClr>
+                </a:solidFill>
+              </a:defRPr>
             </a:lvl1pPr>
             <a:lvl2pPr marL="457200" indent="0" algn="ctr">
               <a:buNone/>
-              <a:defRPr sz="2000"/>
+              <a:defRPr sz="1800"/>
             </a:lvl2pPr>
             <a:lvl3pPr marL="914400" indent="0" algn="ctr">
               <a:buNone/>
@@ -212,27 +245,27 @@
             </a:lvl3pPr>
             <a:lvl4pPr marL="1371600" indent="0" algn="ctr">
               <a:buNone/>
-              <a:defRPr sz="1600"/>
+              <a:defRPr sz="1800"/>
             </a:lvl4pPr>
             <a:lvl5pPr marL="1828800" indent="0" algn="ctr">
               <a:buNone/>
-              <a:defRPr sz="1600"/>
+              <a:defRPr sz="1800"/>
             </a:lvl5pPr>
             <a:lvl6pPr marL="2286000" indent="0" algn="ctr">
               <a:buNone/>
-              <a:defRPr sz="1600"/>
+              <a:defRPr sz="1800"/>
             </a:lvl6pPr>
             <a:lvl7pPr marL="2743200" indent="0" algn="ctr">
               <a:buNone/>
-              <a:defRPr sz="1600"/>
+              <a:defRPr sz="1800"/>
             </a:lvl7pPr>
             <a:lvl8pPr marL="3200400" indent="0" algn="ctr">
               <a:buNone/>
-              <a:defRPr sz="1600"/>
+              <a:defRPr sz="1800"/>
             </a:lvl8pPr>
             <a:lvl9pPr marL="3657600" indent="0" algn="ctr">
               <a:buNone/>
-              <a:defRPr sz="1600"/>
+              <a:defRPr sz="1800"/>
             </a:lvl9pPr>
           </a:lstStyle>
           <a:p>
@@ -240,7 +273,7 @@
               <a:rPr lang="en-US" smtClean="0"/>
               <a:t>Click to edit Master subtitle style</a:t>
             </a:r>
-            <a:endParaRPr lang="en-US"/>
+            <a:endParaRPr lang="en-US" dirty="0"/>
           </a:p>
         </p:txBody>
       </p:sp>
@@ -257,11 +290,15 @@
         <p:spPr/>
         <p:txBody>
           <a:bodyPr/>
-          <a:lstStyle/>
+          <a:lstStyle>
+            <a:lvl1pPr algn="l">
+              <a:defRPr/>
+            </a:lvl1pPr>
+          </a:lstStyle>
           <a:p>
             <a:fld id="{04479EDF-97A5-494E-AAF6-7EBC952C85CA}" type="datetimeFigureOut">
               <a:rPr lang="en-US" smtClean="0"/>
-              <a:t>11/9/15</a:t>
+              <a:t>11/11/2015</a:t>
             </a:fld>
             <a:endParaRPr lang="en-US"/>
           </a:p>
@@ -309,10 +346,93 @@
           </a:p>
         </p:txBody>
       </p:sp>
+      <p:cxnSp>
+        <p:nvCxnSpPr>
+          <p:cNvPr id="13" name="Straight Connector 12"/>
+          <p:cNvCxnSpPr/>
+          <p:nvPr/>
+        </p:nvCxnSpPr>
+        <p:spPr>
+          <a:xfrm flipV="1">
+            <a:off x="8386842" y="5264106"/>
+            <a:ext cx="0" cy="914400"/>
+          </a:xfrm>
+          <a:prstGeom prst="line">
+            <a:avLst/>
+          </a:prstGeom>
+          <a:ln w="19050">
+            <a:solidFill>
+              <a:schemeClr val="accent1"/>
+            </a:solidFill>
+          </a:ln>
+        </p:spPr>
+        <p:style>
+          <a:lnRef idx="1">
+            <a:schemeClr val="accent1"/>
+          </a:lnRef>
+          <a:fillRef idx="0">
+            <a:schemeClr val="accent1"/>
+          </a:fillRef>
+          <a:effectRef idx="0">
+            <a:schemeClr val="accent1"/>
+          </a:effectRef>
+          <a:fontRef idx="minor">
+            <a:schemeClr val="tx1"/>
+          </a:fontRef>
+        </p:style>
+      </p:cxnSp>
+      <p:sp>
+        <p:nvSpPr>
+          <p:cNvPr id="10" name="Rectangle 9"/>
+          <p:cNvSpPr/>
+          <p:nvPr/>
+        </p:nvSpPr>
+        <p:spPr>
+          <a:xfrm>
+            <a:off x="0" y="0"/>
+            <a:ext cx="12192000" cy="4572001"/>
+          </a:xfrm>
+          <a:prstGeom prst="rect">
+            <a:avLst/>
+          </a:prstGeom>
+          <a:blipFill dpi="0" rotWithShape="1">
+            <a:blip r:embed="rId2">
+              <a:duotone>
+                <a:schemeClr val="accent1">
+                  <a:shade val="45000"/>
+                  <a:satMod val="135000"/>
+                </a:schemeClr>
+                <a:prstClr val="white"/>
+              </a:duotone>
+            </a:blip>
+            <a:srcRect/>
+            <a:tile tx="-133350" ty="-6350" sx="50000" sy="50000" flip="none" algn="tl"/>
+          </a:blipFill>
+          <a:ln>
+            <a:noFill/>
+          </a:ln>
+        </p:spPr>
+        <p:style>
+          <a:lnRef idx="2">
+            <a:schemeClr val="accent1">
+              <a:shade val="50000"/>
+            </a:schemeClr>
+          </a:lnRef>
+          <a:fillRef idx="1">
+            <a:schemeClr val="accent1"/>
+          </a:fillRef>
+          <a:effectRef idx="0">
+            <a:schemeClr val="accent1"/>
+          </a:effectRef>
+          <a:fontRef idx="minor">
+            <a:schemeClr val="lt1"/>
+          </a:fontRef>
+        </p:style>
+      </p:sp>
     </p:spTree>
     <p:extLst>
       <p:ext uri="{BB962C8B-B14F-4D97-AF65-F5344CB8AC3E}">
-        <p14:creationId xmlns:p14="http://schemas.microsoft.com/office/powerpoint/2010/main" val="2800446593"/>
+        <p14:creationId xmlns:p14="http://schemas.microsoft.com/office/powerpoint/2010/main" val="592695621"/>
       </p:ext>
     </p:extLst>
   </p:cSld>
@@ -358,7 +478,7 @@
               <a:rPr lang="en-US" smtClean="0"/>
               <a:t>Click to edit Master title style</a:t>
             </a:r>
-            <a:endParaRPr lang="en-US"/>
+            <a:endParaRPr lang="en-US" dirty="0"/>
           </a:p>
         </p:txBody>
       </p:sp>
@@ -410,7 +530,7 @@
               <a:rPr lang="en-US" smtClean="0"/>
               <a:t>Fifth level</a:t>
             </a:r>
-            <a:endParaRPr lang="en-US"/>
+            <a:endParaRPr lang="en-US" dirty="0"/>
           </a:p>
         </p:txBody>
       </p:sp>
@@ -431,7 +551,7 @@
           <a:p>
             <a:fld id="{04479EDF-97A5-494E-AAF6-7EBC952C85CA}" type="datetimeFigureOut">
               <a:rPr lang="en-US" smtClean="0"/>
-              <a:t>11/9/15</a:t>
+              <a:t>11/11/2015</a:t>
             </a:fld>
             <a:endParaRPr lang="en-US"/>
           </a:p>
@@ -482,7 +602,7 @@
     </p:spTree>
     <p:extLst>
       <p:ext uri="{BB962C8B-B14F-4D97-AF65-F5344CB8AC3E}">
-        <p14:creationId xmlns:p14="http://schemas.microsoft.com/office/powerpoint/2010/main" val="438706848"/>
+        <p14:creationId xmlns:p14="http://schemas.microsoft.com/office/powerpoint/2010/main" val="1963242476"/>
       </p:ext>
     </p:extLst>
   </p:cSld>
@@ -493,7 +613,7 @@
 </file>
 
 <file path=ppt/slideLayouts/slideLayout11.xml><?xml version="1.0" encoding="utf-8"?>
-<p:sldLayout xmlns:a="http://schemas.openxmlformats.org/drawingml/2006/main" xmlns:r="http://schemas.openxmlformats.org/officeDocument/2006/relationships" xmlns:p="http://schemas.openxmlformats.org/presentationml/2006/main" type="vertTitleAndTx" preserve="1">
+<p:sldLayout xmlns:a="http://schemas.openxmlformats.org/drawingml/2006/main" xmlns:r="http://schemas.openxmlformats.org/officeDocument/2006/relationships" xmlns:p="http://schemas.openxmlformats.org/presentationml/2006/main" showMasterSp="0" type="vertTitleAndTx" preserve="1">
   <p:cSld name="Vertical Title and Text">
     <p:spTree>
       <p:nvGrpSpPr>
@@ -521,42 +641,42 @@
         </p:nvSpPr>
         <p:spPr>
           <a:xfrm>
-            <a:off x="8724900" y="365125"/>
-            <a:ext cx="2628900" cy="5811838"/>
+            <a:off x="8724901" y="762000"/>
+            <a:ext cx="2628900" cy="5410200"/>
+          </a:xfrm>
+        </p:spPr>
+        <p:txBody>
+          <a:bodyPr vert="eaVert" lIns="45720" tIns="91440" rIns="45720" bIns="91440"/>
+          <a:lstStyle/>
+          <a:p>
+            <a:r>
+              <a:rPr lang="en-US" smtClean="0"/>
+              <a:t>Click to edit Master title style</a:t>
+            </a:r>
+            <a:endParaRPr lang="en-US" dirty="0"/>
+          </a:p>
+        </p:txBody>
+      </p:sp>
+      <p:sp>
+        <p:nvSpPr>
+          <p:cNvPr id="3" name="Vertical Text Placeholder 2"/>
+          <p:cNvSpPr>
+            <a:spLocks noGrp="1"/>
+          </p:cNvSpPr>
+          <p:nvPr>
+            <p:ph type="body" orient="vert" idx="1"/>
+          </p:nvPr>
+        </p:nvSpPr>
+        <p:spPr>
+          <a:xfrm>
+            <a:off x="990601" y="762000"/>
+            <a:ext cx="7581900" cy="5410200"/>
           </a:xfrm>
         </p:spPr>
         <p:txBody>
           <a:bodyPr vert="eaVert"/>
           <a:lstStyle/>
           <a:p>
-            <a:r>
-              <a:rPr lang="en-US" smtClean="0"/>
-              <a:t>Click to edit Master title style</a:t>
-            </a:r>
-            <a:endParaRPr lang="en-US"/>
-          </a:p>
-        </p:txBody>
-      </p:sp>
-      <p:sp>
-        <p:nvSpPr>
-          <p:cNvPr id="3" name="Vertical Text Placeholder 2"/>
-          <p:cNvSpPr>
-            <a:spLocks noGrp="1"/>
-          </p:cNvSpPr>
-          <p:nvPr>
-            <p:ph type="body" orient="vert" idx="1"/>
-          </p:nvPr>
-        </p:nvSpPr>
-        <p:spPr>
-          <a:xfrm>
-            <a:off x="838200" y="365125"/>
-            <a:ext cx="7734300" cy="5811838"/>
-          </a:xfrm>
-        </p:spPr>
-        <p:txBody>
-          <a:bodyPr vert="eaVert"/>
-          <a:lstStyle/>
-          <a:p>
             <a:pPr lvl="0"/>
             <a:r>
               <a:rPr lang="en-US" smtClean="0"/>
@@ -590,7 +710,7 @@
               <a:rPr lang="en-US" smtClean="0"/>
               <a:t>Fifth level</a:t>
             </a:r>
-            <a:endParaRPr lang="en-US"/>
+            <a:endParaRPr lang="en-US" dirty="0"/>
           </a:p>
         </p:txBody>
       </p:sp>
@@ -611,7 +731,7 @@
           <a:p>
             <a:fld id="{04479EDF-97A5-494E-AAF6-7EBC952C85CA}" type="datetimeFigureOut">
               <a:rPr lang="en-US" smtClean="0"/>
-              <a:t>11/9/15</a:t>
+              <a:t>11/11/2015</a:t>
             </a:fld>
             <a:endParaRPr lang="en-US"/>
           </a:p>
@@ -659,10 +779,45 @@
           </a:p>
         </p:txBody>
       </p:sp>
+      <p:cxnSp>
+        <p:nvCxnSpPr>
+          <p:cNvPr id="7" name="Straight Connector 6"/>
+          <p:cNvCxnSpPr/>
+          <p:nvPr/>
+        </p:nvCxnSpPr>
+        <p:spPr>
+          <a:xfrm rot="5400000" flipV="1">
+            <a:off x="10058400" y="59263"/>
+            <a:ext cx="0" cy="914400"/>
+          </a:xfrm>
+          <a:prstGeom prst="line">
+            <a:avLst/>
+          </a:prstGeom>
+          <a:ln w="19050">
+            <a:solidFill>
+              <a:schemeClr val="accent1"/>
+            </a:solidFill>
+          </a:ln>
+        </p:spPr>
+        <p:style>
+          <a:lnRef idx="1">
+            <a:schemeClr val="accent1"/>
+          </a:lnRef>
+          <a:fillRef idx="0">
+            <a:schemeClr val="accent1"/>
+          </a:fillRef>
+          <a:effectRef idx="0">
+            <a:schemeClr val="accent1"/>
+          </a:effectRef>
+          <a:fontRef idx="minor">
+            <a:schemeClr val="tx1"/>
+          </a:fontRef>
+        </p:style>
+      </p:cxnSp>
     </p:spTree>
     <p:extLst>
       <p:ext uri="{BB962C8B-B14F-4D97-AF65-F5344CB8AC3E}">
-        <p14:creationId xmlns:p14="http://schemas.microsoft.com/office/powerpoint/2010/main" val="2601784626"/>
+        <p14:creationId xmlns:p14="http://schemas.microsoft.com/office/powerpoint/2010/main" val="2474633374"/>
       </p:ext>
     </p:extLst>
   </p:cSld>
@@ -708,7 +863,7 @@
               <a:rPr lang="en-US" smtClean="0"/>
               <a:t>Click to edit Master title style</a:t>
             </a:r>
-            <a:endParaRPr lang="en-US"/>
+            <a:endParaRPr lang="en-US" dirty="0"/>
           </a:p>
         </p:txBody>
       </p:sp>
@@ -760,7 +915,7 @@
               <a:rPr lang="en-US" smtClean="0"/>
               <a:t>Fifth level</a:t>
             </a:r>
-            <a:endParaRPr lang="en-US"/>
+            <a:endParaRPr lang="en-US" dirty="0"/>
           </a:p>
         </p:txBody>
       </p:sp>
@@ -781,7 +936,7 @@
           <a:p>
             <a:fld id="{04479EDF-97A5-494E-AAF6-7EBC952C85CA}" type="datetimeFigureOut">
               <a:rPr lang="en-US" smtClean="0"/>
-              <a:t>11/9/15</a:t>
+              <a:t>11/11/2015</a:t>
             </a:fld>
             <a:endParaRPr lang="en-US"/>
           </a:p>
@@ -832,7 +987,7 @@
     </p:spTree>
     <p:extLst>
       <p:ext uri="{BB962C8B-B14F-4D97-AF65-F5344CB8AC3E}">
-        <p14:creationId xmlns:p14="http://schemas.microsoft.com/office/powerpoint/2010/main" val="1052086015"/>
+        <p14:creationId xmlns:p14="http://schemas.microsoft.com/office/powerpoint/2010/main" val="4098329404"/>
       </p:ext>
     </p:extLst>
   </p:cSld>
@@ -843,7 +998,7 @@
 </file>
 
 <file path=ppt/slideLayouts/slideLayout3.xml><?xml version="1.0" encoding="utf-8"?>
-<p:sldLayout xmlns:a="http://schemas.openxmlformats.org/drawingml/2006/main" xmlns:r="http://schemas.openxmlformats.org/officeDocument/2006/relationships" xmlns:p="http://schemas.openxmlformats.org/presentationml/2006/main" type="secHead" preserve="1">
+<p:sldLayout xmlns:a="http://schemas.openxmlformats.org/drawingml/2006/main" xmlns:r="http://schemas.openxmlformats.org/officeDocument/2006/relationships" xmlns:p="http://schemas.openxmlformats.org/presentationml/2006/main" showMasterSp="0" type="secHead" preserve="1">
   <p:cSld name="Section Header">
     <p:spTree>
       <p:nvGrpSpPr>
@@ -871,15 +1026,17 @@
         </p:nvSpPr>
         <p:spPr>
           <a:xfrm>
-            <a:off x="831850" y="1709738"/>
-            <a:ext cx="10515600" cy="2852737"/>
-          </a:xfrm>
-        </p:spPr>
-        <p:txBody>
-          <a:bodyPr anchor="b"/>
+            <a:off x="457200" y="4960137"/>
+            <a:ext cx="7772400" cy="1463040"/>
+          </a:xfrm>
+        </p:spPr>
+        <p:txBody>
+          <a:bodyPr anchor="ctr">
+            <a:normAutofit/>
+          </a:bodyPr>
           <a:lstStyle>
-            <a:lvl1pPr>
-              <a:defRPr sz="6000"/>
+            <a:lvl1pPr algn="r">
+              <a:defRPr sz="5000" b="0" spc="200" baseline="0"/>
             </a:lvl1pPr>
           </a:lstStyle>
           <a:p>
@@ -887,7 +1044,7 @@
               <a:rPr lang="en-US" smtClean="0"/>
               <a:t>Click to edit Master title style</a:t>
             </a:r>
-            <a:endParaRPr lang="en-US"/>
+            <a:endParaRPr lang="en-US" dirty="0"/>
           </a:p>
         </p:txBody>
       </p:sp>
@@ -903,26 +1060,35 @@
         </p:nvSpPr>
         <p:spPr>
           <a:xfrm>
-            <a:off x="831850" y="4589463"/>
-            <a:ext cx="10515600" cy="1500187"/>
-          </a:xfrm>
-        </p:spPr>
-        <p:txBody>
-          <a:bodyPr/>
+            <a:off x="8610600" y="4960137"/>
+            <a:ext cx="3200400" cy="1463040"/>
+          </a:xfrm>
+        </p:spPr>
+        <p:txBody>
+          <a:bodyPr lIns="91440" rIns="91440" anchor="ctr">
+            <a:normAutofit/>
+          </a:bodyPr>
           <a:lstStyle>
             <a:lvl1pPr marL="0" indent="0">
+              <a:lnSpc>
+                <a:spcPct val="100000"/>
+              </a:lnSpc>
+              <a:spcBef>
+                <a:spcPts val="0"/>
+              </a:spcBef>
               <a:buNone/>
-              <a:defRPr sz="2400">
+              <a:defRPr sz="1800">
                 <a:solidFill>
                   <a:schemeClr val="tx1">
-                    <a:tint val="75000"/>
+                    <a:lumMod val="95000"/>
+                    <a:lumOff val="5000"/>
                   </a:schemeClr>
                 </a:solidFill>
               </a:defRPr>
             </a:lvl1pPr>
             <a:lvl2pPr marL="457200" indent="0">
               <a:buNone/>
-              <a:defRPr sz="2000">
+              <a:defRPr sz="1800">
                 <a:solidFill>
                   <a:schemeClr val="tx1">
                     <a:tint val="75000"/>
@@ -932,7 +1098,7 @@
             </a:lvl2pPr>
             <a:lvl3pPr marL="914400" indent="0">
               <a:buNone/>
-              <a:defRPr sz="1800">
+              <a:defRPr sz="1600">
                 <a:solidFill>
                   <a:schemeClr val="tx1">
                     <a:tint val="75000"/>
@@ -942,7 +1108,7 @@
             </a:lvl3pPr>
             <a:lvl4pPr marL="1371600" indent="0">
               <a:buNone/>
-              <a:defRPr sz="1600">
+              <a:defRPr sz="1400">
                 <a:solidFill>
                   <a:schemeClr val="tx1">
                     <a:tint val="75000"/>
@@ -952,7 +1118,7 @@
             </a:lvl4pPr>
             <a:lvl5pPr marL="1828800" indent="0">
               <a:buNone/>
-              <a:defRPr sz="1600">
+              <a:defRPr sz="1400">
                 <a:solidFill>
                   <a:schemeClr val="tx1">
                     <a:tint val="75000"/>
@@ -962,7 +1128,7 @@
             </a:lvl5pPr>
             <a:lvl6pPr marL="2286000" indent="0">
               <a:buNone/>
-              <a:defRPr sz="1600">
+              <a:defRPr sz="1400">
                 <a:solidFill>
                   <a:schemeClr val="tx1">
                     <a:tint val="75000"/>
@@ -972,7 +1138,7 @@
             </a:lvl6pPr>
             <a:lvl7pPr marL="2743200" indent="0">
               <a:buNone/>
-              <a:defRPr sz="1600">
+              <a:defRPr sz="1400">
                 <a:solidFill>
                   <a:schemeClr val="tx1">
                     <a:tint val="75000"/>
@@ -982,7 +1148,7 @@
             </a:lvl7pPr>
             <a:lvl8pPr marL="3200400" indent="0">
               <a:buNone/>
-              <a:defRPr sz="1600">
+              <a:defRPr sz="1400">
                 <a:solidFill>
                   <a:schemeClr val="tx1">
                     <a:tint val="75000"/>
@@ -992,7 +1158,7 @@
             </a:lvl8pPr>
             <a:lvl9pPr marL="3657600" indent="0">
               <a:buNone/>
-              <a:defRPr sz="1600">
+              <a:defRPr sz="1400">
                 <a:solidFill>
                   <a:schemeClr val="tx1">
                     <a:tint val="75000"/>
@@ -1027,7 +1193,7 @@
           <a:p>
             <a:fld id="{04479EDF-97A5-494E-AAF6-7EBC952C85CA}" type="datetimeFigureOut">
               <a:rPr lang="en-US" smtClean="0"/>
-              <a:t>11/9/15</a:t>
+              <a:t>11/11/2015</a:t>
             </a:fld>
             <a:endParaRPr lang="en-US"/>
           </a:p>
@@ -1075,10 +1241,93 @@
           </a:p>
         </p:txBody>
       </p:sp>
+      <p:cxnSp>
+        <p:nvCxnSpPr>
+          <p:cNvPr id="12" name="Straight Connector 11"/>
+          <p:cNvCxnSpPr/>
+          <p:nvPr/>
+        </p:nvCxnSpPr>
+        <p:spPr>
+          <a:xfrm flipV="1">
+            <a:off x="8386842" y="5264106"/>
+            <a:ext cx="0" cy="914400"/>
+          </a:xfrm>
+          <a:prstGeom prst="line">
+            <a:avLst/>
+          </a:prstGeom>
+          <a:ln w="19050">
+            <a:solidFill>
+              <a:schemeClr val="accent3"/>
+            </a:solidFill>
+          </a:ln>
+        </p:spPr>
+        <p:style>
+          <a:lnRef idx="1">
+            <a:schemeClr val="accent1"/>
+          </a:lnRef>
+          <a:fillRef idx="0">
+            <a:schemeClr val="accent1"/>
+          </a:fillRef>
+          <a:effectRef idx="0">
+            <a:schemeClr val="accent1"/>
+          </a:effectRef>
+          <a:fontRef idx="minor">
+            <a:schemeClr val="tx1"/>
+          </a:fontRef>
+        </p:style>
+      </p:cxnSp>
+      <p:sp>
+        <p:nvSpPr>
+          <p:cNvPr id="13" name="Rectangle 12"/>
+          <p:cNvSpPr/>
+          <p:nvPr/>
+        </p:nvSpPr>
+        <p:spPr>
+          <a:xfrm>
+            <a:off x="0" y="-1"/>
+            <a:ext cx="12192000" cy="4572000"/>
+          </a:xfrm>
+          <a:prstGeom prst="rect">
+            <a:avLst/>
+          </a:prstGeom>
+          <a:blipFill dpi="0" rotWithShape="1">
+            <a:blip r:embed="rId2">
+              <a:duotone>
+                <a:schemeClr val="accent3">
+                  <a:shade val="45000"/>
+                  <a:satMod val="135000"/>
+                </a:schemeClr>
+                <a:prstClr val="white"/>
+              </a:duotone>
+            </a:blip>
+            <a:srcRect/>
+            <a:tile tx="-133350" ty="-6350" sx="50000" sy="50000" flip="none" algn="tl"/>
+          </a:blipFill>
+          <a:ln>
+            <a:noFill/>
+          </a:ln>
+        </p:spPr>
+        <p:style>
+          <a:lnRef idx="2">
+            <a:schemeClr val="accent1">
+              <a:shade val="50000"/>
+            </a:schemeClr>
+          </a:lnRef>
+          <a:fillRef idx="1">
+            <a:schemeClr val="accent1"/>
+          </a:fillRef>
+          <a:effectRef idx="0">
+            <a:schemeClr val="accent1"/>
+          </a:effectRef>
+          <a:fontRef idx="minor">
+            <a:schemeClr val="lt1"/>
+          </a:fontRef>
+        </p:style>
+      </p:sp>
     </p:spTree>
     <p:extLst>
       <p:ext uri="{BB962C8B-B14F-4D97-AF65-F5344CB8AC3E}">
-        <p14:creationId xmlns:p14="http://schemas.microsoft.com/office/powerpoint/2010/main" val="3840825588"/>
+        <p14:creationId xmlns:p14="http://schemas.microsoft.com/office/powerpoint/2010/main" val="3393673115"/>
       </p:ext>
     </p:extLst>
   </p:cSld>
@@ -1115,151 +1364,156 @@
             <p:ph type="title"/>
           </p:nvPr>
         </p:nvSpPr>
+        <p:spPr>
+          <a:xfrm>
+            <a:off x="1024128" y="585216"/>
+            <a:ext cx="9720072" cy="1499616"/>
+          </a:xfrm>
+        </p:spPr>
+        <p:txBody>
+          <a:bodyPr/>
+          <a:lstStyle/>
+          <a:p>
+            <a:r>
+              <a:rPr lang="en-US" smtClean="0"/>
+              <a:t>Click to edit Master title style</a:t>
+            </a:r>
+            <a:endParaRPr lang="en-US" dirty="0"/>
+          </a:p>
+        </p:txBody>
+      </p:sp>
+      <p:sp>
+        <p:nvSpPr>
+          <p:cNvPr id="3" name="Content Placeholder 2"/>
+          <p:cNvSpPr>
+            <a:spLocks noGrp="1"/>
+          </p:cNvSpPr>
+          <p:nvPr>
+            <p:ph sz="half" idx="1"/>
+          </p:nvPr>
+        </p:nvSpPr>
+        <p:spPr>
+          <a:xfrm>
+            <a:off x="1024127" y="2286000"/>
+            <a:ext cx="4754880" cy="4023360"/>
+          </a:xfrm>
+        </p:spPr>
+        <p:txBody>
+          <a:bodyPr/>
+          <a:lstStyle/>
+          <a:p>
+            <a:pPr lvl="0"/>
+            <a:r>
+              <a:rPr lang="en-US" smtClean="0"/>
+              <a:t>Click to edit Master text styles</a:t>
+            </a:r>
+          </a:p>
+          <a:p>
+            <a:pPr lvl="1"/>
+            <a:r>
+              <a:rPr lang="en-US" smtClean="0"/>
+              <a:t>Second level</a:t>
+            </a:r>
+          </a:p>
+          <a:p>
+            <a:pPr lvl="2"/>
+            <a:r>
+              <a:rPr lang="en-US" smtClean="0"/>
+              <a:t>Third level</a:t>
+            </a:r>
+          </a:p>
+          <a:p>
+            <a:pPr lvl="3"/>
+            <a:r>
+              <a:rPr lang="en-US" smtClean="0"/>
+              <a:t>Fourth level</a:t>
+            </a:r>
+          </a:p>
+          <a:p>
+            <a:pPr lvl="4"/>
+            <a:r>
+              <a:rPr lang="en-US" smtClean="0"/>
+              <a:t>Fifth level</a:t>
+            </a:r>
+            <a:endParaRPr lang="en-US" dirty="0"/>
+          </a:p>
+        </p:txBody>
+      </p:sp>
+      <p:sp>
+        <p:nvSpPr>
+          <p:cNvPr id="4" name="Content Placeholder 3"/>
+          <p:cNvSpPr>
+            <a:spLocks noGrp="1"/>
+          </p:cNvSpPr>
+          <p:nvPr>
+            <p:ph sz="half" idx="2"/>
+          </p:nvPr>
+        </p:nvSpPr>
+        <p:spPr>
+          <a:xfrm>
+            <a:off x="5989320" y="2286000"/>
+            <a:ext cx="4754880" cy="4023360"/>
+          </a:xfrm>
+        </p:spPr>
+        <p:txBody>
+          <a:bodyPr/>
+          <a:lstStyle/>
+          <a:p>
+            <a:pPr lvl="0"/>
+            <a:r>
+              <a:rPr lang="en-US" smtClean="0"/>
+              <a:t>Click to edit Master text styles</a:t>
+            </a:r>
+          </a:p>
+          <a:p>
+            <a:pPr lvl="1"/>
+            <a:r>
+              <a:rPr lang="en-US" smtClean="0"/>
+              <a:t>Second level</a:t>
+            </a:r>
+          </a:p>
+          <a:p>
+            <a:pPr lvl="2"/>
+            <a:r>
+              <a:rPr lang="en-US" smtClean="0"/>
+              <a:t>Third level</a:t>
+            </a:r>
+          </a:p>
+          <a:p>
+            <a:pPr lvl="3"/>
+            <a:r>
+              <a:rPr lang="en-US" smtClean="0"/>
+              <a:t>Fourth level</a:t>
+            </a:r>
+          </a:p>
+          <a:p>
+            <a:pPr lvl="4"/>
+            <a:r>
+              <a:rPr lang="en-US" smtClean="0"/>
+              <a:t>Fifth level</a:t>
+            </a:r>
+            <a:endParaRPr lang="en-US" dirty="0"/>
+          </a:p>
+        </p:txBody>
+      </p:sp>
+      <p:sp>
+        <p:nvSpPr>
+          <p:cNvPr id="5" name="Date Placeholder 4"/>
+          <p:cNvSpPr>
+            <a:spLocks noGrp="1"/>
+          </p:cNvSpPr>
+          <p:nvPr>
+            <p:ph type="dt" sz="half" idx="10"/>
+          </p:nvPr>
+        </p:nvSpPr>
         <p:spPr/>
         <p:txBody>
           <a:bodyPr/>
           <a:lstStyle/>
           <a:p>
-            <a:r>
-              <a:rPr lang="en-US" smtClean="0"/>
-              <a:t>Click to edit Master title style</a:t>
-            </a:r>
-            <a:endParaRPr lang="en-US"/>
-          </a:p>
-        </p:txBody>
-      </p:sp>
-      <p:sp>
-        <p:nvSpPr>
-          <p:cNvPr id="3" name="Content Placeholder 2"/>
-          <p:cNvSpPr>
-            <a:spLocks noGrp="1"/>
-          </p:cNvSpPr>
-          <p:nvPr>
-            <p:ph sz="half" idx="1"/>
-          </p:nvPr>
-        </p:nvSpPr>
-        <p:spPr>
-          <a:xfrm>
-            <a:off x="838200" y="1825625"/>
-            <a:ext cx="5181600" cy="4351338"/>
-          </a:xfrm>
-        </p:spPr>
-        <p:txBody>
-          <a:bodyPr/>
-          <a:lstStyle/>
-          <a:p>
-            <a:pPr lvl="0"/>
-            <a:r>
-              <a:rPr lang="en-US" smtClean="0"/>
-              <a:t>Click to edit Master text styles</a:t>
-            </a:r>
-          </a:p>
-          <a:p>
-            <a:pPr lvl="1"/>
-            <a:r>
-              <a:rPr lang="en-US" smtClean="0"/>
-              <a:t>Second level</a:t>
-            </a:r>
-          </a:p>
-          <a:p>
-            <a:pPr lvl="2"/>
-            <a:r>
-              <a:rPr lang="en-US" smtClean="0"/>
-              <a:t>Third level</a:t>
-            </a:r>
-          </a:p>
-          <a:p>
-            <a:pPr lvl="3"/>
-            <a:r>
-              <a:rPr lang="en-US" smtClean="0"/>
-              <a:t>Fourth level</a:t>
-            </a:r>
-          </a:p>
-          <a:p>
-            <a:pPr lvl="4"/>
-            <a:r>
-              <a:rPr lang="en-US" smtClean="0"/>
-              <a:t>Fifth level</a:t>
-            </a:r>
-            <a:endParaRPr lang="en-US"/>
-          </a:p>
-        </p:txBody>
-      </p:sp>
-      <p:sp>
-        <p:nvSpPr>
-          <p:cNvPr id="4" name="Content Placeholder 3"/>
-          <p:cNvSpPr>
-            <a:spLocks noGrp="1"/>
-          </p:cNvSpPr>
-          <p:nvPr>
-            <p:ph sz="half" idx="2"/>
-          </p:nvPr>
-        </p:nvSpPr>
-        <p:spPr>
-          <a:xfrm>
-            <a:off x="6172200" y="1825625"/>
-            <a:ext cx="5181600" cy="4351338"/>
-          </a:xfrm>
-        </p:spPr>
-        <p:txBody>
-          <a:bodyPr/>
-          <a:lstStyle/>
-          <a:p>
-            <a:pPr lvl="0"/>
-            <a:r>
-              <a:rPr lang="en-US" smtClean="0"/>
-              <a:t>Click to edit Master text styles</a:t>
-            </a:r>
-          </a:p>
-          <a:p>
-            <a:pPr lvl="1"/>
-            <a:r>
-              <a:rPr lang="en-US" smtClean="0"/>
-              <a:t>Second level</a:t>
-            </a:r>
-          </a:p>
-          <a:p>
-            <a:pPr lvl="2"/>
-            <a:r>
-              <a:rPr lang="en-US" smtClean="0"/>
-              <a:t>Third level</a:t>
-            </a:r>
-          </a:p>
-          <a:p>
-            <a:pPr lvl="3"/>
-            <a:r>
-              <a:rPr lang="en-US" smtClean="0"/>
-              <a:t>Fourth level</a:t>
-            </a:r>
-          </a:p>
-          <a:p>
-            <a:pPr lvl="4"/>
-            <a:r>
-              <a:rPr lang="en-US" smtClean="0"/>
-              <a:t>Fifth level</a:t>
-            </a:r>
-            <a:endParaRPr lang="en-US"/>
-          </a:p>
-        </p:txBody>
-      </p:sp>
-      <p:sp>
-        <p:nvSpPr>
-          <p:cNvPr id="5" name="Date Placeholder 4"/>
-          <p:cNvSpPr>
-            <a:spLocks noGrp="1"/>
-          </p:cNvSpPr>
-          <p:nvPr>
-            <p:ph type="dt" sz="half" idx="10"/>
-          </p:nvPr>
-        </p:nvSpPr>
-        <p:spPr/>
-        <p:txBody>
-          <a:bodyPr/>
-          <a:lstStyle/>
-          <a:p>
             <a:fld id="{04479EDF-97A5-494E-AAF6-7EBC952C85CA}" type="datetimeFigureOut">
               <a:rPr lang="en-US" smtClean="0"/>
-              <a:t>11/9/15</a:t>
+              <a:t>11/11/2015</a:t>
             </a:fld>
             <a:endParaRPr lang="en-US"/>
           </a:p>
@@ -1310,7 +1564,7 @@
     </p:spTree>
     <p:extLst>
       <p:ext uri="{BB962C8B-B14F-4D97-AF65-F5344CB8AC3E}">
-        <p14:creationId xmlns:p14="http://schemas.microsoft.com/office/powerpoint/2010/main" val="2441543103"/>
+        <p14:creationId xmlns:p14="http://schemas.microsoft.com/office/powerpoint/2010/main" val="4170638950"/>
       </p:ext>
     </p:extLst>
   </p:cSld>
@@ -1339,7 +1593,7 @@
       </p:grpSpPr>
       <p:sp>
         <p:nvSpPr>
-          <p:cNvPr id="2" name="Title 1"/>
+          <p:cNvPr id="10" name="Title 9"/>
           <p:cNvSpPr>
             <a:spLocks noGrp="1"/>
           </p:cNvSpPr>
@@ -1347,12 +1601,7 @@
             <p:ph type="title"/>
           </p:nvPr>
         </p:nvSpPr>
-        <p:spPr>
-          <a:xfrm>
-            <a:off x="839788" y="365125"/>
-            <a:ext cx="10515600" cy="1325563"/>
-          </a:xfrm>
-        </p:spPr>
+        <p:spPr/>
         <p:txBody>
           <a:bodyPr/>
           <a:lstStyle/>
@@ -1361,7 +1610,7 @@
               <a:rPr lang="en-US" smtClean="0"/>
               <a:t>Click to edit Master title style</a:t>
             </a:r>
-            <a:endParaRPr lang="en-US"/>
+            <a:endParaRPr lang="en-US" dirty="0"/>
           </a:p>
         </p:txBody>
       </p:sp>
@@ -1377,16 +1626,29 @@
         </p:nvSpPr>
         <p:spPr>
           <a:xfrm>
-            <a:off x="839788" y="1681163"/>
-            <a:ext cx="5157787" cy="823912"/>
-          </a:xfrm>
-        </p:spPr>
-        <p:txBody>
-          <a:bodyPr anchor="b"/>
+            <a:off x="1024128" y="2179636"/>
+            <a:ext cx="4754880" cy="822960"/>
+          </a:xfrm>
+        </p:spPr>
+        <p:txBody>
+          <a:bodyPr lIns="137160" rIns="137160" anchor="ctr">
+            <a:normAutofit/>
+          </a:bodyPr>
           <a:lstStyle>
             <a:lvl1pPr marL="0" indent="0">
+              <a:spcBef>
+                <a:spcPts val="0"/>
+              </a:spcBef>
+              <a:spcAft>
+                <a:spcPts val="0"/>
+              </a:spcAft>
               <a:buNone/>
-              <a:defRPr sz="2400" b="1"/>
+              <a:defRPr sz="2300" b="0" cap="none" baseline="0">
+                <a:solidFill>
+                  <a:schemeClr val="accent1"/>
+                </a:solidFill>
+                <a:latin typeface="+mn-lt"/>
+              </a:defRPr>
             </a:lvl1pPr>
             <a:lvl2pPr marL="457200" indent="0">
               <a:buNone/>
@@ -1442,8 +1704,8 @@
         </p:nvSpPr>
         <p:spPr>
           <a:xfrm>
-            <a:off x="839788" y="2505075"/>
-            <a:ext cx="5157787" cy="3684588"/>
+            <a:off x="1024128" y="2967788"/>
+            <a:ext cx="4754880" cy="3341572"/>
           </a:xfrm>
         </p:spPr>
         <p:txBody>
@@ -1483,7 +1745,7 @@
               <a:rPr lang="en-US" smtClean="0"/>
               <a:t>Fifth level</a:t>
             </a:r>
-            <a:endParaRPr lang="en-US"/>
+            <a:endParaRPr lang="en-US" dirty="0"/>
           </a:p>
         </p:txBody>
       </p:sp>
@@ -1499,16 +1761,31 @@
         </p:nvSpPr>
         <p:spPr>
           <a:xfrm>
-            <a:off x="6172200" y="1681163"/>
-            <a:ext cx="5183188" cy="823912"/>
-          </a:xfrm>
-        </p:spPr>
-        <p:txBody>
-          <a:bodyPr anchor="b"/>
+            <a:off x="5990888" y="2179636"/>
+            <a:ext cx="4754880" cy="822960"/>
+          </a:xfrm>
+        </p:spPr>
+        <p:txBody>
+          <a:bodyPr lIns="137160" rIns="137160" anchor="ctr">
+            <a:normAutofit/>
+          </a:bodyPr>
           <a:lstStyle>
             <a:lvl1pPr marL="0" indent="0">
+              <a:spcBef>
+                <a:spcPts val="0"/>
+              </a:spcBef>
+              <a:spcAft>
+                <a:spcPts val="0"/>
+              </a:spcAft>
               <a:buNone/>
-              <a:defRPr sz="2400" b="1"/>
+              <a:defRPr lang="en-US" sz="2300" b="0" kern="1200" cap="none" baseline="0" dirty="0">
+                <a:solidFill>
+                  <a:schemeClr val="accent1"/>
+                </a:solidFill>
+                <a:latin typeface="+mn-lt"/>
+                <a:ea typeface="+mn-ea"/>
+                <a:cs typeface="+mn-cs"/>
+              </a:defRPr>
             </a:lvl1pPr>
             <a:lvl2pPr marL="457200" indent="0">
               <a:buNone/>
@@ -1544,89 +1821,97 @@
             </a:lvl9pPr>
           </a:lstStyle>
           <a:p>
+            <a:pPr marL="0" lvl="0" indent="0" algn="l" defTabSz="914400" rtl="0" eaLnBrk="1" latinLnBrk="0" hangingPunct="1">
+              <a:lnSpc>
+                <a:spcPct val="90000"/>
+              </a:lnSpc>
+              <a:spcBef>
+                <a:spcPts val="1800"/>
+              </a:spcBef>
+              <a:buNone/>
+            </a:pPr>
+            <a:r>
+              <a:rPr lang="en-US" smtClean="0"/>
+              <a:t>Click to edit Master text styles</a:t>
+            </a:r>
+          </a:p>
+        </p:txBody>
+      </p:sp>
+      <p:sp>
+        <p:nvSpPr>
+          <p:cNvPr id="6" name="Content Placeholder 5"/>
+          <p:cNvSpPr>
+            <a:spLocks noGrp="1"/>
+          </p:cNvSpPr>
+          <p:nvPr>
+            <p:ph sz="quarter" idx="4"/>
+          </p:nvPr>
+        </p:nvSpPr>
+        <p:spPr>
+          <a:xfrm>
+            <a:off x="5990888" y="2967788"/>
+            <a:ext cx="4754880" cy="3341572"/>
+          </a:xfrm>
+        </p:spPr>
+        <p:txBody>
+          <a:bodyPr/>
+          <a:lstStyle/>
+          <a:p>
             <a:pPr lvl="0"/>
             <a:r>
               <a:rPr lang="en-US" smtClean="0"/>
               <a:t>Click to edit Master text styles</a:t>
             </a:r>
           </a:p>
-        </p:txBody>
-      </p:sp>
-      <p:sp>
-        <p:nvSpPr>
-          <p:cNvPr id="6" name="Content Placeholder 5"/>
-          <p:cNvSpPr>
-            <a:spLocks noGrp="1"/>
-          </p:cNvSpPr>
-          <p:nvPr>
-            <p:ph sz="quarter" idx="4"/>
-          </p:nvPr>
-        </p:nvSpPr>
-        <p:spPr>
-          <a:xfrm>
-            <a:off x="6172200" y="2505075"/>
-            <a:ext cx="5183188" cy="3684588"/>
-          </a:xfrm>
-        </p:spPr>
+          <a:p>
+            <a:pPr lvl="1"/>
+            <a:r>
+              <a:rPr lang="en-US" smtClean="0"/>
+              <a:t>Second level</a:t>
+            </a:r>
+          </a:p>
+          <a:p>
+            <a:pPr lvl="2"/>
+            <a:r>
+              <a:rPr lang="en-US" smtClean="0"/>
+              <a:t>Third level</a:t>
+            </a:r>
+          </a:p>
+          <a:p>
+            <a:pPr lvl="3"/>
+            <a:r>
+              <a:rPr lang="en-US" smtClean="0"/>
+              <a:t>Fourth level</a:t>
+            </a:r>
+          </a:p>
+          <a:p>
+            <a:pPr lvl="4"/>
+            <a:r>
+              <a:rPr lang="en-US" smtClean="0"/>
+              <a:t>Fifth level</a:t>
+            </a:r>
+            <a:endParaRPr lang="en-US" dirty="0"/>
+          </a:p>
+        </p:txBody>
+      </p:sp>
+      <p:sp>
+        <p:nvSpPr>
+          <p:cNvPr id="7" name="Date Placeholder 6"/>
+          <p:cNvSpPr>
+            <a:spLocks noGrp="1"/>
+          </p:cNvSpPr>
+          <p:nvPr>
+            <p:ph type="dt" sz="half" idx="10"/>
+          </p:nvPr>
+        </p:nvSpPr>
+        <p:spPr/>
         <p:txBody>
           <a:bodyPr/>
           <a:lstStyle/>
           <a:p>
-            <a:pPr lvl="0"/>
-            <a:r>
-              <a:rPr lang="en-US" smtClean="0"/>
-              <a:t>Click to edit Master text styles</a:t>
-            </a:r>
-          </a:p>
-          <a:p>
-            <a:pPr lvl="1"/>
-            <a:r>
-              <a:rPr lang="en-US" smtClean="0"/>
-              <a:t>Second level</a:t>
-            </a:r>
-          </a:p>
-          <a:p>
-            <a:pPr lvl="2"/>
-            <a:r>
-              <a:rPr lang="en-US" smtClean="0"/>
-              <a:t>Third level</a:t>
-            </a:r>
-          </a:p>
-          <a:p>
-            <a:pPr lvl="3"/>
-            <a:r>
-              <a:rPr lang="en-US" smtClean="0"/>
-              <a:t>Fourth level</a:t>
-            </a:r>
-          </a:p>
-          <a:p>
-            <a:pPr lvl="4"/>
-            <a:r>
-              <a:rPr lang="en-US" smtClean="0"/>
-              <a:t>Fifth level</a:t>
-            </a:r>
-            <a:endParaRPr lang="en-US"/>
-          </a:p>
-        </p:txBody>
-      </p:sp>
-      <p:sp>
-        <p:nvSpPr>
-          <p:cNvPr id="7" name="Date Placeholder 6"/>
-          <p:cNvSpPr>
-            <a:spLocks noGrp="1"/>
-          </p:cNvSpPr>
-          <p:nvPr>
-            <p:ph type="dt" sz="half" idx="10"/>
-          </p:nvPr>
-        </p:nvSpPr>
-        <p:spPr/>
-        <p:txBody>
-          <a:bodyPr/>
-          <a:lstStyle/>
-          <a:p>
             <a:fld id="{04479EDF-97A5-494E-AAF6-7EBC952C85CA}" type="datetimeFigureOut">
               <a:rPr lang="en-US" smtClean="0"/>
-              <a:t>11/9/15</a:t>
+              <a:t>11/11/2015</a:t>
             </a:fld>
             <a:endParaRPr lang="en-US"/>
           </a:p>
@@ -1677,7 +1962,7 @@
     </p:spTree>
     <p:extLst>
       <p:ext uri="{BB962C8B-B14F-4D97-AF65-F5344CB8AC3E}">
-        <p14:creationId xmlns:p14="http://schemas.microsoft.com/office/powerpoint/2010/main" val="4182624313"/>
+        <p14:creationId xmlns:p14="http://schemas.microsoft.com/office/powerpoint/2010/main" val="1627012728"/>
       </p:ext>
     </p:extLst>
   </p:cSld>
@@ -1723,7 +2008,7 @@
               <a:rPr lang="en-US" smtClean="0"/>
               <a:t>Click to edit Master title style</a:t>
             </a:r>
-            <a:endParaRPr lang="en-US"/>
+            <a:endParaRPr lang="en-US" dirty="0"/>
           </a:p>
         </p:txBody>
       </p:sp>
@@ -1744,7 +2029,7 @@
           <a:p>
             <a:fld id="{04479EDF-97A5-494E-AAF6-7EBC952C85CA}" type="datetimeFigureOut">
               <a:rPr lang="en-US" smtClean="0"/>
-              <a:t>11/9/15</a:t>
+              <a:t>11/11/2015</a:t>
             </a:fld>
             <a:endParaRPr lang="en-US"/>
           </a:p>
@@ -1795,7 +2080,7 @@
     </p:spTree>
     <p:extLst>
       <p:ext uri="{BB962C8B-B14F-4D97-AF65-F5344CB8AC3E}">
-        <p14:creationId xmlns:p14="http://schemas.microsoft.com/office/powerpoint/2010/main" val="1947346654"/>
+        <p14:creationId xmlns:p14="http://schemas.microsoft.com/office/powerpoint/2010/main" val="2202215112"/>
       </p:ext>
     </p:extLst>
   </p:cSld>
@@ -1806,7 +2091,7 @@
 </file>
 
 <file path=ppt/slideLayouts/slideLayout7.xml><?xml version="1.0" encoding="utf-8"?>
-<p:sldLayout xmlns:a="http://schemas.openxmlformats.org/drawingml/2006/main" xmlns:r="http://schemas.openxmlformats.org/officeDocument/2006/relationships" xmlns:p="http://schemas.openxmlformats.org/presentationml/2006/main" type="blank" preserve="1">
+<p:sldLayout xmlns:a="http://schemas.openxmlformats.org/drawingml/2006/main" xmlns:r="http://schemas.openxmlformats.org/officeDocument/2006/relationships" xmlns:p="http://schemas.openxmlformats.org/presentationml/2006/main" showMasterSp="0" type="blank" preserve="1">
   <p:cSld name="Blank">
     <p:spTree>
       <p:nvGrpSpPr>
@@ -1839,7 +2124,7 @@
           <a:p>
             <a:fld id="{04479EDF-97A5-494E-AAF6-7EBC952C85CA}" type="datetimeFigureOut">
               <a:rPr lang="en-US" smtClean="0"/>
-              <a:t>11/9/15</a:t>
+              <a:t>11/11/2015</a:t>
             </a:fld>
             <a:endParaRPr lang="en-US"/>
           </a:p>
@@ -1890,7 +2175,7 @@
     </p:spTree>
     <p:extLst>
       <p:ext uri="{BB962C8B-B14F-4D97-AF65-F5344CB8AC3E}">
-        <p14:creationId xmlns:p14="http://schemas.microsoft.com/office/powerpoint/2010/main" val="4026051584"/>
+        <p14:creationId xmlns:p14="http://schemas.microsoft.com/office/powerpoint/2010/main" val="2810253495"/>
       </p:ext>
     </p:extLst>
   </p:cSld>
@@ -1919,7 +2204,7 @@
       </p:grpSpPr>
       <p:sp>
         <p:nvSpPr>
-          <p:cNvPr id="2" name="Title 1"/>
+          <p:cNvPr id="8" name="Title 7"/>
           <p:cNvSpPr>
             <a:spLocks noGrp="1"/>
           </p:cNvSpPr>
@@ -1929,15 +2214,20 @@
         </p:nvSpPr>
         <p:spPr>
           <a:xfrm>
-            <a:off x="839788" y="457200"/>
-            <a:ext cx="3932237" cy="1600200"/>
-          </a:xfrm>
-        </p:spPr>
-        <p:txBody>
-          <a:bodyPr anchor="b"/>
+            <a:off x="1024128" y="471509"/>
+            <a:ext cx="4389120" cy="1737360"/>
+          </a:xfrm>
+        </p:spPr>
+        <p:txBody>
+          <a:bodyPr>
+            <a:noAutofit/>
+          </a:bodyPr>
           <a:lstStyle>
             <a:lvl1pPr>
-              <a:defRPr sz="3200"/>
+              <a:lnSpc>
+                <a:spcPct val="80000"/>
+              </a:lnSpc>
+              <a:defRPr sz="4000"/>
             </a:lvl1pPr>
           </a:lstStyle>
           <a:p>
@@ -1945,7 +2235,7 @@
               <a:rPr lang="en-US" smtClean="0"/>
               <a:t>Click to edit Master title style</a:t>
             </a:r>
-            <a:endParaRPr lang="en-US"/>
+            <a:endParaRPr lang="en-US" dirty="0"/>
           </a:p>
         </p:txBody>
       </p:sp>
@@ -1961,39 +2251,39 @@
         </p:nvSpPr>
         <p:spPr>
           <a:xfrm>
-            <a:off x="5183188" y="987425"/>
-            <a:ext cx="6172200" cy="4873625"/>
+            <a:off x="5715000" y="822960"/>
+            <a:ext cx="5678424" cy="5184648"/>
           </a:xfrm>
         </p:spPr>
         <p:txBody>
           <a:bodyPr/>
           <a:lstStyle>
             <a:lvl1pPr>
-              <a:defRPr sz="3200"/>
+              <a:defRPr sz="2400"/>
             </a:lvl1pPr>
             <a:lvl2pPr>
-              <a:defRPr sz="2800"/>
+              <a:defRPr sz="2000"/>
             </a:lvl2pPr>
             <a:lvl3pPr>
-              <a:defRPr sz="2400"/>
+              <a:defRPr sz="1600"/>
             </a:lvl3pPr>
             <a:lvl4pPr>
-              <a:defRPr sz="2000"/>
+              <a:defRPr sz="1600"/>
             </a:lvl4pPr>
             <a:lvl5pPr>
-              <a:defRPr sz="2000"/>
+              <a:defRPr sz="1600"/>
             </a:lvl5pPr>
             <a:lvl6pPr>
-              <a:defRPr sz="2000"/>
+              <a:defRPr sz="1600"/>
             </a:lvl6pPr>
             <a:lvl7pPr>
-              <a:defRPr sz="2000"/>
+              <a:defRPr sz="1600"/>
             </a:lvl7pPr>
             <a:lvl8pPr>
-              <a:defRPr sz="2000"/>
+              <a:defRPr sz="1600"/>
             </a:lvl8pPr>
             <a:lvl9pPr>
-              <a:defRPr sz="2000"/>
+              <a:defRPr sz="1600"/>
             </a:lvl9pPr>
           </a:lstStyle>
           <a:p>
@@ -2030,7 +2320,7 @@
               <a:rPr lang="en-US" smtClean="0"/>
               <a:t>Fifth level</a:t>
             </a:r>
-            <a:endParaRPr lang="en-US"/>
+            <a:endParaRPr lang="en-US" dirty="0"/>
           </a:p>
         </p:txBody>
       </p:sp>
@@ -2046,48 +2336,56 @@
         </p:nvSpPr>
         <p:spPr>
           <a:xfrm>
-            <a:off x="839788" y="2057400"/>
-            <a:ext cx="3932237" cy="3811588"/>
-          </a:xfrm>
-        </p:spPr>
-        <p:txBody>
-          <a:bodyPr/>
+            <a:off x="1024128" y="2257506"/>
+            <a:ext cx="4389120" cy="3762294"/>
+          </a:xfrm>
+        </p:spPr>
+        <p:txBody>
+          <a:bodyPr lIns="91440" rIns="91440">
+            <a:normAutofit/>
+          </a:bodyPr>
           <a:lstStyle>
             <a:lvl1pPr marL="0" indent="0">
+              <a:lnSpc>
+                <a:spcPct val="108000"/>
+              </a:lnSpc>
+              <a:spcBef>
+                <a:spcPts val="600"/>
+              </a:spcBef>
               <a:buNone/>
               <a:defRPr sz="1600"/>
             </a:lvl1pPr>
             <a:lvl2pPr marL="457200" indent="0">
               <a:buNone/>
-              <a:defRPr sz="1400"/>
+              <a:defRPr sz="1200"/>
             </a:lvl2pPr>
             <a:lvl3pPr marL="914400" indent="0">
               <a:buNone/>
-              <a:defRPr sz="1200"/>
+              <a:defRPr sz="1000"/>
             </a:lvl3pPr>
             <a:lvl4pPr marL="1371600" indent="0">
               <a:buNone/>
-              <a:defRPr sz="1000"/>
+              <a:defRPr sz="900"/>
             </a:lvl4pPr>
             <a:lvl5pPr marL="1828800" indent="0">
               <a:buNone/>
-              <a:defRPr sz="1000"/>
+              <a:defRPr sz="900"/>
             </a:lvl5pPr>
             <a:lvl6pPr marL="2286000" indent="0">
               <a:buNone/>
-              <a:defRPr sz="1000"/>
+              <a:defRPr sz="900"/>
             </a:lvl6pPr>
             <a:lvl7pPr marL="2743200" indent="0">
               <a:buNone/>
-              <a:defRPr sz="1000"/>
+              <a:defRPr sz="900"/>
             </a:lvl7pPr>
             <a:lvl8pPr marL="3200400" indent="0">
               <a:buNone/>
-              <a:defRPr sz="1000"/>
+              <a:defRPr sz="900"/>
             </a:lvl8pPr>
             <a:lvl9pPr marL="3657600" indent="0">
               <a:buNone/>
-              <a:defRPr sz="1000"/>
+              <a:defRPr sz="900"/>
             </a:lvl9pPr>
           </a:lstStyle>
           <a:p>
@@ -2116,7 +2414,7 @@
           <a:p>
             <a:fld id="{04479EDF-97A5-494E-AAF6-7EBC952C85CA}" type="datetimeFigureOut">
               <a:rPr lang="en-US" smtClean="0"/>
-              <a:t>11/9/15</a:t>
+              <a:t>11/11/2015</a:t>
             </a:fld>
             <a:endParaRPr lang="en-US"/>
           </a:p>
@@ -2167,7 +2465,7 @@
     </p:spTree>
     <p:extLst>
       <p:ext uri="{BB962C8B-B14F-4D97-AF65-F5344CB8AC3E}">
-        <p14:creationId xmlns:p14="http://schemas.microsoft.com/office/powerpoint/2010/main" val="423080680"/>
+        <p14:creationId xmlns:p14="http://schemas.microsoft.com/office/powerpoint/2010/main" val="3640426887"/>
       </p:ext>
     </p:extLst>
   </p:cSld>
@@ -2178,7 +2476,7 @@
 </file>
 
 <file path=ppt/slideLayouts/slideLayout9.xml><?xml version="1.0" encoding="utf-8"?>
-<p:sldLayout xmlns:a="http://schemas.openxmlformats.org/drawingml/2006/main" xmlns:r="http://schemas.openxmlformats.org/officeDocument/2006/relationships" xmlns:p="http://schemas.openxmlformats.org/presentationml/2006/main" type="picTx" preserve="1">
+<p:sldLayout xmlns:a="http://schemas.openxmlformats.org/drawingml/2006/main" xmlns:r="http://schemas.openxmlformats.org/officeDocument/2006/relationships" xmlns:p="http://schemas.openxmlformats.org/presentationml/2006/main" showMasterSp="0" type="picTx" preserve="1">
   <p:cSld name="Picture with Caption">
     <p:spTree>
       <p:nvGrpSpPr>
@@ -2206,15 +2504,17 @@
         </p:nvSpPr>
         <p:spPr>
           <a:xfrm>
-            <a:off x="839788" y="457200"/>
-            <a:ext cx="3932237" cy="1600200"/>
-          </a:xfrm>
-        </p:spPr>
-        <p:txBody>
-          <a:bodyPr anchor="b"/>
+            <a:off x="457200" y="4960138"/>
+            <a:ext cx="7772400" cy="1463040"/>
+          </a:xfrm>
+        </p:spPr>
+        <p:txBody>
+          <a:bodyPr anchor="ctr">
+            <a:normAutofit/>
+          </a:bodyPr>
           <a:lstStyle>
-            <a:lvl1pPr>
-              <a:defRPr sz="3200"/>
+            <a:lvl1pPr algn="r">
+              <a:defRPr sz="5000" spc="200" baseline="0"/>
             </a:lvl1pPr>
           </a:lstStyle>
           <a:p>
@@ -2222,7 +2522,7 @@
               <a:rPr lang="en-US" smtClean="0"/>
               <a:t>Click to edit Master title style</a:t>
             </a:r>
-            <a:endParaRPr lang="en-US"/>
+            <a:endParaRPr lang="en-US" dirty="0"/>
           </a:p>
         </p:txBody>
       </p:sp>
@@ -2230,7 +2530,7 @@
         <p:nvSpPr>
           <p:cNvPr id="3" name="Picture Placeholder 2"/>
           <p:cNvSpPr>
-            <a:spLocks noGrp="1"/>
+            <a:spLocks noGrp="1" noChangeAspect="1"/>
           </p:cNvSpPr>
           <p:nvPr>
             <p:ph type="pic" idx="1"/>
@@ -2238,12 +2538,18 @@
         </p:nvSpPr>
         <p:spPr>
           <a:xfrm>
-            <a:off x="5183188" y="987425"/>
-            <a:ext cx="6172200" cy="4873625"/>
-          </a:xfrm>
-        </p:spPr>
-        <p:txBody>
-          <a:bodyPr/>
+            <a:off x="0" y="-1"/>
+            <a:ext cx="12188952" cy="4572000"/>
+          </a:xfrm>
+          <a:solidFill>
+            <a:schemeClr val="accent1">
+              <a:lumMod val="60000"/>
+              <a:lumOff val="40000"/>
+            </a:schemeClr>
+          </a:solidFill>
+        </p:spPr>
+        <p:txBody>
+          <a:bodyPr lIns="457200" tIns="365760" rIns="45720" bIns="45720" anchor="t"/>
           <a:lstStyle>
             <a:lvl1pPr marL="0" indent="0">
               <a:buNone/>
@@ -2283,7 +2589,11 @@
             </a:lvl9pPr>
           </a:lstStyle>
           <a:p>
-            <a:endParaRPr lang="en-US"/>
+            <a:r>
+              <a:rPr lang="en-US" smtClean="0"/>
+              <a:t>Click icon to add picture</a:t>
+            </a:r>
+            <a:endParaRPr lang="en-US" dirty="0"/>
           </a:p>
         </p:txBody>
       </p:sp>
@@ -2299,16 +2609,31 @@
         </p:nvSpPr>
         <p:spPr>
           <a:xfrm>
-            <a:off x="839788" y="2057400"/>
-            <a:ext cx="3932237" cy="3811588"/>
-          </a:xfrm>
-        </p:spPr>
-        <p:txBody>
-          <a:bodyPr/>
+            <a:off x="8610600" y="4960138"/>
+            <a:ext cx="3200400" cy="1463040"/>
+          </a:xfrm>
+        </p:spPr>
+        <p:txBody>
+          <a:bodyPr lIns="91440" rIns="91440" anchor="ctr">
+            <a:normAutofit/>
+          </a:bodyPr>
           <a:lstStyle>
             <a:lvl1pPr marL="0" indent="0">
+              <a:lnSpc>
+                <a:spcPct val="100000"/>
+              </a:lnSpc>
+              <a:spcBef>
+                <a:spcPts val="0"/>
+              </a:spcBef>
               <a:buNone/>
-              <a:defRPr sz="1600"/>
+              <a:defRPr sz="1800">
+                <a:solidFill>
+                  <a:schemeClr val="tx1">
+                    <a:lumMod val="95000"/>
+                    <a:lumOff val="5000"/>
+                  </a:schemeClr>
+                </a:solidFill>
+              </a:defRPr>
             </a:lvl1pPr>
             <a:lvl2pPr marL="457200" indent="0">
               <a:buNone/>
@@ -2369,7 +2694,7 @@
           <a:p>
             <a:fld id="{04479EDF-97A5-494E-AAF6-7EBC952C85CA}" type="datetimeFigureOut">
               <a:rPr lang="en-US" smtClean="0"/>
-              <a:t>11/9/15</a:t>
+              <a:t>11/11/2015</a:t>
             </a:fld>
             <a:endParaRPr lang="en-US"/>
           </a:p>
@@ -2417,10 +2742,45 @@
           </a:p>
         </p:txBody>
       </p:sp>
+      <p:cxnSp>
+        <p:nvCxnSpPr>
+          <p:cNvPr id="8" name="Straight Connector 7"/>
+          <p:cNvCxnSpPr/>
+          <p:nvPr/>
+        </p:nvCxnSpPr>
+        <p:spPr>
+          <a:xfrm flipV="1">
+            <a:off x="8386843" y="5264106"/>
+            <a:ext cx="0" cy="914400"/>
+          </a:xfrm>
+          <a:prstGeom prst="line">
+            <a:avLst/>
+          </a:prstGeom>
+          <a:ln w="19050">
+            <a:solidFill>
+              <a:schemeClr val="accent1"/>
+            </a:solidFill>
+          </a:ln>
+        </p:spPr>
+        <p:style>
+          <a:lnRef idx="1">
+            <a:schemeClr val="accent1"/>
+          </a:lnRef>
+          <a:fillRef idx="0">
+            <a:schemeClr val="accent1"/>
+          </a:fillRef>
+          <a:effectRef idx="0">
+            <a:schemeClr val="accent1"/>
+          </a:effectRef>
+          <a:fontRef idx="minor">
+            <a:schemeClr val="tx1"/>
+          </a:fontRef>
+        </p:style>
+      </p:cxnSp>
     </p:spTree>
     <p:extLst>
       <p:ext uri="{BB962C8B-B14F-4D97-AF65-F5344CB8AC3E}">
-        <p14:creationId xmlns:p14="http://schemas.microsoft.com/office/powerpoint/2010/main" val="3884669000"/>
+        <p14:creationId xmlns:p14="http://schemas.microsoft.com/office/powerpoint/2010/main" val="739152192"/>
       </p:ext>
     </p:extLst>
   </p:cSld>
@@ -2464,8 +2824,8 @@
         </p:nvSpPr>
         <p:spPr>
           <a:xfrm>
-            <a:off x="838200" y="365125"/>
-            <a:ext cx="10515600" cy="1325563"/>
+            <a:off x="1024128" y="585216"/>
+            <a:ext cx="9720072" cy="1499616"/>
           </a:xfrm>
           <a:prstGeom prst="rect">
             <a:avLst/>
@@ -2481,7 +2841,7 @@
               <a:rPr lang="en-US" smtClean="0"/>
               <a:t>Click to edit Master title style</a:t>
             </a:r>
-            <a:endParaRPr lang="en-US"/>
+            <a:endParaRPr lang="en-US" dirty="0"/>
           </a:p>
         </p:txBody>
       </p:sp>
@@ -2497,15 +2857,15 @@
         </p:nvSpPr>
         <p:spPr>
           <a:xfrm>
-            <a:off x="838200" y="1825625"/>
-            <a:ext cx="10515600" cy="4351338"/>
+            <a:off x="1024128" y="2286000"/>
+            <a:ext cx="9720073" cy="4023360"/>
           </a:xfrm>
           <a:prstGeom prst="rect">
             <a:avLst/>
           </a:prstGeom>
         </p:spPr>
         <p:txBody>
-          <a:bodyPr vert="horz" lIns="91440" tIns="45720" rIns="91440" bIns="45720" rtlCol="0">
+          <a:bodyPr vert="horz" lIns="45720" tIns="45720" rIns="45720" bIns="45720" rtlCol="0">
             <a:normAutofit/>
           </a:bodyPr>
           <a:lstStyle/>
@@ -2543,7 +2903,7 @@
               <a:rPr lang="en-US" smtClean="0"/>
               <a:t>Fifth level</a:t>
             </a:r>
-            <a:endParaRPr lang="en-US"/>
+            <a:endParaRPr lang="en-US" dirty="0"/>
           </a:p>
         </p:txBody>
       </p:sp>
@@ -2559,8 +2919,8 @@
         </p:nvSpPr>
         <p:spPr>
           <a:xfrm>
-            <a:off x="838200" y="6356350"/>
-            <a:ext cx="2743200" cy="365125"/>
+            <a:off x="1024129" y="6470704"/>
+            <a:ext cx="2154143" cy="274320"/>
           </a:xfrm>
           <a:prstGeom prst="rect">
             <a:avLst/>
@@ -2570,19 +2930,21 @@
           <a:bodyPr vert="horz" lIns="91440" tIns="45720" rIns="91440" bIns="45720" rtlCol="0" anchor="ctr"/>
           <a:lstStyle>
             <a:lvl1pPr algn="l">
-              <a:defRPr sz="1200">
+              <a:defRPr sz="1000">
                 <a:solidFill>
                   <a:schemeClr val="tx1">
-                    <a:tint val="75000"/>
+                    <a:lumMod val="95000"/>
+                    <a:lumOff val="5000"/>
                   </a:schemeClr>
                 </a:solidFill>
+                <a:latin typeface="+mj-lt"/>
               </a:defRPr>
             </a:lvl1pPr>
           </a:lstStyle>
           <a:p>
             <a:fld id="{04479EDF-97A5-494E-AAF6-7EBC952C85CA}" type="datetimeFigureOut">
               <a:rPr lang="en-US" smtClean="0"/>
-              <a:t>11/9/15</a:t>
+              <a:t>11/11/2015</a:t>
             </a:fld>
             <a:endParaRPr lang="en-US"/>
           </a:p>
@@ -2600,8 +2962,8 @@
         </p:nvSpPr>
         <p:spPr>
           <a:xfrm>
-            <a:off x="4038600" y="6356350"/>
-            <a:ext cx="4114800" cy="365125"/>
+            <a:off x="4842932" y="6470704"/>
+            <a:ext cx="5901459" cy="274320"/>
           </a:xfrm>
           <a:prstGeom prst="rect">
             <a:avLst/>
@@ -2610,13 +2972,15 @@
         <p:txBody>
           <a:bodyPr vert="horz" lIns="91440" tIns="45720" rIns="91440" bIns="45720" rtlCol="0" anchor="ctr"/>
           <a:lstStyle>
-            <a:lvl1pPr algn="ctr">
-              <a:defRPr sz="1200">
+            <a:lvl1pPr algn="r">
+              <a:defRPr sz="1000" cap="all" baseline="0">
                 <a:solidFill>
                   <a:schemeClr val="tx1">
-                    <a:tint val="75000"/>
+                    <a:lumMod val="95000"/>
+                    <a:lumOff val="5000"/>
                   </a:schemeClr>
                 </a:solidFill>
+                <a:latin typeface="+mj-lt"/>
               </a:defRPr>
             </a:lvl1pPr>
           </a:lstStyle>
@@ -2637,8 +3001,8 @@
         </p:nvSpPr>
         <p:spPr>
           <a:xfrm>
-            <a:off x="8610600" y="6356350"/>
-            <a:ext cx="2743200" cy="365125"/>
+            <a:off x="10837333" y="6470704"/>
+            <a:ext cx="973667" cy="274320"/>
           </a:xfrm>
           <a:prstGeom prst="rect">
             <a:avLst/>
@@ -2647,13 +3011,15 @@
         <p:txBody>
           <a:bodyPr vert="horz" lIns="91440" tIns="45720" rIns="91440" bIns="45720" rtlCol="0" anchor="ctr"/>
           <a:lstStyle>
-            <a:lvl1pPr algn="r">
-              <a:defRPr sz="1200">
+            <a:lvl1pPr algn="l">
+              <a:defRPr sz="1000">
                 <a:solidFill>
                   <a:schemeClr val="tx1">
-                    <a:tint val="75000"/>
+                    <a:lumMod val="95000"/>
+                    <a:lumOff val="5000"/>
                   </a:schemeClr>
                 </a:solidFill>
+                <a:latin typeface="+mj-lt"/>
               </a:defRPr>
             </a:lvl1pPr>
           </a:lstStyle>
@@ -2666,40 +3032,78 @@
           </a:p>
         </p:txBody>
       </p:sp>
+      <p:cxnSp>
+        <p:nvCxnSpPr>
+          <p:cNvPr id="8" name="Straight Connector 7"/>
+          <p:cNvCxnSpPr/>
+          <p:nvPr/>
+        </p:nvCxnSpPr>
+        <p:spPr>
+          <a:xfrm flipV="1">
+            <a:off x="762000" y="826324"/>
+            <a:ext cx="0" cy="914400"/>
+          </a:xfrm>
+          <a:prstGeom prst="line">
+            <a:avLst/>
+          </a:prstGeom>
+          <a:ln w="19050">
+            <a:solidFill>
+              <a:schemeClr val="accent1"/>
+            </a:solidFill>
+          </a:ln>
+        </p:spPr>
+        <p:style>
+          <a:lnRef idx="1">
+            <a:schemeClr val="accent1"/>
+          </a:lnRef>
+          <a:fillRef idx="0">
+            <a:schemeClr val="accent1"/>
+          </a:fillRef>
+          <a:effectRef idx="0">
+            <a:schemeClr val="accent1"/>
+          </a:effectRef>
+          <a:fontRef idx="minor">
+            <a:schemeClr val="tx1"/>
+          </a:fontRef>
+        </p:style>
+      </p:cxnSp>
     </p:spTree>
     <p:extLst>
       <p:ext uri="{BB962C8B-B14F-4D97-AF65-F5344CB8AC3E}">
-        <p14:creationId xmlns:p14="http://schemas.microsoft.com/office/powerpoint/2010/main" val="1235955191"/>
+        <p14:creationId xmlns:p14="http://schemas.microsoft.com/office/powerpoint/2010/main" val="3405048025"/>
       </p:ext>
     </p:extLst>
   </p:cSld>
   <p:clrMap bg1="lt1" tx1="dk1" bg2="lt2" tx2="dk2" accent1="accent1" accent2="accent2" accent3="accent3" accent4="accent4" accent5="accent5" accent6="accent6" hlink="hlink" folHlink="folHlink"/>
   <p:sldLayoutIdLst>
-    <p:sldLayoutId id="2147483649" r:id="rId1"/>
-    <p:sldLayoutId id="2147483650" r:id="rId2"/>
-    <p:sldLayoutId id="2147483651" r:id="rId3"/>
-    <p:sldLayoutId id="2147483652" r:id="rId4"/>
-    <p:sldLayoutId id="2147483653" r:id="rId5"/>
-    <p:sldLayoutId id="2147483654" r:id="rId6"/>
-    <p:sldLayoutId id="2147483655" r:id="rId7"/>
-    <p:sldLayoutId id="2147483656" r:id="rId8"/>
-    <p:sldLayoutId id="2147483657" r:id="rId9"/>
-    <p:sldLayoutId id="2147483658" r:id="rId10"/>
-    <p:sldLayoutId id="2147483659" r:id="rId11"/>
+    <p:sldLayoutId id="2147483714" r:id="rId1"/>
+    <p:sldLayoutId id="2147483715" r:id="rId2"/>
+    <p:sldLayoutId id="2147483716" r:id="rId3"/>
+    <p:sldLayoutId id="2147483717" r:id="rId4"/>
+    <p:sldLayoutId id="2147483718" r:id="rId5"/>
+    <p:sldLayoutId id="2147483719" r:id="rId6"/>
+    <p:sldLayoutId id="2147483720" r:id="rId7"/>
+    <p:sldLayoutId id="2147483721" r:id="rId8"/>
+    <p:sldLayoutId id="2147483722" r:id="rId9"/>
+    <p:sldLayoutId id="2147483723" r:id="rId10"/>
+    <p:sldLayoutId id="2147483724" r:id="rId11"/>
   </p:sldLayoutIdLst>
   <p:txStyles>
     <p:titleStyle>
       <a:lvl1pPr algn="l" defTabSz="914400" rtl="0" eaLnBrk="1" latinLnBrk="0" hangingPunct="1">
         <a:lnSpc>
-          <a:spcPct val="90000"/>
+          <a:spcPct val="80000"/>
         </a:lnSpc>
         <a:spcBef>
           <a:spcPct val="0"/>
         </a:spcBef>
         <a:buNone/>
-        <a:defRPr sz="4400" kern="1200">
+        <a:defRPr sz="5000" kern="1200" cap="all" spc="100" baseline="0">
           <a:solidFill>
-            <a:schemeClr val="tx1"/>
+            <a:schemeClr val="tx1">
+              <a:lumMod val="95000"/>
+              <a:lumOff val="5000"/>
+            </a:schemeClr>
           </a:solidFill>
           <a:latin typeface="+mj-lt"/>
           <a:ea typeface="+mj-ea"/>
@@ -2708,16 +3112,23 @@
       </a:lvl1pPr>
     </p:titleStyle>
     <p:bodyStyle>
-      <a:lvl1pPr marL="228600" indent="-228600" algn="l" defTabSz="914400" rtl="0" eaLnBrk="1" latinLnBrk="0" hangingPunct="1">
+      <a:lvl1pPr marL="91440" indent="-91440" algn="l" defTabSz="914400" rtl="0" eaLnBrk="1" latinLnBrk="0" hangingPunct="1">
         <a:lnSpc>
           <a:spcPct val="90000"/>
         </a:lnSpc>
         <a:spcBef>
-          <a:spcPts val="1000"/>
+          <a:spcPts val="1200"/>
         </a:spcBef>
-        <a:buFont typeface="Arial" panose="020B0604020202020204" pitchFamily="34" charset="0"/>
-        <a:buChar char="•"/>
-        <a:defRPr sz="2800" kern="1200">
+        <a:spcAft>
+          <a:spcPts val="200"/>
+        </a:spcAft>
+        <a:buClr>
+          <a:schemeClr val="accent1"/>
+        </a:buClr>
+        <a:buSzPct val="100000"/>
+        <a:buFont typeface="Tw Cen MT" panose="020B0602020104020603" pitchFamily="34" charset="0"/>
+        <a:buChar char=" "/>
+        <a:defRPr sz="2200" kern="1200">
           <a:solidFill>
             <a:schemeClr val="tx1"/>
           </a:solidFill>
@@ -2726,16 +3137,22 @@
           <a:cs typeface="+mn-cs"/>
         </a:defRPr>
       </a:lvl1pPr>
-      <a:lvl2pPr marL="685800" indent="-228600" algn="l" defTabSz="914400" rtl="0" eaLnBrk="1" latinLnBrk="0" hangingPunct="1">
+      <a:lvl2pPr marL="265176" indent="-137160" algn="l" defTabSz="914400" rtl="0" eaLnBrk="1" latinLnBrk="0" hangingPunct="1">
         <a:lnSpc>
           <a:spcPct val="90000"/>
         </a:lnSpc>
         <a:spcBef>
-          <a:spcPts val="500"/>
+          <a:spcPts val="200"/>
         </a:spcBef>
-        <a:buFont typeface="Arial" panose="020B0604020202020204" pitchFamily="34" charset="0"/>
-        <a:buChar char="•"/>
-        <a:defRPr sz="2400" kern="1200">
+        <a:spcAft>
+          <a:spcPts val="400"/>
+        </a:spcAft>
+        <a:buClr>
+          <a:schemeClr val="accent1"/>
+        </a:buClr>
+        <a:buFont typeface="Wingdings 3" pitchFamily="18" charset="2"/>
+        <a:buChar char=""/>
+        <a:defRPr sz="1800" kern="1200">
           <a:solidFill>
             <a:schemeClr val="tx1"/>
           </a:solidFill>
@@ -2744,16 +3161,22 @@
           <a:cs typeface="+mn-cs"/>
         </a:defRPr>
       </a:lvl2pPr>
-      <a:lvl3pPr marL="1143000" indent="-228600" algn="l" defTabSz="914400" rtl="0" eaLnBrk="1" latinLnBrk="0" hangingPunct="1">
+      <a:lvl3pPr marL="448056" indent="-137160" algn="l" defTabSz="914400" rtl="0" eaLnBrk="1" latinLnBrk="0" hangingPunct="1">
         <a:lnSpc>
           <a:spcPct val="90000"/>
         </a:lnSpc>
         <a:spcBef>
-          <a:spcPts val="500"/>
+          <a:spcPts val="200"/>
         </a:spcBef>
-        <a:buFont typeface="Arial" panose="020B0604020202020204" pitchFamily="34" charset="0"/>
-        <a:buChar char="•"/>
-        <a:defRPr sz="2000" kern="1200">
+        <a:spcAft>
+          <a:spcPts val="400"/>
+        </a:spcAft>
+        <a:buClr>
+          <a:schemeClr val="accent1"/>
+        </a:buClr>
+        <a:buFont typeface="Wingdings 3" pitchFamily="18" charset="2"/>
+        <a:buChar char=""/>
+        <a:defRPr sz="1400" kern="1200">
           <a:solidFill>
             <a:schemeClr val="tx1"/>
           </a:solidFill>
@@ -2762,16 +3185,22 @@
           <a:cs typeface="+mn-cs"/>
         </a:defRPr>
       </a:lvl3pPr>
-      <a:lvl4pPr marL="1600200" indent="-228600" algn="l" defTabSz="914400" rtl="0" eaLnBrk="1" latinLnBrk="0" hangingPunct="1">
+      <a:lvl4pPr marL="594360" indent="-137160" algn="l" defTabSz="914400" rtl="0" eaLnBrk="1" latinLnBrk="0" hangingPunct="1">
         <a:lnSpc>
           <a:spcPct val="90000"/>
         </a:lnSpc>
         <a:spcBef>
-          <a:spcPts val="500"/>
+          <a:spcPts val="200"/>
         </a:spcBef>
-        <a:buFont typeface="Arial" panose="020B0604020202020204" pitchFamily="34" charset="0"/>
-        <a:buChar char="•"/>
-        <a:defRPr sz="1800" kern="1200">
+        <a:spcAft>
+          <a:spcPts val="400"/>
+        </a:spcAft>
+        <a:buClr>
+          <a:schemeClr val="accent1"/>
+        </a:buClr>
+        <a:buFont typeface="Wingdings 3" pitchFamily="18" charset="2"/>
+        <a:buChar char=""/>
+        <a:defRPr sz="1400" kern="1200">
           <a:solidFill>
             <a:schemeClr val="tx1"/>
           </a:solidFill>
@@ -2780,16 +3209,22 @@
           <a:cs typeface="+mn-cs"/>
         </a:defRPr>
       </a:lvl4pPr>
-      <a:lvl5pPr marL="2057400" indent="-228600" algn="l" defTabSz="914400" rtl="0" eaLnBrk="1" latinLnBrk="0" hangingPunct="1">
+      <a:lvl5pPr marL="777240" indent="-137160" algn="l" defTabSz="914400" rtl="0" eaLnBrk="1" latinLnBrk="0" hangingPunct="1">
         <a:lnSpc>
           <a:spcPct val="90000"/>
         </a:lnSpc>
         <a:spcBef>
-          <a:spcPts val="500"/>
+          <a:spcPts val="200"/>
         </a:spcBef>
-        <a:buFont typeface="Arial" panose="020B0604020202020204" pitchFamily="34" charset="0"/>
-        <a:buChar char="•"/>
-        <a:defRPr sz="1800" kern="1200">
+        <a:spcAft>
+          <a:spcPts val="400"/>
+        </a:spcAft>
+        <a:buClr>
+          <a:schemeClr val="accent1"/>
+        </a:buClr>
+        <a:buFont typeface="Wingdings 3" pitchFamily="18" charset="2"/>
+        <a:buChar char=""/>
+        <a:defRPr sz="1400" kern="1200">
           <a:solidFill>
             <a:schemeClr val="tx1"/>
           </a:solidFill>
@@ -2798,16 +3233,22 @@
           <a:cs typeface="+mn-cs"/>
         </a:defRPr>
       </a:lvl5pPr>
-      <a:lvl6pPr marL="2514600" indent="-228600" algn="l" defTabSz="914400" rtl="0" eaLnBrk="1" latinLnBrk="0" hangingPunct="1">
+      <a:lvl6pPr marL="914400" indent="-137160" algn="l" defTabSz="914400" rtl="0" eaLnBrk="1" latinLnBrk="0" hangingPunct="1">
         <a:lnSpc>
           <a:spcPct val="90000"/>
         </a:lnSpc>
         <a:spcBef>
-          <a:spcPts val="500"/>
+          <a:spcPts val="200"/>
         </a:spcBef>
-        <a:buFont typeface="Arial" panose="020B0604020202020204" pitchFamily="34" charset="0"/>
-        <a:buChar char="•"/>
-        <a:defRPr sz="1800" kern="1200">
+        <a:spcAft>
+          <a:spcPts val="400"/>
+        </a:spcAft>
+        <a:buClr>
+          <a:schemeClr val="accent1"/>
+        </a:buClr>
+        <a:buFont typeface="Wingdings 3" pitchFamily="18" charset="2"/>
+        <a:buChar char=""/>
+        <a:defRPr sz="1400" kern="1200">
           <a:solidFill>
             <a:schemeClr val="tx1"/>
           </a:solidFill>
@@ -2816,16 +3257,22 @@
           <a:cs typeface="+mn-cs"/>
         </a:defRPr>
       </a:lvl6pPr>
-      <a:lvl7pPr marL="2971800" indent="-228600" algn="l" defTabSz="914400" rtl="0" eaLnBrk="1" latinLnBrk="0" hangingPunct="1">
+      <a:lvl7pPr marL="1060704" indent="-137160" algn="l" defTabSz="914400" rtl="0" eaLnBrk="1" latinLnBrk="0" hangingPunct="1">
         <a:lnSpc>
           <a:spcPct val="90000"/>
         </a:lnSpc>
         <a:spcBef>
-          <a:spcPts val="500"/>
+          <a:spcPts val="200"/>
         </a:spcBef>
-        <a:buFont typeface="Arial" panose="020B0604020202020204" pitchFamily="34" charset="0"/>
-        <a:buChar char="•"/>
-        <a:defRPr sz="1800" kern="1200">
+        <a:spcAft>
+          <a:spcPts val="400"/>
+        </a:spcAft>
+        <a:buClr>
+          <a:schemeClr val="accent1"/>
+        </a:buClr>
+        <a:buFont typeface="Wingdings 3" pitchFamily="18" charset="2"/>
+        <a:buChar char=""/>
+        <a:defRPr sz="1400" kern="1200">
           <a:solidFill>
             <a:schemeClr val="tx1"/>
           </a:solidFill>
@@ -2834,16 +3281,22 @@
           <a:cs typeface="+mn-cs"/>
         </a:defRPr>
       </a:lvl7pPr>
-      <a:lvl8pPr marL="3429000" indent="-228600" algn="l" defTabSz="914400" rtl="0" eaLnBrk="1" latinLnBrk="0" hangingPunct="1">
+      <a:lvl8pPr marL="1216152" indent="-137160" algn="l" defTabSz="914400" rtl="0" eaLnBrk="1" latinLnBrk="0" hangingPunct="1">
         <a:lnSpc>
           <a:spcPct val="90000"/>
         </a:lnSpc>
         <a:spcBef>
-          <a:spcPts val="500"/>
+          <a:spcPts val="200"/>
         </a:spcBef>
-        <a:buFont typeface="Arial" panose="020B0604020202020204" pitchFamily="34" charset="0"/>
-        <a:buChar char="•"/>
-        <a:defRPr sz="1800" kern="1200">
+        <a:spcAft>
+          <a:spcPts val="400"/>
+        </a:spcAft>
+        <a:buClr>
+          <a:schemeClr val="accent1"/>
+        </a:buClr>
+        <a:buFont typeface="Wingdings 3" pitchFamily="18" charset="2"/>
+        <a:buChar char=""/>
+        <a:defRPr sz="1400" kern="1200">
           <a:solidFill>
             <a:schemeClr val="tx1"/>
           </a:solidFill>
@@ -2852,16 +3305,22 @@
           <a:cs typeface="+mn-cs"/>
         </a:defRPr>
       </a:lvl8pPr>
-      <a:lvl9pPr marL="3886200" indent="-228600" algn="l" defTabSz="914400" rtl="0" eaLnBrk="1" latinLnBrk="0" hangingPunct="1">
+      <a:lvl9pPr marL="1362456" indent="-137160" algn="l" defTabSz="914400" rtl="0" eaLnBrk="1" latinLnBrk="0" hangingPunct="1">
         <a:lnSpc>
           <a:spcPct val="90000"/>
         </a:lnSpc>
         <a:spcBef>
-          <a:spcPts val="500"/>
+          <a:spcPts val="200"/>
         </a:spcBef>
-        <a:buFont typeface="Arial" panose="020B0604020202020204" pitchFamily="34" charset="0"/>
-        <a:buChar char="•"/>
-        <a:defRPr sz="1800" kern="1200">
+        <a:spcAft>
+          <a:spcPts val="400"/>
+        </a:spcAft>
+        <a:buClr>
+          <a:schemeClr val="accent1"/>
+        </a:buClr>
+        <a:buFont typeface="Wingdings 3" pitchFamily="18" charset="2"/>
+        <a:buChar char=""/>
+        <a:defRPr sz="1400" kern="1200">
           <a:solidFill>
             <a:schemeClr val="tx1"/>
           </a:solidFill>
@@ -3062,7 +3521,7 @@
   <p:timing>
     <p:tnLst>
       <p:par>
-        <p:cTn xmlns:p14="http://schemas.microsoft.com/office/powerpoint/2010/main" id="1" dur="indefinite" restart="never" nodeType="tmRoot"/>
+        <p:cTn id="1" dur="indefinite" restart="never" nodeType="tmRoot"/>
       </p:par>
     </p:tnLst>
   </p:timing>
@@ -3103,7 +3562,7 @@
           <a:p>
             <a:r>
               <a:rPr lang="en-US" dirty="0" smtClean="0"/>
-              <a:t>Coupon Management and View All Coupons</a:t>
+              <a:t>Coupon Management and Viewing Coupons</a:t>
             </a:r>
             <a:endParaRPr lang="en-US" dirty="0"/>
           </a:p>
@@ -3121,17 +3580,67 @@
         </p:nvSpPr>
         <p:spPr>
           <a:xfrm>
-            <a:off x="838200" y="5472113"/>
-            <a:ext cx="10515600" cy="965632"/>
+            <a:off x="6096001" y="3657600"/>
+            <a:ext cx="5943600" cy="990600"/>
           </a:xfrm>
         </p:spPr>
         <p:txBody>
           <a:bodyPr/>
           <a:lstStyle/>
           <a:p>
-            <a:r>
-              <a:rPr lang="en-US" dirty="0" smtClean="0"/>
-              <a:t>Here we can view all existing coupons in our database.</a:t>
+            <a:pPr>
+              <a:buFont typeface="Arial" panose="020B0604020202020204" pitchFamily="34" charset="0"/>
+              <a:buChar char="•"/>
+            </a:pPr>
+            <a:r>
+              <a:rPr lang="en-US" dirty="0" smtClean="0"/>
+              <a:t>Here </a:t>
+            </a:r>
+            <a:r>
+              <a:rPr lang="en-US" dirty="0" smtClean="0"/>
+              <a:t>we can view all existing coupons in </a:t>
+            </a:r>
+            <a:r>
+              <a:rPr lang="en-US" dirty="0" smtClean="0"/>
+              <a:t>the</a:t>
+            </a:r>
+            <a:r>
+              <a:rPr lang="en-US" dirty="0" smtClean="0"/>
+              <a:t> </a:t>
+            </a:r>
+            <a:r>
+              <a:rPr lang="en-US" dirty="0" smtClean="0"/>
+              <a:t>database.</a:t>
+            </a:r>
+            <a:endParaRPr lang="en-US" dirty="0"/>
+          </a:p>
+        </p:txBody>
+      </p:sp>
+      <p:sp>
+        <p:nvSpPr>
+          <p:cNvPr id="7" name="TextBox 6"/>
+          <p:cNvSpPr txBox="1"/>
+          <p:nvPr/>
+        </p:nvSpPr>
+        <p:spPr>
+          <a:xfrm>
+            <a:off x="9717401" y="6241810"/>
+            <a:ext cx="1878227" cy="369332"/>
+          </a:xfrm>
+          <a:prstGeom prst="rect">
+            <a:avLst/>
+          </a:prstGeom>
+          <a:noFill/>
+        </p:spPr>
+        <p:txBody>
+          <a:bodyPr wrap="square" rtlCol="0">
+            <a:spAutoFit/>
+          </a:bodyPr>
+          <a:lstStyle/>
+          <a:p>
+            <a:r>
+              <a:rPr lang="en-US" dirty="0" smtClean="0"/>
+              <a:t>Use Case 7</a:t>
             </a:r>
             <a:endParaRPr lang="en-US" dirty="0"/>
           </a:p>
@@ -3139,7 +3648,7 @@
       </p:sp>
       <p:pic>
         <p:nvPicPr>
-          <p:cNvPr id="6" name="Picture 5"/>
+          <p:cNvPr id="4" name="Picture 3"/>
           <p:cNvPicPr>
             <a:picLocks noChangeAspect="1"/>
           </p:cNvPicPr>
@@ -3153,8 +3662,8 @@
         </p:blipFill>
         <p:spPr>
           <a:xfrm>
-            <a:off x="1433512" y="3328988"/>
-            <a:ext cx="9324975" cy="2143125"/>
+            <a:off x="1152525" y="1581150"/>
+            <a:ext cx="9886950" cy="1847850"/>
           </a:xfrm>
           <a:prstGeom prst="rect">
             <a:avLst/>
@@ -3163,32 +3672,33 @@
       </p:pic>
       <p:pic>
         <p:nvPicPr>
-          <p:cNvPr id="5" name="Picture 4" descr="Screen Shot 2015-11-09 at 3.02.15 AM.png"/>
+          <p:cNvPr id="5" name="Picture 4"/>
           <p:cNvPicPr>
             <a:picLocks noChangeAspect="1"/>
           </p:cNvPicPr>
           <p:nvPr/>
         </p:nvPicPr>
         <p:blipFill>
-          <a:blip r:embed="rId3">
-            <a:extLst>
-              <a:ext uri="{28A0092B-C50C-407E-A947-70E740481C1C}">
-                <a14:useLocalDpi xmlns:a14="http://schemas.microsoft.com/office/drawing/2010/main" val="0"/>
-              </a:ext>
-            </a:extLst>
-          </a:blip>
+          <a:blip r:embed="rId3"/>
           <a:stretch>
             <a:fillRect/>
           </a:stretch>
         </p:blipFill>
         <p:spPr>
           <a:xfrm>
-            <a:off x="1197885" y="1425276"/>
-            <a:ext cx="9796231" cy="1728185"/>
+            <a:off x="295406" y="2633565"/>
+            <a:ext cx="5588758" cy="3582737"/>
           </a:xfrm>
           <a:prstGeom prst="rect">
             <a:avLst/>
           </a:prstGeom>
+          <a:effectLst>
+            <a:outerShdw blurRad="50800" dist="38100" dir="8100000" algn="tr" rotWithShape="0">
+              <a:prstClr val="black">
+                <a:alpha val="40000"/>
+              </a:prstClr>
+            </a:outerShdw>
+          </a:effectLst>
         </p:spPr>
       </p:pic>
     </p:spTree>
@@ -3204,7 +3714,7 @@
   <p:timing>
     <p:tnLst>
       <p:par>
-        <p:cTn xmlns:p14="http://schemas.microsoft.com/office/powerpoint/2010/main" id="1" dur="indefinite" restart="never" nodeType="tmRoot"/>
+        <p:cTn id="1" dur="indefinite" restart="never" nodeType="tmRoot"/>
       </p:par>
     </p:tnLst>
   </p:timing>
@@ -3260,7 +3770,7 @@
         <p:spPr>
           <a:xfrm>
             <a:off x="1145309" y="3491345"/>
-            <a:ext cx="9652000" cy="1754327"/>
+            <a:ext cx="9840370" cy="2677656"/>
           </a:xfrm>
           <a:prstGeom prst="rect">
             <a:avLst/>
@@ -3278,8 +3788,8 @@
               <a:buChar char="•"/>
             </a:pPr>
             <a:r>
-              <a:rPr lang="en-US" dirty="0" smtClean="0"/>
-              <a:t>The application is capable of generating reports by pulling information from the database</a:t>
+              <a:rPr lang="en-US" sz="2400" dirty="0" smtClean="0"/>
+              <a:t>The application is capable of generating reports by pulling information from the database.</a:t>
             </a:r>
           </a:p>
           <a:p>
@@ -3288,7 +3798,7 @@
               <a:buChar char="•"/>
             </a:pPr>
             <a:r>
-              <a:rPr lang="en-US" dirty="0" smtClean="0"/>
+              <a:rPr lang="en-US" sz="2400" dirty="0" smtClean="0"/>
               <a:t>Sales Summary Report</a:t>
             </a:r>
           </a:p>
@@ -3298,12 +3808,8 @@
               <a:buChar char="•"/>
             </a:pPr>
             <a:r>
-              <a:rPr lang="en-US" dirty="0" smtClean="0"/>
-              <a:t>Generate </a:t>
-            </a:r>
-            <a:r>
-              <a:rPr lang="en-US" dirty="0" smtClean="0"/>
-              <a:t>Sales Report</a:t>
+              <a:rPr lang="en-US" sz="2400" dirty="0" smtClean="0"/>
+              <a:t>Generate Sales Report</a:t>
             </a:r>
           </a:p>
           <a:p>
@@ -3312,7 +3818,7 @@
               <a:buChar char="•"/>
             </a:pPr>
             <a:r>
-              <a:rPr lang="en-US" dirty="0" smtClean="0"/>
+              <a:rPr lang="en-US" sz="2400" dirty="0" smtClean="0"/>
               <a:t>Customer Absent Report</a:t>
             </a:r>
           </a:p>
@@ -3322,7 +3828,7 @@
               <a:buChar char="•"/>
             </a:pPr>
             <a:r>
-              <a:rPr lang="en-US" dirty="0" smtClean="0"/>
+              <a:rPr lang="en-US" sz="2400" dirty="0" smtClean="0"/>
               <a:t>Frequent Buyer</a:t>
             </a:r>
           </a:p>
@@ -3332,7 +3838,7 @@
               <a:buChar char="•"/>
             </a:pPr>
             <a:r>
-              <a:rPr lang="en-US" dirty="0" smtClean="0"/>
+              <a:rPr lang="en-US" sz="2400" dirty="0" smtClean="0"/>
               <a:t>Coupon Ratio Report</a:t>
             </a:r>
           </a:p>
@@ -3360,7 +3866,7 @@
         </p:blipFill>
         <p:spPr>
           <a:xfrm>
-            <a:off x="1474320" y="1470290"/>
+            <a:off x="1474320" y="1584590"/>
             <a:ext cx="9243360" cy="1863143"/>
           </a:xfrm>
           <a:prstGeom prst="rect">
@@ -3381,7 +3887,7 @@
   <p:timing>
     <p:tnLst>
       <p:par>
-        <p:cTn xmlns:p14="http://schemas.microsoft.com/office/powerpoint/2010/main" id="1" dur="indefinite" restart="never" nodeType="tmRoot"/>
+        <p:cTn id="1" dur="indefinite" restart="never" nodeType="tmRoot"/>
       </p:par>
     </p:tnLst>
   </p:timing>
@@ -3422,11 +3928,7 @@
           <a:p>
             <a:r>
               <a:rPr lang="en-US" dirty="0" smtClean="0"/>
-              <a:t>Reports and Sales </a:t>
-            </a:r>
-            <a:r>
-              <a:rPr lang="en-US" dirty="0" smtClean="0"/>
-              <a:t>Summary Report</a:t>
+              <a:t>Reports and Sales Summary Report</a:t>
             </a:r>
             <a:endParaRPr lang="en-US" dirty="0"/>
           </a:p>
@@ -3445,28 +3947,40 @@
         <p:spPr>
           <a:xfrm>
             <a:off x="2677787" y="3852897"/>
-            <a:ext cx="6643255" cy="2514453"/>
-          </a:xfrm>
-        </p:spPr>
-        <p:txBody>
-          <a:bodyPr/>
-          <a:lstStyle/>
-          <a:p>
-            <a:r>
-              <a:rPr lang="en-US" dirty="0" smtClean="0"/>
-              <a:t>The Sales Summary Report tab displays sales information for the current date.</a:t>
-            </a:r>
-          </a:p>
-          <a:p>
-            <a:r>
-              <a:rPr lang="en-US" dirty="0" smtClean="0"/>
-              <a:t>Displays customer, product purchased, date purchased, and if a coupon was used.</a:t>
-            </a:r>
-          </a:p>
-          <a:p>
-            <a:r>
-              <a:rPr lang="en-US" dirty="0" smtClean="0"/>
-              <a:t>Information is pulled from database by...</a:t>
+            <a:ext cx="7039614" cy="2514453"/>
+          </a:xfrm>
+        </p:spPr>
+        <p:txBody>
+          <a:bodyPr>
+            <a:normAutofit/>
+          </a:bodyPr>
+          <a:lstStyle/>
+          <a:p>
+            <a:pPr>
+              <a:buFont typeface="Arial" panose="020B0604020202020204" pitchFamily="34" charset="0"/>
+              <a:buChar char="•"/>
+            </a:pPr>
+            <a:r>
+              <a:rPr lang="en-US" sz="2800" dirty="0" smtClean="0"/>
+              <a:t>Sales </a:t>
+            </a:r>
+            <a:r>
+              <a:rPr lang="en-US" sz="2800" dirty="0" smtClean="0"/>
+              <a:t>Summary Report displays sales information for the current date.</a:t>
+            </a:r>
+          </a:p>
+          <a:p>
+            <a:pPr>
+              <a:buFont typeface="Arial" panose="020B0604020202020204" pitchFamily="34" charset="0"/>
+              <a:buChar char="•"/>
+            </a:pPr>
+            <a:r>
+              <a:rPr lang="en-US" sz="2800" dirty="0" smtClean="0"/>
+              <a:t>Displays </a:t>
+            </a:r>
+            <a:r>
+              <a:rPr lang="en-US" sz="2800" dirty="0" smtClean="0"/>
+              <a:t>customer’s name, product purchased, date purchased, and if a coupon was used.</a:t>
             </a:r>
           </a:p>
         </p:txBody>
@@ -3501,6 +4015,36 @@
           </a:prstGeom>
         </p:spPr>
       </p:pic>
+      <p:sp>
+        <p:nvSpPr>
+          <p:cNvPr id="6" name="TextBox 5"/>
+          <p:cNvSpPr txBox="1"/>
+          <p:nvPr/>
+        </p:nvSpPr>
+        <p:spPr>
+          <a:xfrm>
+            <a:off x="9717401" y="6241810"/>
+            <a:ext cx="1878227" cy="369332"/>
+          </a:xfrm>
+          <a:prstGeom prst="rect">
+            <a:avLst/>
+          </a:prstGeom>
+          <a:noFill/>
+        </p:spPr>
+        <p:txBody>
+          <a:bodyPr wrap="square" rtlCol="0">
+            <a:spAutoFit/>
+          </a:bodyPr>
+          <a:lstStyle/>
+          <a:p>
+            <a:r>
+              <a:rPr lang="en-US" dirty="0" smtClean="0"/>
+              <a:t>Use Case 3</a:t>
+            </a:r>
+            <a:endParaRPr lang="en-US" dirty="0"/>
+          </a:p>
+        </p:txBody>
+      </p:sp>
     </p:spTree>
     <p:extLst>
       <p:ext uri="{BB962C8B-B14F-4D97-AF65-F5344CB8AC3E}">
@@ -3514,7 +4058,7 @@
   <p:timing>
     <p:tnLst>
       <p:par>
-        <p:cTn xmlns:p14="http://schemas.microsoft.com/office/powerpoint/2010/main" id="1" dur="indefinite" restart="never" nodeType="tmRoot"/>
+        <p:cTn id="1" dur="indefinite" restart="never" nodeType="tmRoot"/>
       </p:par>
     </p:tnLst>
   </p:timing>
@@ -3538,6 +4082,30 @@
           <a:chExt cx="0" cy="0"/>
         </a:xfrm>
       </p:grpSpPr>
+      <p:pic>
+        <p:nvPicPr>
+          <p:cNvPr id="5" name="Picture 4"/>
+          <p:cNvPicPr>
+            <a:picLocks noChangeAspect="1"/>
+          </p:cNvPicPr>
+          <p:nvPr/>
+        </p:nvPicPr>
+        <p:blipFill>
+          <a:blip r:embed="rId2"/>
+          <a:stretch>
+            <a:fillRect/>
+          </a:stretch>
+        </p:blipFill>
+        <p:spPr>
+          <a:xfrm>
+            <a:off x="1447800" y="1609725"/>
+            <a:ext cx="9296400" cy="1971675"/>
+          </a:xfrm>
+          <a:prstGeom prst="rect">
+            <a:avLst/>
+          </a:prstGeom>
+        </p:spPr>
+      </p:pic>
       <p:sp>
         <p:nvSpPr>
           <p:cNvPr id="2" name="Title 1"/>
@@ -3563,23 +4131,129 @@
       </p:sp>
       <p:sp>
         <p:nvSpPr>
-          <p:cNvPr id="3" name="Content Placeholder 2"/>
-          <p:cNvSpPr>
-            <a:spLocks noGrp="1"/>
-          </p:cNvSpPr>
-          <p:nvPr>
-            <p:ph idx="1"/>
-          </p:nvPr>
-        </p:nvSpPr>
-        <p:spPr/>
-        <p:txBody>
-          <a:bodyPr/>
-          <a:lstStyle/>
-          <a:p>
-            <a:endParaRPr lang="en-US"/>
-          </a:p>
-        </p:txBody>
-      </p:sp>
+          <p:cNvPr id="4" name="TextBox 3"/>
+          <p:cNvSpPr txBox="1"/>
+          <p:nvPr/>
+        </p:nvSpPr>
+        <p:spPr>
+          <a:xfrm>
+            <a:off x="9717401" y="6241810"/>
+            <a:ext cx="1878227" cy="369332"/>
+          </a:xfrm>
+          <a:prstGeom prst="rect">
+            <a:avLst/>
+          </a:prstGeom>
+          <a:noFill/>
+        </p:spPr>
+        <p:txBody>
+          <a:bodyPr wrap="square" rtlCol="0">
+            <a:spAutoFit/>
+          </a:bodyPr>
+          <a:lstStyle/>
+          <a:p>
+            <a:r>
+              <a:rPr lang="en-US" dirty="0" smtClean="0"/>
+              <a:t>Use Case 8</a:t>
+            </a:r>
+            <a:endParaRPr lang="en-US" dirty="0"/>
+          </a:p>
+        </p:txBody>
+      </p:sp>
+      <p:sp>
+        <p:nvSpPr>
+          <p:cNvPr id="8" name="TextBox 7"/>
+          <p:cNvSpPr txBox="1"/>
+          <p:nvPr/>
+        </p:nvSpPr>
+        <p:spPr>
+          <a:xfrm>
+            <a:off x="381000" y="2940908"/>
+            <a:ext cx="5059835" cy="3108543"/>
+          </a:xfrm>
+          <a:prstGeom prst="rect">
+            <a:avLst/>
+          </a:prstGeom>
+          <a:noFill/>
+        </p:spPr>
+        <p:txBody>
+          <a:bodyPr wrap="square" rtlCol="0">
+            <a:spAutoFit/>
+          </a:bodyPr>
+          <a:lstStyle/>
+          <a:p>
+            <a:pPr>
+              <a:buFont typeface="Arial" panose="020B0604020202020204" pitchFamily="34" charset="0"/>
+              <a:buChar char="•"/>
+            </a:pPr>
+            <a:r>
+              <a:rPr lang="en-US" sz="2800" dirty="0"/>
+              <a:t> </a:t>
+            </a:r>
+            <a:r>
+              <a:rPr lang="en-US" sz="2800" dirty="0" smtClean="0"/>
+              <a:t>Generate </a:t>
+            </a:r>
+            <a:r>
+              <a:rPr lang="en-US" sz="2800" dirty="0" smtClean="0"/>
+              <a:t>Sales </a:t>
+            </a:r>
+            <a:r>
+              <a:rPr lang="en-US" sz="2800" dirty="0"/>
+              <a:t>Report </a:t>
+            </a:r>
+            <a:r>
+              <a:rPr lang="en-US" sz="2800" dirty="0" smtClean="0"/>
+              <a:t>allows user to select a date to pull sales data from.</a:t>
+            </a:r>
+          </a:p>
+          <a:p>
+            <a:pPr>
+              <a:buFont typeface="Arial" panose="020B0604020202020204" pitchFamily="34" charset="0"/>
+              <a:buChar char="•"/>
+            </a:pPr>
+            <a:r>
+              <a:rPr lang="en-US" sz="2800" dirty="0" smtClean="0"/>
+              <a:t> Displays product name, amount sold, sale total and </a:t>
+            </a:r>
+            <a:r>
+              <a:rPr lang="en-US" sz="2800" dirty="0" smtClean="0"/>
+              <a:t>items remaining in </a:t>
+            </a:r>
+            <a:r>
+              <a:rPr lang="en-US" sz="2800" dirty="0" smtClean="0"/>
+              <a:t>stock.</a:t>
+            </a:r>
+            <a:endParaRPr lang="en-US" sz="2800" dirty="0"/>
+          </a:p>
+          <a:p>
+            <a:endParaRPr lang="en-US" sz="2800" dirty="0"/>
+          </a:p>
+        </p:txBody>
+      </p:sp>
+      <p:pic>
+        <p:nvPicPr>
+          <p:cNvPr id="3" name="Picture 2"/>
+          <p:cNvPicPr>
+            <a:picLocks noChangeAspect="1"/>
+          </p:cNvPicPr>
+          <p:nvPr/>
+        </p:nvPicPr>
+        <p:blipFill>
+          <a:blip r:embed="rId3"/>
+          <a:stretch>
+            <a:fillRect/>
+          </a:stretch>
+        </p:blipFill>
+        <p:spPr>
+          <a:xfrm>
+            <a:off x="5410200" y="2971800"/>
+            <a:ext cx="6173328" cy="3073640"/>
+          </a:xfrm>
+          <a:prstGeom prst="rect">
+            <a:avLst/>
+          </a:prstGeom>
+        </p:spPr>
+      </p:pic>
     </p:spTree>
     <p:extLst>
       <p:ext uri="{BB962C8B-B14F-4D97-AF65-F5344CB8AC3E}">
@@ -3593,7 +4267,7 @@
   <p:timing>
     <p:tnLst>
       <p:par>
-        <p:cTn xmlns:p14="http://schemas.microsoft.com/office/powerpoint/2010/main" id="1" dur="indefinite" restart="never" nodeType="tmRoot"/>
+        <p:cTn id="1" dur="indefinite" restart="never" nodeType="tmRoot"/>
       </p:par>
     </p:tnLst>
   </p:timing>
@@ -3650,15 +4324,136 @@
             <p:ph idx="1"/>
           </p:nvPr>
         </p:nvSpPr>
-        <p:spPr/>
-        <p:txBody>
-          <a:bodyPr/>
-          <a:lstStyle/>
-          <a:p>
-            <a:endParaRPr lang="en-US"/>
-          </a:p>
-        </p:txBody>
-      </p:sp>
+        <p:spPr>
+          <a:xfrm>
+            <a:off x="4926455" y="3505200"/>
+            <a:ext cx="5817746" cy="2804160"/>
+          </a:xfrm>
+        </p:spPr>
+        <p:txBody>
+          <a:bodyPr>
+            <a:normAutofit/>
+          </a:bodyPr>
+          <a:lstStyle/>
+          <a:p>
+            <a:pPr>
+              <a:buFont typeface="Arial" panose="020B0604020202020204" pitchFamily="34" charset="0"/>
+              <a:buChar char="•"/>
+            </a:pPr>
+            <a:r>
+              <a:rPr lang="en-US" sz="2800" i="1" dirty="0" smtClean="0"/>
+              <a:t>Customer </a:t>
+            </a:r>
+            <a:r>
+              <a:rPr lang="en-US" sz="2800" i="1" dirty="0"/>
+              <a:t>Absent Report option will provide information on customers who have not made a purchase </a:t>
+            </a:r>
+            <a:r>
+              <a:rPr lang="en-US" sz="2800" i="1" dirty="0" smtClean="0"/>
+              <a:t>within a certain date.</a:t>
+            </a:r>
+          </a:p>
+          <a:p>
+            <a:pPr>
+              <a:buFont typeface="Arial" panose="020B0604020202020204" pitchFamily="34" charset="0"/>
+              <a:buChar char="•"/>
+            </a:pPr>
+            <a:r>
+              <a:rPr lang="en-US" sz="2800" i="1" dirty="0" smtClean="0"/>
+              <a:t>A date range can be selected.</a:t>
+            </a:r>
+          </a:p>
+          <a:p>
+            <a:pPr>
+              <a:buFont typeface="Arial" panose="020B0604020202020204" pitchFamily="34" charset="0"/>
+              <a:buChar char="•"/>
+            </a:pPr>
+            <a:r>
+              <a:rPr lang="en-US" sz="2800" i="1" dirty="0" smtClean="0"/>
+              <a:t>It is also possible to email customers.</a:t>
+            </a:r>
+            <a:endParaRPr lang="en-US" sz="2800" i="1" dirty="0" smtClean="0"/>
+          </a:p>
+        </p:txBody>
+      </p:sp>
+      <p:sp>
+        <p:nvSpPr>
+          <p:cNvPr id="4" name="TextBox 3"/>
+          <p:cNvSpPr txBox="1"/>
+          <p:nvPr/>
+        </p:nvSpPr>
+        <p:spPr>
+          <a:xfrm>
+            <a:off x="9717401" y="6241810"/>
+            <a:ext cx="1878227" cy="369332"/>
+          </a:xfrm>
+          <a:prstGeom prst="rect">
+            <a:avLst/>
+          </a:prstGeom>
+          <a:noFill/>
+        </p:spPr>
+        <p:txBody>
+          <a:bodyPr wrap="square" rtlCol="0">
+            <a:spAutoFit/>
+          </a:bodyPr>
+          <a:lstStyle/>
+          <a:p>
+            <a:r>
+              <a:rPr lang="en-US" dirty="0" smtClean="0"/>
+              <a:t>Use Case 4</a:t>
+            </a:r>
+            <a:endParaRPr lang="en-US" dirty="0"/>
+          </a:p>
+        </p:txBody>
+      </p:sp>
+      <p:pic>
+        <p:nvPicPr>
+          <p:cNvPr id="5" name="Picture 4"/>
+          <p:cNvPicPr>
+            <a:picLocks noChangeAspect="1"/>
+          </p:cNvPicPr>
+          <p:nvPr/>
+        </p:nvPicPr>
+        <p:blipFill>
+          <a:blip r:embed="rId2"/>
+          <a:stretch>
+            <a:fillRect/>
+          </a:stretch>
+        </p:blipFill>
+        <p:spPr>
+          <a:xfrm>
+            <a:off x="1381125" y="1676400"/>
+            <a:ext cx="9439275" cy="1828800"/>
+          </a:xfrm>
+          <a:prstGeom prst="rect">
+            <a:avLst/>
+          </a:prstGeom>
+        </p:spPr>
+      </p:pic>
+      <p:pic>
+        <p:nvPicPr>
+          <p:cNvPr id="6" name="Picture 5"/>
+          <p:cNvPicPr>
+            <a:picLocks noChangeAspect="1"/>
+          </p:cNvPicPr>
+          <p:nvPr/>
+        </p:nvPicPr>
+        <p:blipFill>
+          <a:blip r:embed="rId3"/>
+          <a:stretch>
+            <a:fillRect/>
+          </a:stretch>
+        </p:blipFill>
+        <p:spPr>
+          <a:xfrm>
+            <a:off x="1024128" y="2590800"/>
+            <a:ext cx="3902327" cy="3892656"/>
+          </a:xfrm>
+          <a:prstGeom prst="rect">
+            <a:avLst/>
+          </a:prstGeom>
+        </p:spPr>
+      </p:pic>
     </p:spTree>
     <p:extLst>
       <p:ext uri="{BB962C8B-B14F-4D97-AF65-F5344CB8AC3E}">
@@ -3672,7 +4467,7 @@
   <p:timing>
     <p:tnLst>
       <p:par>
-        <p:cTn xmlns:p14="http://schemas.microsoft.com/office/powerpoint/2010/main" id="1" dur="indefinite" restart="never" nodeType="tmRoot"/>
+        <p:cTn id="1" dur="indefinite" restart="never" nodeType="tmRoot"/>
       </p:par>
     </p:tnLst>
   </p:timing>
@@ -3721,20 +4516,130 @@
       </p:sp>
       <p:sp>
         <p:nvSpPr>
-          <p:cNvPr id="3" name="Content Placeholder 2"/>
-          <p:cNvSpPr>
-            <a:spLocks noGrp="1"/>
-          </p:cNvSpPr>
-          <p:nvPr>
-            <p:ph idx="1"/>
-          </p:nvPr>
-        </p:nvSpPr>
-        <p:spPr/>
-        <p:txBody>
-          <a:bodyPr/>
-          <a:lstStyle/>
-          <a:p>
-            <a:endParaRPr lang="en-US"/>
+          <p:cNvPr id="4" name="TextBox 3"/>
+          <p:cNvSpPr txBox="1"/>
+          <p:nvPr/>
+        </p:nvSpPr>
+        <p:spPr>
+          <a:xfrm>
+            <a:off x="9717401" y="6241810"/>
+            <a:ext cx="1878227" cy="369332"/>
+          </a:xfrm>
+          <a:prstGeom prst="rect">
+            <a:avLst/>
+          </a:prstGeom>
+          <a:noFill/>
+        </p:spPr>
+        <p:txBody>
+          <a:bodyPr wrap="square" rtlCol="0">
+            <a:spAutoFit/>
+          </a:bodyPr>
+          <a:lstStyle/>
+          <a:p>
+            <a:r>
+              <a:rPr lang="en-US" dirty="0" smtClean="0"/>
+              <a:t>Use Case 9</a:t>
+            </a:r>
+            <a:endParaRPr lang="en-US" dirty="0"/>
+          </a:p>
+        </p:txBody>
+      </p:sp>
+      <p:pic>
+        <p:nvPicPr>
+          <p:cNvPr id="8" name="Picture 7"/>
+          <p:cNvPicPr>
+            <a:picLocks noChangeAspect="1"/>
+          </p:cNvPicPr>
+          <p:nvPr/>
+        </p:nvPicPr>
+        <p:blipFill>
+          <a:blip r:embed="rId2"/>
+          <a:stretch>
+            <a:fillRect/>
+          </a:stretch>
+        </p:blipFill>
+        <p:spPr>
+          <a:xfrm>
+            <a:off x="1562100" y="1543050"/>
+            <a:ext cx="9067800" cy="1885950"/>
+          </a:xfrm>
+          <a:prstGeom prst="rect">
+            <a:avLst/>
+          </a:prstGeom>
+        </p:spPr>
+      </p:pic>
+      <p:pic>
+        <p:nvPicPr>
+          <p:cNvPr id="9" name="Picture 8"/>
+          <p:cNvPicPr>
+            <a:picLocks noChangeAspect="1"/>
+          </p:cNvPicPr>
+          <p:nvPr/>
+        </p:nvPicPr>
+        <p:blipFill>
+          <a:blip r:embed="rId3"/>
+          <a:stretch>
+            <a:fillRect/>
+          </a:stretch>
+        </p:blipFill>
+        <p:spPr>
+          <a:xfrm>
+            <a:off x="685800" y="2209800"/>
+            <a:ext cx="5572125" cy="3438525"/>
+          </a:xfrm>
+          <a:prstGeom prst="rect">
+            <a:avLst/>
+          </a:prstGeom>
+        </p:spPr>
+      </p:pic>
+      <p:sp>
+        <p:nvSpPr>
+          <p:cNvPr id="10" name="TextBox 9"/>
+          <p:cNvSpPr txBox="1"/>
+          <p:nvPr/>
+        </p:nvSpPr>
+        <p:spPr>
+          <a:xfrm>
+            <a:off x="6257925" y="3429000"/>
+            <a:ext cx="5629275" cy="2308324"/>
+          </a:xfrm>
+          <a:prstGeom prst="rect">
+            <a:avLst/>
+          </a:prstGeom>
+          <a:noFill/>
+        </p:spPr>
+        <p:txBody>
+          <a:bodyPr wrap="square" rtlCol="0">
+            <a:spAutoFit/>
+          </a:bodyPr>
+          <a:lstStyle/>
+          <a:p>
+            <a:pPr marL="285750" indent="-285750">
+              <a:buFont typeface="Arial" panose="020B0604020202020204" pitchFamily="34" charset="0"/>
+              <a:buChar char="•"/>
+            </a:pPr>
+            <a:r>
+              <a:rPr lang="en-US" sz="2400" dirty="0" smtClean="0"/>
+              <a:t>Frequent Buyer Report displays information on customers who often shop at Mama G’s.</a:t>
+            </a:r>
+          </a:p>
+          <a:p>
+            <a:pPr marL="285750" indent="-285750">
+              <a:buFont typeface="Arial" panose="020B0604020202020204" pitchFamily="34" charset="0"/>
+              <a:buChar char="•"/>
+            </a:pPr>
+            <a:endParaRPr lang="en-US" sz="2400" dirty="0"/>
+          </a:p>
+          <a:p>
+            <a:pPr marL="285750" indent="-285750">
+              <a:buFont typeface="Arial" panose="020B0604020202020204" pitchFamily="34" charset="0"/>
+              <a:buChar char="•"/>
+            </a:pPr>
+            <a:r>
+              <a:rPr lang="en-US" sz="2400" dirty="0" smtClean="0"/>
+              <a:t>Displays customer’s name, total number of purchases made, and last purchase date.</a:t>
+            </a:r>
+            <a:endParaRPr lang="en-US" sz="2400" dirty="0"/>
           </a:p>
         </p:txBody>
       </p:sp>
@@ -3751,7 +4656,7 @@
   <p:timing>
     <p:tnLst>
       <p:par>
-        <p:cTn xmlns:p14="http://schemas.microsoft.com/office/powerpoint/2010/main" id="1" dur="indefinite" restart="never" nodeType="tmRoot"/>
+        <p:cTn id="1" dur="indefinite" restart="never" nodeType="tmRoot"/>
       </p:par>
     </p:tnLst>
   </p:timing>
@@ -3800,20 +4705,143 @@
       </p:sp>
       <p:sp>
         <p:nvSpPr>
-          <p:cNvPr id="3" name="Content Placeholder 2"/>
-          <p:cNvSpPr>
-            <a:spLocks noGrp="1"/>
-          </p:cNvSpPr>
-          <p:nvPr>
-            <p:ph idx="1"/>
-          </p:nvPr>
-        </p:nvSpPr>
-        <p:spPr/>
-        <p:txBody>
-          <a:bodyPr/>
-          <a:lstStyle/>
-          <a:p>
-            <a:endParaRPr lang="en-US"/>
+          <p:cNvPr id="4" name="TextBox 3"/>
+          <p:cNvSpPr txBox="1"/>
+          <p:nvPr/>
+        </p:nvSpPr>
+        <p:spPr>
+          <a:xfrm>
+            <a:off x="9717401" y="6241810"/>
+            <a:ext cx="1878227" cy="369332"/>
+          </a:xfrm>
+          <a:prstGeom prst="rect">
+            <a:avLst/>
+          </a:prstGeom>
+          <a:noFill/>
+        </p:spPr>
+        <p:txBody>
+          <a:bodyPr wrap="square" rtlCol="0">
+            <a:spAutoFit/>
+          </a:bodyPr>
+          <a:lstStyle/>
+          <a:p>
+            <a:r>
+              <a:rPr lang="en-US" dirty="0" smtClean="0"/>
+              <a:t>Use Case 5</a:t>
+            </a:r>
+            <a:endParaRPr lang="en-US" dirty="0"/>
+          </a:p>
+        </p:txBody>
+      </p:sp>
+      <p:pic>
+        <p:nvPicPr>
+          <p:cNvPr id="6" name="Picture 5"/>
+          <p:cNvPicPr>
+            <a:picLocks noChangeAspect="1"/>
+          </p:cNvPicPr>
+          <p:nvPr/>
+        </p:nvPicPr>
+        <p:blipFill>
+          <a:blip r:embed="rId2"/>
+          <a:stretch>
+            <a:fillRect/>
+          </a:stretch>
+        </p:blipFill>
+        <p:spPr>
+          <a:xfrm>
+            <a:off x="1243012" y="1609725"/>
+            <a:ext cx="9705975" cy="1895475"/>
+          </a:xfrm>
+          <a:prstGeom prst="rect">
+            <a:avLst/>
+          </a:prstGeom>
+        </p:spPr>
+      </p:pic>
+      <p:pic>
+        <p:nvPicPr>
+          <p:cNvPr id="5" name="Picture 4"/>
+          <p:cNvPicPr>
+            <a:picLocks noChangeAspect="1"/>
+          </p:cNvPicPr>
+          <p:nvPr/>
+        </p:nvPicPr>
+        <p:blipFill>
+          <a:blip r:embed="rId3"/>
+          <a:stretch>
+            <a:fillRect/>
+          </a:stretch>
+        </p:blipFill>
+        <p:spPr>
+          <a:xfrm>
+            <a:off x="5081587" y="3505200"/>
+            <a:ext cx="5867400" cy="2367677"/>
+          </a:xfrm>
+          <a:prstGeom prst="rect">
+            <a:avLst/>
+          </a:prstGeom>
+        </p:spPr>
+      </p:pic>
+      <p:sp>
+        <p:nvSpPr>
+          <p:cNvPr id="7" name="TextBox 6"/>
+          <p:cNvSpPr txBox="1"/>
+          <p:nvPr/>
+        </p:nvSpPr>
+        <p:spPr>
+          <a:xfrm>
+            <a:off x="762000" y="2743200"/>
+            <a:ext cx="4419600" cy="4401205"/>
+          </a:xfrm>
+          <a:prstGeom prst="rect">
+            <a:avLst/>
+          </a:prstGeom>
+          <a:noFill/>
+        </p:spPr>
+        <p:txBody>
+          <a:bodyPr wrap="square" rtlCol="0">
+            <a:spAutoFit/>
+          </a:bodyPr>
+          <a:lstStyle/>
+          <a:p>
+            <a:pPr marL="285750" indent="-285750">
+              <a:buFont typeface="Arial" panose="020B0604020202020204" pitchFamily="34" charset="0"/>
+              <a:buChar char="•"/>
+            </a:pPr>
+            <a:r>
+              <a:rPr lang="en-US" sz="2800" dirty="0" smtClean="0"/>
+              <a:t>Coupon Ratio Report details coupon usage to couponed issued.</a:t>
+            </a:r>
+          </a:p>
+          <a:p>
+            <a:pPr marL="285750" indent="-285750">
+              <a:buFont typeface="Arial" panose="020B0604020202020204" pitchFamily="34" charset="0"/>
+              <a:buChar char="•"/>
+            </a:pPr>
+            <a:r>
+              <a:rPr lang="en-US" sz="2800" dirty="0" smtClean="0"/>
+              <a:t>Information can be interpreted to understand how coupons effect item sales.</a:t>
+            </a:r>
+          </a:p>
+          <a:p>
+            <a:pPr marL="285750" indent="-285750">
+              <a:buFont typeface="Arial" panose="020B0604020202020204" pitchFamily="34" charset="0"/>
+              <a:buChar char="•"/>
+            </a:pPr>
+            <a:endParaRPr lang="en-US" sz="2800" dirty="0" smtClean="0"/>
+          </a:p>
+          <a:p>
+            <a:pPr marL="285750" indent="-285750">
+              <a:buFont typeface="Arial" panose="020B0604020202020204" pitchFamily="34" charset="0"/>
+              <a:buChar char="•"/>
+            </a:pPr>
+            <a:endParaRPr lang="en-US" sz="2800" dirty="0" smtClean="0"/>
+          </a:p>
+          <a:p>
+            <a:pPr marL="285750" indent="-285750">
+              <a:buFont typeface="Arial" panose="020B0604020202020204" pitchFamily="34" charset="0"/>
+              <a:buChar char="•"/>
+            </a:pPr>
+            <a:endParaRPr lang="en-US" sz="2800" dirty="0"/>
           </a:p>
         </p:txBody>
       </p:sp>
@@ -3830,7 +4858,7 @@
   <p:timing>
     <p:tnLst>
       <p:par>
-        <p:cTn xmlns:p14="http://schemas.microsoft.com/office/powerpoint/2010/main" id="1" dur="indefinite" restart="never" nodeType="tmRoot"/>
+        <p:cTn id="1" dur="indefinite" restart="never" nodeType="tmRoot"/>
       </p:par>
     </p:tnLst>
   </p:timing>
@@ -3877,22 +4905,105 @@
           </a:p>
         </p:txBody>
       </p:sp>
-      <p:sp>
-        <p:nvSpPr>
-          <p:cNvPr id="3" name="Content Placeholder 2"/>
-          <p:cNvSpPr>
-            <a:spLocks noGrp="1"/>
-          </p:cNvSpPr>
+      <p:pic>
+        <p:nvPicPr>
+          <p:cNvPr id="4" name="Content Placeholder 3"/>
+          <p:cNvPicPr>
+            <a:picLocks noGrp="1" noChangeAspect="1"/>
+          </p:cNvPicPr>
           <p:nvPr>
             <p:ph idx="1"/>
           </p:nvPr>
-        </p:nvSpPr>
-        <p:spPr/>
-        <p:txBody>
-          <a:bodyPr/>
-          <a:lstStyle/>
-          <a:p>
-            <a:endParaRPr lang="en-US"/>
+        </p:nvPicPr>
+        <p:blipFill>
+          <a:blip r:embed="rId2"/>
+          <a:stretch>
+            <a:fillRect/>
+          </a:stretch>
+        </p:blipFill>
+        <p:spPr>
+          <a:xfrm>
+            <a:off x="1416939" y="1647825"/>
+            <a:ext cx="8934450" cy="1628775"/>
+          </a:xfrm>
+          <a:prstGeom prst="rect">
+            <a:avLst/>
+          </a:prstGeom>
+        </p:spPr>
+      </p:pic>
+      <p:sp>
+        <p:nvSpPr>
+          <p:cNvPr id="6" name="TextBox 5"/>
+          <p:cNvSpPr txBox="1"/>
+          <p:nvPr/>
+        </p:nvSpPr>
+        <p:spPr>
+          <a:xfrm>
+            <a:off x="1416939" y="3153619"/>
+            <a:ext cx="7498461" cy="3046988"/>
+          </a:xfrm>
+          <a:prstGeom prst="rect">
+            <a:avLst/>
+          </a:prstGeom>
+          <a:noFill/>
+        </p:spPr>
+        <p:txBody>
+          <a:bodyPr wrap="square" rtlCol="0">
+            <a:spAutoFit/>
+          </a:bodyPr>
+          <a:lstStyle/>
+          <a:p>
+            <a:pPr marL="285750" indent="-285750">
+              <a:buFont typeface="Arial" panose="020B0604020202020204" pitchFamily="34" charset="0"/>
+              <a:buChar char="•"/>
+            </a:pPr>
+            <a:r>
+              <a:rPr lang="en-US" sz="3200" dirty="0" smtClean="0"/>
+              <a:t>The Users tab is only accessible to admins.</a:t>
+            </a:r>
+          </a:p>
+          <a:p>
+            <a:pPr marL="742950" lvl="1" indent="-285750">
+              <a:buFont typeface="Arial" panose="020B0604020202020204" pitchFamily="34" charset="0"/>
+              <a:buChar char="•"/>
+            </a:pPr>
+            <a:r>
+              <a:rPr lang="en-US" sz="3200" dirty="0" smtClean="0"/>
+              <a:t>Creation of new users</a:t>
+            </a:r>
+          </a:p>
+          <a:p>
+            <a:pPr marL="742950" lvl="1" indent="-285750">
+              <a:buFont typeface="Arial" panose="020B0604020202020204" pitchFamily="34" charset="0"/>
+              <a:buChar char="•"/>
+            </a:pPr>
+            <a:r>
+              <a:rPr lang="en-US" sz="3200" dirty="0" smtClean="0"/>
+              <a:t>Editing existing users</a:t>
+            </a:r>
+          </a:p>
+          <a:p>
+            <a:pPr marL="742950" lvl="1" indent="-285750">
+              <a:buFont typeface="Arial" panose="020B0604020202020204" pitchFamily="34" charset="0"/>
+              <a:buChar char="•"/>
+            </a:pPr>
+            <a:r>
+              <a:rPr lang="en-US" sz="3200" dirty="0" smtClean="0"/>
+              <a:t>Deleting users</a:t>
+            </a:r>
+          </a:p>
+          <a:p>
+            <a:pPr marL="742950" lvl="1" indent="-285750">
+              <a:buFont typeface="Arial" panose="020B0604020202020204" pitchFamily="34" charset="0"/>
+              <a:buChar char="•"/>
+            </a:pPr>
+            <a:r>
+              <a:rPr lang="en-US" sz="3200" dirty="0" smtClean="0"/>
+              <a:t>View all users</a:t>
+            </a:r>
+          </a:p>
+          <a:p>
+            <a:endParaRPr lang="en-US" sz="3200" dirty="0"/>
           </a:p>
         </p:txBody>
       </p:sp>
@@ -3909,7 +5020,7 @@
   <p:timing>
     <p:tnLst>
       <p:par>
-        <p:cTn xmlns:p14="http://schemas.microsoft.com/office/powerpoint/2010/main" id="1" dur="indefinite" restart="never" nodeType="tmRoot"/>
+        <p:cTn id="1" dur="indefinite" restart="never" nodeType="tmRoot"/>
       </p:par>
     </p:tnLst>
   </p:timing>
@@ -3933,6 +5044,61 @@
           <a:chExt cx="0" cy="0"/>
         </a:xfrm>
       </p:grpSpPr>
+      <p:pic>
+        <p:nvPicPr>
+          <p:cNvPr id="6" name="Picture 5"/>
+          <p:cNvPicPr>
+            <a:picLocks noChangeAspect="1"/>
+          </p:cNvPicPr>
+          <p:nvPr/>
+        </p:nvPicPr>
+        <p:blipFill>
+          <a:blip r:embed="rId2"/>
+          <a:stretch>
+            <a:fillRect/>
+          </a:stretch>
+        </p:blipFill>
+        <p:spPr>
+          <a:xfrm>
+            <a:off x="1600200" y="1590675"/>
+            <a:ext cx="9067800" cy="1609725"/>
+          </a:xfrm>
+          <a:prstGeom prst="rect">
+            <a:avLst/>
+          </a:prstGeom>
+        </p:spPr>
+      </p:pic>
+      <p:pic>
+        <p:nvPicPr>
+          <p:cNvPr id="7" name="Picture 6"/>
+          <p:cNvPicPr>
+            <a:picLocks noChangeAspect="1"/>
+          </p:cNvPicPr>
+          <p:nvPr/>
+        </p:nvPicPr>
+        <p:blipFill>
+          <a:blip r:embed="rId3"/>
+          <a:stretch>
+            <a:fillRect/>
+          </a:stretch>
+        </p:blipFill>
+        <p:spPr>
+          <a:xfrm>
+            <a:off x="6392807" y="2641324"/>
+            <a:ext cx="4656193" cy="3607076"/>
+          </a:xfrm>
+          <a:prstGeom prst="rect">
+            <a:avLst/>
+          </a:prstGeom>
+          <a:effectLst>
+            <a:outerShdw blurRad="50800" dist="38100" dir="8100000" algn="tr" rotWithShape="0">
+              <a:prstClr val="black">
+                <a:alpha val="40000"/>
+              </a:prstClr>
+            </a:outerShdw>
+          </a:effectLst>
+        </p:spPr>
+      </p:pic>
       <p:sp>
         <p:nvSpPr>
           <p:cNvPr id="2" name="Title 1"/>
@@ -3958,20 +5124,164 @@
       </p:sp>
       <p:sp>
         <p:nvSpPr>
-          <p:cNvPr id="3" name="Content Placeholder 2"/>
-          <p:cNvSpPr>
-            <a:spLocks noGrp="1"/>
-          </p:cNvSpPr>
-          <p:nvPr>
-            <p:ph idx="1"/>
-          </p:nvPr>
-        </p:nvSpPr>
-        <p:spPr/>
-        <p:txBody>
-          <a:bodyPr/>
-          <a:lstStyle/>
-          <a:p>
-            <a:endParaRPr lang="en-US"/>
+          <p:cNvPr id="4" name="TextBox 3"/>
+          <p:cNvSpPr txBox="1"/>
+          <p:nvPr/>
+        </p:nvSpPr>
+        <p:spPr>
+          <a:xfrm>
+            <a:off x="9717401" y="6241810"/>
+            <a:ext cx="1878227" cy="369332"/>
+          </a:xfrm>
+          <a:prstGeom prst="rect">
+            <a:avLst/>
+          </a:prstGeom>
+          <a:noFill/>
+        </p:spPr>
+        <p:txBody>
+          <a:bodyPr wrap="square" rtlCol="0">
+            <a:spAutoFit/>
+          </a:bodyPr>
+          <a:lstStyle/>
+          <a:p>
+            <a:r>
+              <a:rPr lang="en-US" dirty="0" smtClean="0"/>
+              <a:t>Use Case 2</a:t>
+            </a:r>
+            <a:endParaRPr lang="en-US" dirty="0"/>
+          </a:p>
+        </p:txBody>
+      </p:sp>
+      <p:sp>
+        <p:nvSpPr>
+          <p:cNvPr id="8" name="TextBox 7"/>
+          <p:cNvSpPr txBox="1"/>
+          <p:nvPr/>
+        </p:nvSpPr>
+        <p:spPr>
+          <a:xfrm>
+            <a:off x="406167" y="2483662"/>
+            <a:ext cx="5867400" cy="4524315"/>
+          </a:xfrm>
+          <a:prstGeom prst="rect">
+            <a:avLst/>
+          </a:prstGeom>
+          <a:noFill/>
+        </p:spPr>
+        <p:txBody>
+          <a:bodyPr wrap="square" rtlCol="0">
+            <a:spAutoFit/>
+          </a:bodyPr>
+          <a:lstStyle/>
+          <a:p>
+            <a:pPr marL="285750" indent="-285750">
+              <a:buFont typeface="Arial" panose="020B0604020202020204" pitchFamily="34" charset="0"/>
+              <a:buChar char="•"/>
+            </a:pPr>
+            <a:r>
+              <a:rPr lang="en-US" dirty="0" smtClean="0"/>
+              <a:t>To add a user you must follow the given guidelines displayed on the bottom of the page.</a:t>
+            </a:r>
+          </a:p>
+          <a:p>
+            <a:pPr marL="742950" lvl="1" indent="-285750">
+              <a:buFont typeface="Arial" panose="020B0604020202020204" pitchFamily="34" charset="0"/>
+              <a:buChar char="•"/>
+            </a:pPr>
+            <a:r>
+              <a:rPr lang="en-US" dirty="0" smtClean="0"/>
+              <a:t>First name must begin with a capital letter and be alphanumeric only.</a:t>
+            </a:r>
+          </a:p>
+          <a:p>
+            <a:pPr marL="742950" lvl="1" indent="-285750">
+              <a:buFont typeface="Arial" panose="020B0604020202020204" pitchFamily="34" charset="0"/>
+              <a:buChar char="•"/>
+            </a:pPr>
+            <a:r>
+              <a:rPr lang="en-US" dirty="0" smtClean="0"/>
+              <a:t>Last </a:t>
+            </a:r>
+            <a:r>
+              <a:rPr lang="en-US" dirty="0"/>
+              <a:t>name must begin with a capital letter and be alphanumeric </a:t>
+            </a:r>
+            <a:r>
+              <a:rPr lang="en-US" dirty="0" smtClean="0"/>
+              <a:t>only.</a:t>
+            </a:r>
+          </a:p>
+          <a:p>
+            <a:pPr marL="742950" lvl="1" indent="-285750">
+              <a:buFont typeface="Arial" panose="020B0604020202020204" pitchFamily="34" charset="0"/>
+              <a:buChar char="•"/>
+            </a:pPr>
+            <a:r>
+              <a:rPr lang="en-US" dirty="0" smtClean="0"/>
+              <a:t>Logon username should be the first letter of the first name and last name (e.g. </a:t>
+            </a:r>
+            <a:r>
+              <a:rPr lang="en-US" dirty="0" err="1" smtClean="0"/>
+              <a:t>ckent</a:t>
+            </a:r>
+            <a:r>
+              <a:rPr lang="en-US" dirty="0" smtClean="0"/>
+              <a:t> for Clark Kent).</a:t>
+            </a:r>
+          </a:p>
+          <a:p>
+            <a:pPr marL="742950" lvl="1" indent="-285750">
+              <a:buFont typeface="Arial" panose="020B0604020202020204" pitchFamily="34" charset="0"/>
+              <a:buChar char="•"/>
+            </a:pPr>
+            <a:r>
+              <a:rPr lang="en-US" dirty="0" smtClean="0"/>
+              <a:t>Select a role (Admin or User).</a:t>
+            </a:r>
+          </a:p>
+          <a:p>
+            <a:pPr marL="742950" lvl="1" indent="-285750">
+              <a:buFont typeface="Arial" panose="020B0604020202020204" pitchFamily="34" charset="0"/>
+              <a:buChar char="•"/>
+            </a:pPr>
+            <a:r>
+              <a:rPr lang="en-US" dirty="0" smtClean="0"/>
+              <a:t>Passwords must be at least 8 characters and must contain at least one uppercase character, one lowercase character and one number.</a:t>
+            </a:r>
+          </a:p>
+          <a:p>
+            <a:pPr marL="742950" lvl="1" indent="-285750">
+              <a:buFont typeface="Arial" panose="020B0604020202020204" pitchFamily="34" charset="0"/>
+              <a:buChar char="•"/>
+            </a:pPr>
+            <a:r>
+              <a:rPr lang="en-US" dirty="0" smtClean="0"/>
+              <a:t>Select a hire date.</a:t>
+            </a:r>
+          </a:p>
+          <a:p>
+            <a:pPr marL="742950" lvl="1" indent="-285750">
+              <a:buFont typeface="Arial" panose="020B0604020202020204" pitchFamily="34" charset="0"/>
+              <a:buChar char="•"/>
+            </a:pPr>
+            <a:r>
+              <a:rPr lang="en-US" dirty="0" smtClean="0"/>
+              <a:t>Finally click Add User when complete.</a:t>
+            </a:r>
+          </a:p>
+          <a:p>
+            <a:pPr marL="742950" lvl="1" indent="-285750">
+              <a:buFont typeface="Arial" panose="020B0604020202020204" pitchFamily="34" charset="0"/>
+              <a:buChar char="•"/>
+            </a:pPr>
+            <a:endParaRPr lang="en-US" dirty="0"/>
+          </a:p>
+          <a:p>
+            <a:pPr marL="742950" lvl="1" indent="-285750">
+              <a:buFont typeface="Arial" panose="020B0604020202020204" pitchFamily="34" charset="0"/>
+              <a:buChar char="•"/>
+            </a:pPr>
+            <a:endParaRPr lang="en-US" dirty="0"/>
           </a:p>
         </p:txBody>
       </p:sp>
@@ -3988,7 +5298,7 @@
   <p:timing>
     <p:tnLst>
       <p:par>
-        <p:cTn xmlns:p14="http://schemas.microsoft.com/office/powerpoint/2010/main" id="1" dur="indefinite" restart="never" nodeType="tmRoot"/>
+        <p:cTn id="1" dur="indefinite" restart="never" nodeType="tmRoot"/>
       </p:par>
     </p:tnLst>
   </p:timing>
@@ -4045,15 +5355,97 @@
             <p:ph idx="1"/>
           </p:nvPr>
         </p:nvSpPr>
-        <p:spPr/>
+        <p:spPr>
+          <a:xfrm>
+            <a:off x="6629400" y="3352800"/>
+            <a:ext cx="4876800" cy="2651760"/>
+          </a:xfrm>
+        </p:spPr>
         <p:txBody>
           <a:bodyPr/>
           <a:lstStyle/>
           <a:p>
-            <a:endParaRPr lang="en-US"/>
-          </a:p>
-        </p:txBody>
-      </p:sp>
+            <a:pPr>
+              <a:buFont typeface="Arial" panose="020B0604020202020204" pitchFamily="34" charset="0"/>
+              <a:buChar char="•"/>
+            </a:pPr>
+            <a:r>
+              <a:rPr lang="en-US" dirty="0" smtClean="0"/>
+              <a:t>You can fix any mistakes here.</a:t>
+            </a:r>
+          </a:p>
+          <a:p>
+            <a:pPr>
+              <a:buFont typeface="Arial" panose="020B0604020202020204" pitchFamily="34" charset="0"/>
+              <a:buChar char="•"/>
+            </a:pPr>
+            <a:r>
+              <a:rPr lang="en-US" dirty="0" smtClean="0"/>
+              <a:t>Edits on first and last name, username and role can be made.</a:t>
+            </a:r>
+            <a:endParaRPr lang="en-US" dirty="0" smtClean="0"/>
+          </a:p>
+          <a:p>
+            <a:pPr>
+              <a:buFont typeface="Arial" panose="020B0604020202020204" pitchFamily="34" charset="0"/>
+              <a:buChar char="•"/>
+            </a:pPr>
+            <a:r>
+              <a:rPr lang="en-US" dirty="0" smtClean="0"/>
+              <a:t>There is a dedicated tab for changing password.</a:t>
+            </a:r>
+            <a:endParaRPr lang="en-US" dirty="0" smtClean="0"/>
+          </a:p>
+        </p:txBody>
+      </p:sp>
+      <p:pic>
+        <p:nvPicPr>
+          <p:cNvPr id="4" name="Picture 3"/>
+          <p:cNvPicPr>
+            <a:picLocks noChangeAspect="1"/>
+          </p:cNvPicPr>
+          <p:nvPr/>
+        </p:nvPicPr>
+        <p:blipFill>
+          <a:blip r:embed="rId2"/>
+          <a:stretch>
+            <a:fillRect/>
+          </a:stretch>
+        </p:blipFill>
+        <p:spPr>
+          <a:xfrm>
+            <a:off x="1609725" y="1590675"/>
+            <a:ext cx="8972550" cy="1609725"/>
+          </a:xfrm>
+          <a:prstGeom prst="rect">
+            <a:avLst/>
+          </a:prstGeom>
+        </p:spPr>
+      </p:pic>
+      <p:pic>
+        <p:nvPicPr>
+          <p:cNvPr id="6" name="Picture 5"/>
+          <p:cNvPicPr>
+            <a:picLocks noChangeAspect="1"/>
+          </p:cNvPicPr>
+          <p:nvPr/>
+        </p:nvPicPr>
+        <p:blipFill>
+          <a:blip r:embed="rId3"/>
+          <a:stretch>
+            <a:fillRect/>
+          </a:stretch>
+        </p:blipFill>
+        <p:spPr>
+          <a:xfrm>
+            <a:off x="1017950" y="2286000"/>
+            <a:ext cx="5224272" cy="4271418"/>
+          </a:xfrm>
+          <a:prstGeom prst="rect">
+            <a:avLst/>
+          </a:prstGeom>
+        </p:spPr>
+      </p:pic>
     </p:spTree>
     <p:extLst>
       <p:ext uri="{BB962C8B-B14F-4D97-AF65-F5344CB8AC3E}">
@@ -4067,7 +5459,7 @@
   <p:timing>
     <p:tnLst>
       <p:par>
-        <p:cTn xmlns:p14="http://schemas.microsoft.com/office/powerpoint/2010/main" id="1" dur="indefinite" restart="never" nodeType="tmRoot"/>
+        <p:cTn id="1" dur="indefinite" restart="never" nodeType="tmRoot"/>
       </p:par>
     </p:tnLst>
   </p:timing>
@@ -4126,34 +5518,72 @@
         </p:nvSpPr>
         <p:spPr/>
         <p:txBody>
-          <a:bodyPr/>
-          <a:lstStyle/>
-          <a:p>
-            <a:r>
-              <a:rPr lang="en-US" dirty="0" smtClean="0"/>
-              <a:t>This program is designed for Mama G’s General Store.</a:t>
-            </a:r>
-          </a:p>
-          <a:p>
-            <a:r>
-              <a:rPr lang="en-US" dirty="0" smtClean="0"/>
-              <a:t>The application is designed for the purpose of rewarding customers through tracking customers, sales, items, and creating coupons and reports.</a:t>
-            </a:r>
-          </a:p>
-          <a:p>
-            <a:r>
-              <a:rPr lang="en-US" dirty="0" smtClean="0"/>
-              <a:t>The application is accessible at the Admin level or User level.</a:t>
-            </a:r>
-          </a:p>
-          <a:p>
-            <a:r>
-              <a:rPr lang="en-US" dirty="0" smtClean="0"/>
-              <a:t>All tracking is saved into a database that can be later generated as a report.</a:t>
-            </a:r>
-          </a:p>
-          <a:p>
-            <a:endParaRPr lang="en-US" dirty="0"/>
+          <a:bodyPr>
+            <a:normAutofit/>
+          </a:bodyPr>
+          <a:lstStyle/>
+          <a:p>
+            <a:pPr>
+              <a:buFont typeface="Arial" panose="020B0604020202020204" pitchFamily="34" charset="0"/>
+              <a:buChar char="•"/>
+            </a:pPr>
+            <a:r>
+              <a:rPr lang="en-US" sz="2400" dirty="0" smtClean="0"/>
+              <a:t>This </a:t>
+            </a:r>
+            <a:r>
+              <a:rPr lang="en-US" sz="2400" dirty="0" smtClean="0"/>
+              <a:t>program is designed for Mama G’s General Store.</a:t>
+            </a:r>
+          </a:p>
+          <a:p>
+            <a:pPr>
+              <a:buFont typeface="Arial" panose="020B0604020202020204" pitchFamily="34" charset="0"/>
+              <a:buChar char="•"/>
+            </a:pPr>
+            <a:r>
+              <a:rPr lang="en-US" sz="2400" dirty="0" smtClean="0"/>
+              <a:t>The </a:t>
+            </a:r>
+            <a:r>
+              <a:rPr lang="en-US" sz="2400" dirty="0" smtClean="0"/>
+              <a:t>application is designed for the purpose of rewarding customers through tracking  customers, sales, items, and creating coupons and reports.</a:t>
+            </a:r>
+          </a:p>
+          <a:p>
+            <a:pPr>
+              <a:buFont typeface="Arial" panose="020B0604020202020204" pitchFamily="34" charset="0"/>
+              <a:buChar char="•"/>
+            </a:pPr>
+            <a:r>
+              <a:rPr lang="en-US" sz="2400" dirty="0" smtClean="0"/>
+              <a:t>The </a:t>
+            </a:r>
+            <a:r>
+              <a:rPr lang="en-US" sz="2400" dirty="0" smtClean="0"/>
+              <a:t>application is accessible at the Admin level or User level.</a:t>
+            </a:r>
+          </a:p>
+          <a:p>
+            <a:pPr>
+              <a:buFont typeface="Arial" panose="020B0604020202020204" pitchFamily="34" charset="0"/>
+              <a:buChar char="•"/>
+            </a:pPr>
+            <a:r>
+              <a:rPr lang="en-US" sz="2400" dirty="0" smtClean="0"/>
+              <a:t>All </a:t>
+            </a:r>
+            <a:r>
+              <a:rPr lang="en-US" sz="2400" dirty="0" smtClean="0"/>
+              <a:t>tracking is saved into a database that can be later generated as reports.</a:t>
+            </a:r>
+          </a:p>
+          <a:p>
+            <a:pPr>
+              <a:buFont typeface="Arial" panose="020B0604020202020204" pitchFamily="34" charset="0"/>
+              <a:buChar char="•"/>
+            </a:pPr>
+            <a:endParaRPr lang="en-US" sz="2400" dirty="0"/>
           </a:p>
         </p:txBody>
       </p:sp>
@@ -4170,7 +5600,7 @@
   <p:timing>
     <p:tnLst>
       <p:par>
-        <p:cTn xmlns:p14="http://schemas.microsoft.com/office/powerpoint/2010/main" id="1" dur="indefinite" restart="never" nodeType="tmRoot"/>
+        <p:cTn id="1" dur="indefinite" restart="never" nodeType="tmRoot"/>
       </p:par>
     </p:tnLst>
   </p:timing>
@@ -4227,15 +5657,52 @@
             <p:ph idx="1"/>
           </p:nvPr>
         </p:nvSpPr>
-        <p:spPr/>
+        <p:spPr>
+          <a:xfrm>
+            <a:off x="838200" y="4800600"/>
+            <a:ext cx="9906001" cy="1508760"/>
+          </a:xfrm>
+        </p:spPr>
         <p:txBody>
           <a:bodyPr/>
           <a:lstStyle/>
           <a:p>
-            <a:endParaRPr lang="en-US"/>
-          </a:p>
-        </p:txBody>
-      </p:sp>
+            <a:pPr>
+              <a:buFont typeface="Arial" panose="020B0604020202020204" pitchFamily="34" charset="0"/>
+              <a:buChar char="•"/>
+            </a:pPr>
+            <a:r>
+              <a:rPr lang="en-US" dirty="0" smtClean="0"/>
+              <a:t>If for any reason a user needs to be removed, it can be done here by simply selecting user and clicking Delete User.</a:t>
+            </a:r>
+            <a:endParaRPr lang="en-US" dirty="0"/>
+          </a:p>
+        </p:txBody>
+      </p:sp>
+      <p:pic>
+        <p:nvPicPr>
+          <p:cNvPr id="5" name="Picture 4"/>
+          <p:cNvPicPr>
+            <a:picLocks noChangeAspect="1"/>
+          </p:cNvPicPr>
+          <p:nvPr/>
+        </p:nvPicPr>
+        <p:blipFill>
+          <a:blip r:embed="rId2"/>
+          <a:stretch>
+            <a:fillRect/>
+          </a:stretch>
+        </p:blipFill>
+        <p:spPr>
+          <a:xfrm>
+            <a:off x="1647825" y="1628775"/>
+            <a:ext cx="8896350" cy="2943225"/>
+          </a:xfrm>
+          <a:prstGeom prst="rect">
+            <a:avLst/>
+          </a:prstGeom>
+        </p:spPr>
+      </p:pic>
     </p:spTree>
     <p:extLst>
       <p:ext uri="{BB962C8B-B14F-4D97-AF65-F5344CB8AC3E}">
@@ -4249,7 +5716,7 @@
   <p:timing>
     <p:tnLst>
       <p:par>
-        <p:cTn xmlns:p14="http://schemas.microsoft.com/office/powerpoint/2010/main" id="1" dur="indefinite" restart="never" nodeType="tmRoot"/>
+        <p:cTn id="1" dur="indefinite" restart="never" nodeType="tmRoot"/>
       </p:par>
     </p:tnLst>
   </p:timing>
@@ -4289,29 +5756,102 @@
           <a:lstStyle/>
           <a:p>
             <a:r>
-              <a:rPr lang="en-US" dirty="0" smtClean="0"/>
+              <a:rPr lang="en-US" sz="6600" dirty="0" smtClean="0"/>
               <a:t>Users and View Users</a:t>
             </a:r>
-            <a:endParaRPr lang="en-US" dirty="0"/>
-          </a:p>
-        </p:txBody>
-      </p:sp>
-      <p:sp>
-        <p:nvSpPr>
-          <p:cNvPr id="3" name="Content Placeholder 2"/>
-          <p:cNvSpPr>
-            <a:spLocks noGrp="1"/>
-          </p:cNvSpPr>
-          <p:nvPr>
-            <p:ph idx="1"/>
-          </p:nvPr>
-        </p:nvSpPr>
-        <p:spPr/>
-        <p:txBody>
-          <a:bodyPr/>
-          <a:lstStyle/>
-          <a:p>
-            <a:endParaRPr lang="en-US"/>
+            <a:endParaRPr lang="en-US" sz="6600" dirty="0"/>
+          </a:p>
+        </p:txBody>
+      </p:sp>
+      <p:pic>
+        <p:nvPicPr>
+          <p:cNvPr id="4" name="Picture 3"/>
+          <p:cNvPicPr>
+            <a:picLocks noChangeAspect="1"/>
+          </p:cNvPicPr>
+          <p:nvPr/>
+        </p:nvPicPr>
+        <p:blipFill>
+          <a:blip r:embed="rId2"/>
+          <a:stretch>
+            <a:fillRect/>
+          </a:stretch>
+        </p:blipFill>
+        <p:spPr>
+          <a:xfrm>
+            <a:off x="1619250" y="1600200"/>
+            <a:ext cx="8953500" cy="1571625"/>
+          </a:xfrm>
+          <a:prstGeom prst="rect">
+            <a:avLst/>
+          </a:prstGeom>
+        </p:spPr>
+      </p:pic>
+      <p:pic>
+        <p:nvPicPr>
+          <p:cNvPr id="5" name="Picture 4"/>
+          <p:cNvPicPr>
+            <a:picLocks noChangeAspect="1"/>
+          </p:cNvPicPr>
+          <p:nvPr/>
+        </p:nvPicPr>
+        <p:blipFill>
+          <a:blip r:embed="rId3"/>
+          <a:stretch>
+            <a:fillRect/>
+          </a:stretch>
+        </p:blipFill>
+        <p:spPr>
+          <a:xfrm>
+            <a:off x="914400" y="2286000"/>
+            <a:ext cx="6686550" cy="3047035"/>
+          </a:xfrm>
+          <a:prstGeom prst="rect">
+            <a:avLst/>
+          </a:prstGeom>
+        </p:spPr>
+      </p:pic>
+      <p:sp>
+        <p:nvSpPr>
+          <p:cNvPr id="6" name="TextBox 5"/>
+          <p:cNvSpPr txBox="1"/>
+          <p:nvPr/>
+        </p:nvSpPr>
+        <p:spPr>
+          <a:xfrm>
+            <a:off x="914400" y="5333035"/>
+            <a:ext cx="10210800" cy="954107"/>
+          </a:xfrm>
+          <a:prstGeom prst="rect">
+            <a:avLst/>
+          </a:prstGeom>
+          <a:noFill/>
+        </p:spPr>
+        <p:txBody>
+          <a:bodyPr wrap="square" rtlCol="0">
+            <a:spAutoFit/>
+          </a:bodyPr>
+          <a:lstStyle/>
+          <a:p>
+            <a:pPr marL="285750" indent="-285750">
+              <a:buFont typeface="Arial" panose="020B0604020202020204" pitchFamily="34" charset="0"/>
+              <a:buChar char="•"/>
+            </a:pPr>
+            <a:r>
+              <a:rPr lang="en-US" sz="2800" dirty="0" smtClean="0"/>
+              <a:t>You can view all users who have access to the application.</a:t>
+            </a:r>
+          </a:p>
+          <a:p>
+            <a:pPr marL="285750" indent="-285750">
+              <a:buFont typeface="Arial" panose="020B0604020202020204" pitchFamily="34" charset="0"/>
+              <a:buChar char="•"/>
+            </a:pPr>
+            <a:r>
+              <a:rPr lang="en-US" sz="2800" dirty="0" smtClean="0"/>
+              <a:t>Displays first name and last name, username, hiring date and role.</a:t>
+            </a:r>
+            <a:endParaRPr lang="en-US" sz="2800" dirty="0"/>
           </a:p>
         </p:txBody>
       </p:sp>
@@ -4328,7 +5868,7 @@
   <p:timing>
     <p:tnLst>
       <p:par>
-        <p:cTn xmlns:p14="http://schemas.microsoft.com/office/powerpoint/2010/main" id="1" dur="indefinite" restart="never" nodeType="tmRoot"/>
+        <p:cTn id="1" dur="indefinite" restart="never" nodeType="tmRoot"/>
       </p:par>
     </p:tnLst>
   </p:timing>
@@ -4377,20 +5917,113 @@
       </p:sp>
       <p:sp>
         <p:nvSpPr>
-          <p:cNvPr id="3" name="Content Placeholder 2"/>
-          <p:cNvSpPr>
-            <a:spLocks noGrp="1"/>
-          </p:cNvSpPr>
-          <p:nvPr>
-            <p:ph idx="1"/>
-          </p:nvPr>
-        </p:nvSpPr>
-        <p:spPr/>
-        <p:txBody>
-          <a:bodyPr/>
-          <a:lstStyle/>
-          <a:p>
-            <a:endParaRPr lang="en-US"/>
+          <p:cNvPr id="4" name="TextBox 3"/>
+          <p:cNvSpPr txBox="1"/>
+          <p:nvPr/>
+        </p:nvSpPr>
+        <p:spPr>
+          <a:xfrm>
+            <a:off x="9717401" y="6241810"/>
+            <a:ext cx="1878227" cy="369332"/>
+          </a:xfrm>
+          <a:prstGeom prst="rect">
+            <a:avLst/>
+          </a:prstGeom>
+          <a:noFill/>
+        </p:spPr>
+        <p:txBody>
+          <a:bodyPr wrap="square" rtlCol="0">
+            <a:spAutoFit/>
+          </a:bodyPr>
+          <a:lstStyle/>
+          <a:p>
+            <a:r>
+              <a:rPr lang="en-US" dirty="0" smtClean="0"/>
+              <a:t>Use Case 10</a:t>
+            </a:r>
+            <a:endParaRPr lang="en-US" dirty="0"/>
+          </a:p>
+        </p:txBody>
+      </p:sp>
+      <p:pic>
+        <p:nvPicPr>
+          <p:cNvPr id="6" name="Picture 5"/>
+          <p:cNvPicPr>
+            <a:picLocks noChangeAspect="1"/>
+          </p:cNvPicPr>
+          <p:nvPr/>
+        </p:nvPicPr>
+        <p:blipFill>
+          <a:blip r:embed="rId2"/>
+          <a:stretch>
+            <a:fillRect/>
+          </a:stretch>
+        </p:blipFill>
+        <p:spPr>
+          <a:xfrm>
+            <a:off x="1657350" y="1590675"/>
+            <a:ext cx="8877300" cy="466725"/>
+          </a:xfrm>
+          <a:prstGeom prst="rect">
+            <a:avLst/>
+          </a:prstGeom>
+        </p:spPr>
+      </p:pic>
+      <p:pic>
+        <p:nvPicPr>
+          <p:cNvPr id="9" name="Picture 8"/>
+          <p:cNvPicPr>
+            <a:picLocks noChangeAspect="1"/>
+          </p:cNvPicPr>
+          <p:nvPr/>
+        </p:nvPicPr>
+        <p:blipFill>
+          <a:blip r:embed="rId3"/>
+          <a:stretch>
+            <a:fillRect/>
+          </a:stretch>
+        </p:blipFill>
+        <p:spPr>
+          <a:xfrm>
+            <a:off x="5638800" y="2214928"/>
+            <a:ext cx="6410325" cy="3128368"/>
+          </a:xfrm>
+          <a:prstGeom prst="rect">
+            <a:avLst/>
+          </a:prstGeom>
+        </p:spPr>
+      </p:pic>
+      <p:sp>
+        <p:nvSpPr>
+          <p:cNvPr id="11" name="TextBox 10"/>
+          <p:cNvSpPr txBox="1"/>
+          <p:nvPr/>
+        </p:nvSpPr>
+        <p:spPr>
+          <a:xfrm>
+            <a:off x="1371600" y="2362200"/>
+            <a:ext cx="4038600" cy="1200329"/>
+          </a:xfrm>
+          <a:prstGeom prst="rect">
+            <a:avLst/>
+          </a:prstGeom>
+          <a:noFill/>
+        </p:spPr>
+        <p:txBody>
+          <a:bodyPr wrap="square" rtlCol="0">
+            <a:spAutoFit/>
+          </a:bodyPr>
+          <a:lstStyle/>
+          <a:p>
+            <a:pPr marL="285750" indent="-285750">
+              <a:buFont typeface="Arial" panose="020B0604020202020204" pitchFamily="34" charset="0"/>
+              <a:buChar char="•"/>
+            </a:pPr>
+            <a:r>
+              <a:rPr lang="en-US" sz="2400" dirty="0" smtClean="0"/>
+              <a:t>A password can be changed here as long as it conforms to the guidelines.</a:t>
+            </a:r>
+            <a:endParaRPr lang="en-US" sz="2400" dirty="0"/>
           </a:p>
         </p:txBody>
       </p:sp>
@@ -4407,7 +6040,7 @@
   <p:timing>
     <p:tnLst>
       <p:par>
-        <p:cTn xmlns:p14="http://schemas.microsoft.com/office/powerpoint/2010/main" id="1" dur="indefinite" restart="never" nodeType="tmRoot"/>
+        <p:cTn id="1" dur="indefinite" restart="never" nodeType="tmRoot"/>
       </p:par>
     </p:tnLst>
   </p:timing>
@@ -4474,13 +6107,55 @@
         </p:nvSpPr>
         <p:spPr/>
         <p:txBody>
-          <a:bodyPr/>
-          <a:lstStyle/>
-          <a:p>
-            <a:endParaRPr lang="en-US"/>
-          </a:p>
-        </p:txBody>
-      </p:sp>
+          <a:bodyPr>
+            <a:normAutofit/>
+          </a:bodyPr>
+          <a:lstStyle/>
+          <a:p>
+            <a:pPr>
+              <a:buFont typeface="Arial" panose="020B0604020202020204" pitchFamily="34" charset="0"/>
+              <a:buChar char="•"/>
+            </a:pPr>
+            <a:r>
+              <a:rPr lang="en-US" sz="4000" dirty="0" smtClean="0"/>
+              <a:t>The Logout tab will bring the user out of the application and back to the login screen.</a:t>
+            </a:r>
+          </a:p>
+          <a:p>
+            <a:endParaRPr lang="en-US" sz="4000" dirty="0"/>
+          </a:p>
+          <a:p>
+            <a:pPr marL="0" indent="0">
+              <a:buNone/>
+            </a:pPr>
+            <a:endParaRPr lang="en-US" sz="4000" dirty="0"/>
+          </a:p>
+        </p:txBody>
+      </p:sp>
+      <p:pic>
+        <p:nvPicPr>
+          <p:cNvPr id="4" name="Picture 3"/>
+          <p:cNvPicPr>
+            <a:picLocks noChangeAspect="1"/>
+          </p:cNvPicPr>
+          <p:nvPr/>
+        </p:nvPicPr>
+        <p:blipFill>
+          <a:blip r:embed="rId2"/>
+          <a:stretch>
+            <a:fillRect/>
+          </a:stretch>
+        </p:blipFill>
+        <p:spPr>
+          <a:xfrm>
+            <a:off x="1624012" y="1609725"/>
+            <a:ext cx="8943975" cy="447675"/>
+          </a:xfrm>
+          <a:prstGeom prst="rect">
+            <a:avLst/>
+          </a:prstGeom>
+        </p:spPr>
+      </p:pic>
     </p:spTree>
     <p:extLst>
       <p:ext uri="{BB962C8B-B14F-4D97-AF65-F5344CB8AC3E}">
@@ -4494,7 +6169,7 @@
   <p:timing>
     <p:tnLst>
       <p:par>
-        <p:cTn xmlns:p14="http://schemas.microsoft.com/office/powerpoint/2010/main" id="1" dur="indefinite" restart="never" nodeType="tmRoot"/>
+        <p:cTn id="1" dur="indefinite" restart="never" nodeType="tmRoot"/>
       </p:par>
     </p:tnLst>
   </p:timing>
@@ -4551,12 +6226,137 @@
             <p:ph idx="1"/>
           </p:nvPr>
         </p:nvSpPr>
-        <p:spPr/>
-        <p:txBody>
-          <a:bodyPr/>
-          <a:lstStyle/>
-          <a:p>
-            <a:endParaRPr lang="en-US" dirty="0"/>
+        <p:spPr>
+          <a:xfrm>
+            <a:off x="1024128" y="1828800"/>
+            <a:ext cx="9720073" cy="4480560"/>
+          </a:xfrm>
+        </p:spPr>
+        <p:txBody>
+          <a:bodyPr>
+            <a:normAutofit/>
+          </a:bodyPr>
+          <a:lstStyle/>
+          <a:p>
+            <a:pPr>
+              <a:buFont typeface="Arial" panose="020B0604020202020204" pitchFamily="34" charset="0"/>
+              <a:buChar char="•"/>
+            </a:pPr>
+            <a:r>
+              <a:rPr lang="en-US" dirty="0" smtClean="0"/>
+              <a:t>This is the first release of the application.</a:t>
+            </a:r>
+          </a:p>
+          <a:p>
+            <a:pPr>
+              <a:buFont typeface="Arial" panose="020B0604020202020204" pitchFamily="34" charset="0"/>
+              <a:buChar char="•"/>
+            </a:pPr>
+            <a:r>
+              <a:rPr lang="en-US" dirty="0" smtClean="0"/>
+              <a:t>The </a:t>
+            </a:r>
+            <a:r>
+              <a:rPr lang="en-US" dirty="0"/>
+              <a:t>Customer Loyalty </a:t>
+            </a:r>
+            <a:r>
+              <a:rPr lang="en-US" dirty="0" smtClean="0"/>
+              <a:t>Tracker app </a:t>
+            </a:r>
+            <a:r>
+              <a:rPr lang="en-US" dirty="0"/>
+              <a:t>is easy to use and the information generated </a:t>
+            </a:r>
+            <a:r>
+              <a:rPr lang="en-US" dirty="0" smtClean="0"/>
+              <a:t>is made </a:t>
+            </a:r>
+            <a:r>
+              <a:rPr lang="en-US" dirty="0"/>
+              <a:t>easy to comprehend</a:t>
+            </a:r>
+            <a:r>
+              <a:rPr lang="en-US" dirty="0" smtClean="0"/>
+              <a:t>.</a:t>
+            </a:r>
+          </a:p>
+          <a:p>
+            <a:pPr>
+              <a:buFont typeface="Arial" panose="020B0604020202020204" pitchFamily="34" charset="0"/>
+              <a:buChar char="•"/>
+            </a:pPr>
+            <a:r>
+              <a:rPr lang="en-US" dirty="0" smtClean="0"/>
+              <a:t>The reports can be analyzed to learn how </a:t>
+            </a:r>
+            <a:r>
+              <a:rPr lang="en-US" dirty="0" smtClean="0"/>
+              <a:t>to </a:t>
+            </a:r>
+            <a:r>
+              <a:rPr lang="en-US" dirty="0" smtClean="0"/>
+              <a:t>better reward and make customers happy</a:t>
+            </a:r>
+            <a:r>
+              <a:rPr lang="en-US" dirty="0" smtClean="0"/>
+              <a:t>.</a:t>
+            </a:r>
+          </a:p>
+          <a:p>
+            <a:pPr>
+              <a:buFont typeface="Arial" panose="020B0604020202020204" pitchFamily="34" charset="0"/>
+              <a:buChar char="•"/>
+            </a:pPr>
+            <a:r>
+              <a:rPr lang="en-US" dirty="0" smtClean="0"/>
+              <a:t>A date breakdown allows the understanding of sale trends and opportunities to push out sales.</a:t>
+            </a:r>
+            <a:endParaRPr lang="en-US" dirty="0" smtClean="0"/>
+          </a:p>
+          <a:p>
+            <a:pPr>
+              <a:buFont typeface="Arial" panose="020B0604020202020204" pitchFamily="34" charset="0"/>
+              <a:buChar char="•"/>
+            </a:pPr>
+            <a:r>
+              <a:rPr lang="en-US" dirty="0" smtClean="0"/>
+              <a:t>The data can be used to </a:t>
+            </a:r>
+            <a:r>
+              <a:rPr lang="en-US" dirty="0" smtClean="0"/>
+              <a:t>see</a:t>
+            </a:r>
+            <a:r>
+              <a:rPr lang="en-US" dirty="0"/>
+              <a:t> </a:t>
+            </a:r>
+            <a:r>
+              <a:rPr lang="en-US" dirty="0" smtClean="0"/>
+              <a:t>what items are highly </a:t>
+            </a:r>
+            <a:r>
+              <a:rPr lang="en-US" dirty="0" smtClean="0"/>
+              <a:t>demanded or </a:t>
+            </a:r>
+            <a:r>
+              <a:rPr lang="en-US" dirty="0" smtClean="0"/>
+              <a:t>what items need to be marked down.</a:t>
+            </a:r>
+          </a:p>
+          <a:p>
+            <a:pPr>
+              <a:buFont typeface="Arial" panose="020B0604020202020204" pitchFamily="34" charset="0"/>
+              <a:buChar char="•"/>
+            </a:pPr>
+            <a:r>
+              <a:rPr lang="en-US" dirty="0" smtClean="0"/>
+              <a:t>Mama G’s General Store coupled with The Customer Loyalt</a:t>
+            </a:r>
+            <a:r>
+              <a:rPr lang="en-US" dirty="0" smtClean="0"/>
+              <a:t>y Tracker brings a better experience in day-to-day life.</a:t>
+            </a:r>
           </a:p>
         </p:txBody>
       </p:sp>
@@ -4573,7 +6373,7 @@
   <p:timing>
     <p:tnLst>
       <p:par>
-        <p:cTn xmlns:p14="http://schemas.microsoft.com/office/powerpoint/2010/main" id="1" dur="indefinite" restart="never" nodeType="tmRoot"/>
+        <p:cTn id="1" dur="indefinite" restart="never" nodeType="tmRoot"/>
       </p:par>
     </p:tnLst>
   </p:timing>
@@ -4632,53 +6432,63 @@
         </p:nvSpPr>
         <p:spPr/>
         <p:txBody>
-          <a:bodyPr/>
-          <a:lstStyle/>
-          <a:p>
-            <a:r>
-              <a:rPr lang="en-US" dirty="0" smtClean="0"/>
-              <a:t>To access the application all users are required to log in as an admin or user.</a:t>
-            </a:r>
-          </a:p>
-          <a:p>
-            <a:endParaRPr lang="en-US" dirty="0" smtClean="0"/>
+          <a:bodyPr>
+            <a:normAutofit/>
+          </a:bodyPr>
+          <a:lstStyle/>
+          <a:p>
+            <a:pPr>
+              <a:buFont typeface="Arial" panose="020B0604020202020204" pitchFamily="34" charset="0"/>
+              <a:buChar char="•"/>
+            </a:pPr>
+            <a:r>
+              <a:rPr lang="en-US" sz="2400" dirty="0" smtClean="0"/>
+              <a:t>To </a:t>
+            </a:r>
+            <a:r>
+              <a:rPr lang="en-US" sz="2400" dirty="0" smtClean="0"/>
+              <a:t>access the application all users are required to log in as an admin or user.</a:t>
+            </a:r>
+          </a:p>
+          <a:p>
+            <a:endParaRPr lang="en-US" sz="2400" dirty="0" smtClean="0"/>
           </a:p>
           <a:p>
             <a:pPr lvl="1"/>
             <a:r>
-              <a:rPr lang="en-US" dirty="0" smtClean="0"/>
+              <a:rPr lang="en-US" sz="2000" dirty="0" smtClean="0"/>
               <a:t>Admin accounts are created with initial username and password.</a:t>
             </a:r>
           </a:p>
           <a:p>
             <a:pPr lvl="1"/>
-            <a:endParaRPr lang="en-US" dirty="0" smtClean="0"/>
+            <a:endParaRPr lang="en-US" sz="2000" dirty="0" smtClean="0"/>
           </a:p>
           <a:p>
             <a:pPr lvl="1"/>
             <a:r>
-              <a:rPr lang="en-US" dirty="0" smtClean="0"/>
+              <a:rPr lang="en-US" sz="2000" dirty="0" smtClean="0"/>
               <a:t>Only admins have the ability to create, edit or delete users.</a:t>
             </a:r>
           </a:p>
           <a:p>
             <a:pPr lvl="1"/>
-            <a:endParaRPr lang="en-US" dirty="0" smtClean="0"/>
+            <a:endParaRPr lang="en-US" sz="2000" dirty="0" smtClean="0"/>
           </a:p>
           <a:p>
             <a:pPr lvl="1"/>
             <a:r>
-              <a:rPr lang="en-US" dirty="0" smtClean="0"/>
+              <a:rPr lang="en-US" sz="2000" dirty="0" smtClean="0"/>
               <a:t>When creating a new user admins can set role as admin or user.</a:t>
             </a:r>
           </a:p>
           <a:p>
             <a:pPr lvl="1"/>
-            <a:endParaRPr lang="en-US" dirty="0" smtClean="0"/>
+            <a:endParaRPr lang="en-US" sz="2000" dirty="0" smtClean="0"/>
           </a:p>
           <a:p>
             <a:pPr lvl="1"/>
-            <a:endParaRPr lang="en-US" dirty="0"/>
+            <a:endParaRPr lang="en-US" sz="2000" dirty="0"/>
           </a:p>
         </p:txBody>
       </p:sp>
@@ -4695,7 +6505,7 @@
   <p:timing>
     <p:tnLst>
       <p:par>
-        <p:cTn xmlns:p14="http://schemas.microsoft.com/office/powerpoint/2010/main" id="1" dur="indefinite" restart="never" nodeType="tmRoot"/>
+        <p:cTn id="1" dur="indefinite" restart="never" nodeType="tmRoot"/>
       </p:par>
     </p:tnLst>
   </p:timing>
@@ -4760,7 +6570,7 @@
         </p:blipFill>
         <p:spPr>
           <a:xfrm>
-            <a:off x="6473702" y="1539539"/>
+            <a:off x="6744161" y="1694087"/>
             <a:ext cx="5121926" cy="3527857"/>
           </a:xfrm>
           <a:prstGeom prst="rect">
@@ -4776,8 +6586,8 @@
         </p:nvSpPr>
         <p:spPr>
           <a:xfrm>
-            <a:off x="838200" y="1690688"/>
-            <a:ext cx="5987474" cy="2062103"/>
+            <a:off x="705043" y="1809935"/>
+            <a:ext cx="6039118" cy="1569660"/>
           </a:xfrm>
           <a:prstGeom prst="rect">
             <a:avLst/>
@@ -4796,8 +6606,13 @@
             </a:pPr>
             <a:r>
               <a:rPr lang="en-US" sz="3200" dirty="0" smtClean="0"/>
-              <a:t>Username and password required to access the application.</a:t>
-            </a:r>
+              <a:t>Username and password required to access the application</a:t>
+            </a:r>
+            <a:r>
+              <a:rPr lang="en-US" sz="3200" dirty="0" smtClean="0"/>
+              <a:t>.</a:t>
+            </a:r>
+            <a:endParaRPr lang="en-US" sz="3200" dirty="0" smtClean="0"/>
           </a:p>
           <a:p>
             <a:pPr marL="285750" indent="-285750">
@@ -4851,7 +6666,7 @@
   <p:timing>
     <p:tnLst>
       <p:par>
-        <p:cTn xmlns:p14="http://schemas.microsoft.com/office/powerpoint/2010/main" id="1" dur="indefinite" restart="never" nodeType="tmRoot"/>
+        <p:cTn id="1" dur="indefinite" restart="never" nodeType="tmRoot"/>
       </p:par>
     </p:tnLst>
   </p:timing>
@@ -4910,44 +6725,76 @@
         </p:nvSpPr>
         <p:spPr>
           <a:xfrm>
-            <a:off x="838200" y="2224087"/>
-            <a:ext cx="5664200" cy="3724131"/>
+            <a:off x="838200" y="2356834"/>
+            <a:ext cx="5664200" cy="3591384"/>
           </a:xfrm>
         </p:spPr>
         <p:txBody>
           <a:bodyPr>
-            <a:normAutofit fontScale="92500" lnSpcReduction="10000"/>
+            <a:normAutofit/>
           </a:bodyPr>
           <a:lstStyle/>
           <a:p>
-            <a:r>
-              <a:rPr lang="en-US" dirty="0" smtClean="0"/>
-              <a:t>The menu holds all the needed functions capable of rewarding customers.</a:t>
-            </a:r>
-          </a:p>
-          <a:p>
-            <a:r>
-              <a:rPr lang="en-US" dirty="0" smtClean="0"/>
-              <a:t>The Users tab is only displayed if you are logged in as an Admin.</a:t>
-            </a:r>
-          </a:p>
-          <a:p>
-            <a:r>
-              <a:rPr lang="en-US" dirty="0" smtClean="0"/>
-              <a:t>Upon logging in you will be on the Main Page</a:t>
-            </a:r>
-            <a:r>
-              <a:rPr lang="en-US" dirty="0" smtClean="0"/>
-              <a:t>.</a:t>
-            </a:r>
-          </a:p>
-          <a:p>
-            <a:r>
-              <a:rPr lang="en-US" dirty="0" smtClean="0"/>
-              <a:t>The Main Page displays a “Last 10 Sales Summary” allowing users a quick look at Mama G’s sales.</a:t>
-            </a:r>
-          </a:p>
-          <a:p>
+            <a:pPr>
+              <a:buFont typeface="Arial" panose="020B0604020202020204" pitchFamily="34" charset="0"/>
+              <a:buChar char="•"/>
+            </a:pPr>
+            <a:r>
+              <a:rPr lang="en-US" dirty="0" smtClean="0"/>
+              <a:t>The </a:t>
+            </a:r>
+            <a:r>
+              <a:rPr lang="en-US" dirty="0" smtClean="0"/>
+              <a:t>menu holds all the needed functions capable of rewarding customers.</a:t>
+            </a:r>
+          </a:p>
+          <a:p>
+            <a:pPr>
+              <a:buFont typeface="Arial" panose="020B0604020202020204" pitchFamily="34" charset="0"/>
+              <a:buChar char="•"/>
+            </a:pPr>
+            <a:r>
+              <a:rPr lang="en-US" dirty="0" smtClean="0"/>
+              <a:t>The </a:t>
+            </a:r>
+            <a:r>
+              <a:rPr lang="en-US" dirty="0" smtClean="0"/>
+              <a:t>Users tab is only displayed if you are logged in as an Admin.</a:t>
+            </a:r>
+          </a:p>
+          <a:p>
+            <a:pPr>
+              <a:buFont typeface="Arial" panose="020B0604020202020204" pitchFamily="34" charset="0"/>
+              <a:buChar char="•"/>
+            </a:pPr>
+            <a:r>
+              <a:rPr lang="en-US" dirty="0" smtClean="0"/>
+              <a:t>Upon </a:t>
+            </a:r>
+            <a:r>
+              <a:rPr lang="en-US" dirty="0" smtClean="0"/>
+              <a:t>logging in you will be on the Main Page.</a:t>
+            </a:r>
+          </a:p>
+          <a:p>
+            <a:pPr>
+              <a:buFont typeface="Arial" panose="020B0604020202020204" pitchFamily="34" charset="0"/>
+              <a:buChar char="•"/>
+            </a:pPr>
+            <a:r>
+              <a:rPr lang="en-US" dirty="0" smtClean="0"/>
+              <a:t>The </a:t>
+            </a:r>
+            <a:r>
+              <a:rPr lang="en-US" dirty="0" smtClean="0"/>
+              <a:t>Main Page displays a “Last 10 Sales Summary” allowing users a quick look at Mama G’s sales.</a:t>
+            </a:r>
+          </a:p>
+          <a:p>
+            <a:pPr>
+              <a:buFont typeface="Arial" panose="020B0604020202020204" pitchFamily="34" charset="0"/>
+              <a:buChar char="•"/>
+            </a:pPr>
             <a:endParaRPr lang="en-US" dirty="0"/>
           </a:p>
         </p:txBody>
@@ -4974,7 +6821,7 @@
         </p:blipFill>
         <p:spPr>
           <a:xfrm>
-            <a:off x="373021" y="1354532"/>
+            <a:off x="373021" y="1586354"/>
             <a:ext cx="11445959" cy="658168"/>
           </a:xfrm>
           <a:prstGeom prst="rect">
@@ -5025,7 +6872,7 @@
   <p:timing>
     <p:tnLst>
       <p:par>
-        <p:cTn xmlns:p14="http://schemas.microsoft.com/office/powerpoint/2010/main" id="1" dur="indefinite" restart="never" nodeType="tmRoot"/>
+        <p:cTn id="1" dur="indefinite" restart="never" nodeType="tmRoot"/>
       </p:par>
     </p:tnLst>
   </p:timing>
@@ -5066,7 +6913,7 @@
           <a:p>
             <a:r>
               <a:rPr lang="en-US" dirty="0" smtClean="0"/>
-              <a:t>Coupon Management and Add Coupon</a:t>
+              <a:t>Coupon Management</a:t>
             </a:r>
             <a:endParaRPr lang="en-US" dirty="0"/>
           </a:p>
@@ -5084,49 +6931,58 @@
         </p:nvSpPr>
         <p:spPr>
           <a:xfrm>
-            <a:off x="838200" y="3269457"/>
-            <a:ext cx="10515600" cy="4351338"/>
-          </a:xfrm>
-        </p:spPr>
-        <p:txBody>
-          <a:bodyPr/>
-          <a:lstStyle/>
-          <a:p>
-            <a:endParaRPr lang="en-US" dirty="0" smtClean="0"/>
-          </a:p>
-          <a:p>
-            <a:r>
-              <a:rPr lang="en-US" dirty="0" smtClean="0"/>
-              <a:t>Coupon Management allows users to Add, Edit, Delete, or View Available Coupons.</a:t>
-            </a:r>
-            <a:endParaRPr lang="en-US" dirty="0"/>
+            <a:off x="1024128" y="3269457"/>
+            <a:ext cx="10634472" cy="4351338"/>
+          </a:xfrm>
+        </p:spPr>
+        <p:txBody>
+          <a:bodyPr>
+            <a:normAutofit/>
+          </a:bodyPr>
+          <a:lstStyle/>
+          <a:p>
+            <a:endParaRPr lang="en-US" sz="2400" dirty="0" smtClean="0"/>
+          </a:p>
+          <a:p>
+            <a:pPr>
+              <a:buFont typeface="Arial" panose="020B0604020202020204" pitchFamily="34" charset="0"/>
+              <a:buChar char="•"/>
+            </a:pPr>
+            <a:r>
+              <a:rPr lang="en-US" sz="2400" dirty="0" smtClean="0"/>
+              <a:t>Coupon </a:t>
+            </a:r>
+            <a:r>
+              <a:rPr lang="en-US" sz="2400" dirty="0" smtClean="0"/>
+              <a:t>Management allows users to Add, Edit, Delete, or View Available Coupons.</a:t>
+            </a:r>
+          </a:p>
+          <a:p>
+            <a:pPr marL="0" indent="0">
+              <a:buNone/>
+            </a:pPr>
+            <a:endParaRPr lang="en-US" sz="2800" dirty="0"/>
           </a:p>
         </p:txBody>
       </p:sp>
       <p:pic>
         <p:nvPicPr>
-          <p:cNvPr id="5" name="Picture 4" descr="Screen Shot 2015-11-09 at 3.01.56 AM.png"/>
+          <p:cNvPr id="4" name="Picture 3"/>
           <p:cNvPicPr>
             <a:picLocks noChangeAspect="1"/>
           </p:cNvPicPr>
           <p:nvPr/>
         </p:nvPicPr>
         <p:blipFill>
-          <a:blip r:embed="rId2">
-            <a:extLst>
-              <a:ext uri="{28A0092B-C50C-407E-A947-70E740481C1C}">
-                <a14:useLocalDpi xmlns:a14="http://schemas.microsoft.com/office/drawing/2010/main" val="0"/>
-              </a:ext>
-            </a:extLst>
-          </a:blip>
+          <a:blip r:embed="rId2"/>
           <a:stretch>
             <a:fillRect/>
           </a:stretch>
         </p:blipFill>
         <p:spPr>
           <a:xfrm>
-            <a:off x="1424362" y="1777464"/>
-            <a:ext cx="9343277" cy="1733616"/>
+            <a:off x="1390650" y="1600200"/>
+            <a:ext cx="9410700" cy="1800225"/>
           </a:xfrm>
           <a:prstGeom prst="rect">
             <a:avLst/>
@@ -5146,7 +7002,7 @@
   <p:timing>
     <p:tnLst>
       <p:par>
-        <p:cTn xmlns:p14="http://schemas.microsoft.com/office/powerpoint/2010/main" id="1" dur="indefinite" restart="never" nodeType="tmRoot"/>
+        <p:cTn id="1" dur="indefinite" restart="never" nodeType="tmRoot"/>
       </p:par>
     </p:tnLst>
   </p:timing>
@@ -5170,164 +7026,9 @@
           <a:chExt cx="0" cy="0"/>
         </a:xfrm>
       </p:grpSpPr>
-      <p:sp>
-        <p:nvSpPr>
-          <p:cNvPr id="2" name="Title 1"/>
-          <p:cNvSpPr>
-            <a:spLocks noGrp="1"/>
-          </p:cNvSpPr>
-          <p:nvPr>
-            <p:ph type="title"/>
-          </p:nvPr>
-        </p:nvSpPr>
-        <p:spPr/>
-        <p:txBody>
-          <a:bodyPr/>
-          <a:lstStyle/>
-          <a:p>
-            <a:r>
-              <a:rPr lang="en-US" dirty="0" smtClean="0"/>
-              <a:t>Coupon Management and Adding Coupon</a:t>
-            </a:r>
-            <a:endParaRPr lang="en-US" dirty="0"/>
-          </a:p>
-        </p:txBody>
-      </p:sp>
-      <p:sp>
-        <p:nvSpPr>
-          <p:cNvPr id="7" name="TextBox 6"/>
-          <p:cNvSpPr txBox="1"/>
-          <p:nvPr/>
-        </p:nvSpPr>
-        <p:spPr>
-          <a:xfrm>
-            <a:off x="4407196" y="2378212"/>
-            <a:ext cx="7221386" cy="5016758"/>
-          </a:xfrm>
-          <a:prstGeom prst="rect">
-            <a:avLst/>
-          </a:prstGeom>
-          <a:noFill/>
-        </p:spPr>
-        <p:txBody>
-          <a:bodyPr wrap="square" rtlCol="0">
-            <a:spAutoFit/>
-          </a:bodyPr>
-          <a:lstStyle/>
-          <a:p>
-            <a:pPr marL="285750" indent="-285750">
-              <a:buFont typeface="Arial" panose="020B0604020202020204" pitchFamily="34" charset="0"/>
-              <a:buChar char="•"/>
-            </a:pPr>
-            <a:endParaRPr lang="en-US" sz="2000" dirty="0" smtClean="0"/>
-          </a:p>
-          <a:p>
-            <a:pPr marL="285750" indent="-285750">
-              <a:buFont typeface="Arial" panose="020B0604020202020204" pitchFamily="34" charset="0"/>
-              <a:buChar char="•"/>
-            </a:pPr>
-            <a:endParaRPr lang="en-US" sz="2000" dirty="0"/>
-          </a:p>
-          <a:p>
-            <a:pPr marL="285750" indent="-285750">
-              <a:buFont typeface="Arial" panose="020B0604020202020204" pitchFamily="34" charset="0"/>
-              <a:buChar char="•"/>
-            </a:pPr>
-            <a:endParaRPr lang="en-US" sz="2000" dirty="0" smtClean="0"/>
-          </a:p>
-          <a:p>
-            <a:pPr marL="285750" indent="-285750">
-              <a:buFont typeface="Arial" panose="020B0604020202020204" pitchFamily="34" charset="0"/>
-              <a:buChar char="•"/>
-            </a:pPr>
-            <a:r>
-              <a:rPr lang="en-US" sz="2000" dirty="0" smtClean="0"/>
-              <a:t>You must first select a product, here we have Beer with a retail price of $11.99</a:t>
-            </a:r>
-          </a:p>
-          <a:p>
-            <a:pPr marL="285750" indent="-285750">
-              <a:buFont typeface="Arial" panose="020B0604020202020204" pitchFamily="34" charset="0"/>
-              <a:buChar char="•"/>
-            </a:pPr>
-            <a:r>
-              <a:rPr lang="en-US" sz="2000" dirty="0" smtClean="0"/>
-              <a:t>Then you enter the dollar amount you want the coupon to save, we entered the coupon’s worth of $11.00.</a:t>
-            </a:r>
-          </a:p>
-          <a:p>
-            <a:pPr marL="285750" indent="-285750">
-              <a:buFont typeface="Arial" panose="020B0604020202020204" pitchFamily="34" charset="0"/>
-              <a:buChar char="•"/>
-            </a:pPr>
-            <a:r>
-              <a:rPr lang="en-US" sz="2000" dirty="0" smtClean="0"/>
-              <a:t>Enter a start date for the coupon, this coupon begins 2015-11-09.</a:t>
-            </a:r>
-          </a:p>
-          <a:p>
-            <a:pPr marL="285750" indent="-285750">
-              <a:buFont typeface="Arial" panose="020B0604020202020204" pitchFamily="34" charset="0"/>
-              <a:buChar char="•"/>
-            </a:pPr>
-            <a:r>
-              <a:rPr lang="en-US" sz="2000" dirty="0" smtClean="0"/>
-              <a:t>Enter a end date, this coupon expires on 2016-02-01.</a:t>
-            </a:r>
-          </a:p>
-          <a:p>
-            <a:pPr marL="285750" indent="-285750">
-              <a:buFont typeface="Arial" panose="020B0604020202020204" pitchFamily="34" charset="0"/>
-              <a:buChar char="•"/>
-            </a:pPr>
-            <a:r>
-              <a:rPr lang="en-US" sz="2000" dirty="0" smtClean="0"/>
-              <a:t>By clicking Add Coupon customers can now purchase Beer for $0.99.</a:t>
-            </a:r>
-          </a:p>
-          <a:p>
-            <a:pPr marL="285750" indent="-285750">
-              <a:buFont typeface="Arial" panose="020B0604020202020204" pitchFamily="34" charset="0"/>
-              <a:buChar char="•"/>
-            </a:pPr>
-            <a:r>
-              <a:rPr lang="en-US" sz="2000" dirty="0" smtClean="0"/>
-              <a:t>At anytime you can click Clear Entry to try again.</a:t>
-            </a:r>
-          </a:p>
-          <a:p>
-            <a:pPr marL="285750" indent="-285750">
-              <a:buFont typeface="Arial" panose="020B0604020202020204" pitchFamily="34" charset="0"/>
-              <a:buChar char="•"/>
-            </a:pPr>
-            <a:endParaRPr lang="en-US" sz="2000" dirty="0"/>
-          </a:p>
-          <a:p>
-            <a:pPr marL="285750" indent="-285750">
-              <a:buFont typeface="Arial" panose="020B0604020202020204" pitchFamily="34" charset="0"/>
-              <a:buChar char="•"/>
-            </a:pPr>
-            <a:endParaRPr lang="en-US" sz="2000" dirty="0"/>
-          </a:p>
-          <a:p>
-            <a:pPr marL="285750" indent="-285750">
-              <a:buFont typeface="Arial" panose="020B0604020202020204" pitchFamily="34" charset="0"/>
-              <a:buChar char="•"/>
-            </a:pPr>
-            <a:endParaRPr lang="en-US" sz="2000" dirty="0" smtClean="0"/>
-          </a:p>
-          <a:p>
-            <a:pPr marL="285750" indent="-285750">
-              <a:buFont typeface="Arial" panose="020B0604020202020204" pitchFamily="34" charset="0"/>
-              <a:buChar char="•"/>
-            </a:pPr>
-            <a:endParaRPr lang="en-US" sz="2000" dirty="0"/>
-          </a:p>
-        </p:txBody>
-      </p:sp>
       <p:pic>
         <p:nvPicPr>
-          <p:cNvPr id="14" name="Picture 13"/>
+          <p:cNvPr id="3" name="Picture 2"/>
           <p:cNvPicPr>
             <a:picLocks noChangeAspect="1"/>
           </p:cNvPicPr>
@@ -5341,49 +7042,279 @@
         </p:blipFill>
         <p:spPr>
           <a:xfrm>
-            <a:off x="838200" y="3389128"/>
-            <a:ext cx="3451232" cy="3014981"/>
+            <a:off x="1419225" y="1600200"/>
+            <a:ext cx="9353550" cy="1876425"/>
           </a:xfrm>
           <a:prstGeom prst="rect">
             <a:avLst/>
           </a:prstGeom>
-          <a:effectLst>
-            <a:outerShdw blurRad="50800" dist="38100" dir="8100000" algn="tr" rotWithShape="0">
-              <a:prstClr val="black">
-                <a:alpha val="40000"/>
-              </a:prstClr>
-            </a:outerShdw>
-          </a:effectLst>
         </p:spPr>
       </p:pic>
+      <p:sp>
+        <p:nvSpPr>
+          <p:cNvPr id="2" name="Title 1"/>
+          <p:cNvSpPr>
+            <a:spLocks noGrp="1"/>
+          </p:cNvSpPr>
+          <p:nvPr>
+            <p:ph type="title"/>
+          </p:nvPr>
+        </p:nvSpPr>
+        <p:spPr/>
+        <p:txBody>
+          <a:bodyPr/>
+          <a:lstStyle/>
+          <a:p>
+            <a:r>
+              <a:rPr lang="en-US" dirty="0" smtClean="0"/>
+              <a:t>Coupon Management and Adding Coupon</a:t>
+            </a:r>
+            <a:endParaRPr lang="en-US" dirty="0"/>
+          </a:p>
+        </p:txBody>
+      </p:sp>
+      <p:sp>
+        <p:nvSpPr>
+          <p:cNvPr id="7" name="TextBox 6"/>
+          <p:cNvSpPr txBox="1"/>
+          <p:nvPr/>
+        </p:nvSpPr>
+        <p:spPr>
+          <a:xfrm>
+            <a:off x="4407196" y="2378212"/>
+            <a:ext cx="7221386" cy="4708981"/>
+          </a:xfrm>
+          <a:prstGeom prst="rect">
+            <a:avLst/>
+          </a:prstGeom>
+          <a:noFill/>
+        </p:spPr>
+        <p:txBody>
+          <a:bodyPr wrap="square" rtlCol="0">
+            <a:spAutoFit/>
+          </a:bodyPr>
+          <a:lstStyle/>
+          <a:p>
+            <a:pPr marL="285750" indent="-285750">
+              <a:buFont typeface="Arial" panose="020B0604020202020204" pitchFamily="34" charset="0"/>
+              <a:buChar char="•"/>
+            </a:pPr>
+            <a:endParaRPr lang="en-US" sz="2000" dirty="0" smtClean="0"/>
+          </a:p>
+          <a:p>
+            <a:pPr marL="285750" indent="-285750">
+              <a:buFont typeface="Arial" panose="020B0604020202020204" pitchFamily="34" charset="0"/>
+              <a:buChar char="•"/>
+            </a:pPr>
+            <a:endParaRPr lang="en-US" sz="2000" dirty="0"/>
+          </a:p>
+          <a:p>
+            <a:pPr marL="285750" indent="-285750">
+              <a:buFont typeface="Arial" panose="020B0604020202020204" pitchFamily="34" charset="0"/>
+              <a:buChar char="•"/>
+            </a:pPr>
+            <a:endParaRPr lang="en-US" sz="2000" dirty="0" smtClean="0"/>
+          </a:p>
+          <a:p>
+            <a:pPr marL="285750" indent="-285750">
+              <a:buFont typeface="Arial" panose="020B0604020202020204" pitchFamily="34" charset="0"/>
+              <a:buChar char="•"/>
+            </a:pPr>
+            <a:r>
+              <a:rPr lang="en-US" sz="2000" dirty="0" smtClean="0"/>
+              <a:t>You must first select a </a:t>
+            </a:r>
+            <a:r>
+              <a:rPr lang="en-US" sz="2000" dirty="0" smtClean="0"/>
+              <a:t>product.</a:t>
+            </a:r>
+          </a:p>
+          <a:p>
+            <a:pPr marL="285750" indent="-285750">
+              <a:buFont typeface="Arial" panose="020B0604020202020204" pitchFamily="34" charset="0"/>
+              <a:buChar char="•"/>
+            </a:pPr>
+            <a:r>
+              <a:rPr lang="en-US" sz="2000" dirty="0" smtClean="0"/>
+              <a:t>Enter a name or description for the coupon.</a:t>
+            </a:r>
+            <a:endParaRPr lang="en-US" sz="2000" dirty="0" smtClean="0"/>
+          </a:p>
+          <a:p>
+            <a:pPr marL="285750" indent="-285750">
+              <a:buFont typeface="Arial" panose="020B0604020202020204" pitchFamily="34" charset="0"/>
+              <a:buChar char="•"/>
+            </a:pPr>
+            <a:r>
+              <a:rPr lang="en-US" sz="2000" dirty="0" smtClean="0"/>
+              <a:t>Then </a:t>
+            </a:r>
+            <a:r>
+              <a:rPr lang="en-US" sz="2000" dirty="0" smtClean="0"/>
+              <a:t>you enter the dollar amount you want the coupon to </a:t>
+            </a:r>
+            <a:r>
+              <a:rPr lang="en-US" sz="2000" dirty="0" smtClean="0"/>
+              <a:t>save</a:t>
+            </a:r>
+            <a:r>
+              <a:rPr lang="en-US" sz="2000" dirty="0"/>
+              <a:t>.</a:t>
+            </a:r>
+            <a:endParaRPr lang="en-US" sz="2000" dirty="0" smtClean="0"/>
+          </a:p>
+          <a:p>
+            <a:pPr marL="285750" indent="-285750">
+              <a:buFont typeface="Arial" panose="020B0604020202020204" pitchFamily="34" charset="0"/>
+              <a:buChar char="•"/>
+            </a:pPr>
+            <a:r>
+              <a:rPr lang="en-US" sz="2000" dirty="0" smtClean="0"/>
+              <a:t>Enter </a:t>
+            </a:r>
+            <a:r>
+              <a:rPr lang="en-US" sz="2000" dirty="0" smtClean="0"/>
+              <a:t>the coupon’s </a:t>
+            </a:r>
+            <a:r>
+              <a:rPr lang="en-US" sz="2000" dirty="0" smtClean="0"/>
+              <a:t>start date.</a:t>
+            </a:r>
+            <a:endParaRPr lang="en-US" sz="2000" dirty="0" smtClean="0"/>
+          </a:p>
+          <a:p>
+            <a:pPr marL="285750" indent="-285750">
+              <a:buFont typeface="Arial" panose="020B0604020202020204" pitchFamily="34" charset="0"/>
+              <a:buChar char="•"/>
+            </a:pPr>
+            <a:r>
+              <a:rPr lang="en-US" sz="2000" dirty="0" smtClean="0"/>
+              <a:t>And enter </a:t>
+            </a:r>
+            <a:r>
+              <a:rPr lang="en-US" sz="2000" dirty="0" smtClean="0"/>
+              <a:t>the</a:t>
+            </a:r>
+            <a:r>
+              <a:rPr lang="en-US" sz="2000" dirty="0" smtClean="0"/>
+              <a:t> </a:t>
+            </a:r>
+            <a:r>
+              <a:rPr lang="en-US" sz="2000" dirty="0" smtClean="0"/>
+              <a:t>expiration date.</a:t>
+            </a:r>
+            <a:endParaRPr lang="en-US" sz="2000" dirty="0" smtClean="0"/>
+          </a:p>
+          <a:p>
+            <a:pPr marL="285750" indent="-285750">
+              <a:buFont typeface="Arial" panose="020B0604020202020204" pitchFamily="34" charset="0"/>
+              <a:buChar char="•"/>
+            </a:pPr>
+            <a:r>
+              <a:rPr lang="en-US" sz="2000" dirty="0" smtClean="0"/>
+              <a:t>Once the fields are populated you can click Add Coupon to generate the coupon.</a:t>
+            </a:r>
+            <a:endParaRPr lang="en-US" sz="2000" dirty="0" smtClean="0"/>
+          </a:p>
+          <a:p>
+            <a:pPr marL="285750" indent="-285750">
+              <a:buFont typeface="Arial" panose="020B0604020202020204" pitchFamily="34" charset="0"/>
+              <a:buChar char="•"/>
+            </a:pPr>
+            <a:r>
+              <a:rPr lang="en-US" sz="2000" dirty="0" smtClean="0"/>
+              <a:t>At anytime you can click Clear Entry to try again.</a:t>
+            </a:r>
+          </a:p>
+          <a:p>
+            <a:pPr marL="285750" indent="-285750">
+              <a:buFont typeface="Arial" panose="020B0604020202020204" pitchFamily="34" charset="0"/>
+              <a:buChar char="•"/>
+            </a:pPr>
+            <a:endParaRPr lang="en-US" sz="2000" dirty="0"/>
+          </a:p>
+          <a:p>
+            <a:pPr marL="285750" indent="-285750">
+              <a:buFont typeface="Arial" panose="020B0604020202020204" pitchFamily="34" charset="0"/>
+              <a:buChar char="•"/>
+            </a:pPr>
+            <a:endParaRPr lang="en-US" sz="2000" dirty="0"/>
+          </a:p>
+          <a:p>
+            <a:pPr marL="285750" indent="-285750">
+              <a:buFont typeface="Arial" panose="020B0604020202020204" pitchFamily="34" charset="0"/>
+              <a:buChar char="•"/>
+            </a:pPr>
+            <a:endParaRPr lang="en-US" sz="2000" dirty="0" smtClean="0"/>
+          </a:p>
+          <a:p>
+            <a:pPr marL="285750" indent="-285750">
+              <a:buFont typeface="Arial" panose="020B0604020202020204" pitchFamily="34" charset="0"/>
+              <a:buChar char="•"/>
+            </a:pPr>
+            <a:endParaRPr lang="en-US" sz="2000" dirty="0"/>
+          </a:p>
+        </p:txBody>
+      </p:sp>
+      <p:sp>
+        <p:nvSpPr>
+          <p:cNvPr id="6" name="TextBox 5"/>
+          <p:cNvSpPr txBox="1"/>
+          <p:nvPr/>
+        </p:nvSpPr>
+        <p:spPr>
+          <a:xfrm>
+            <a:off x="9717401" y="6241810"/>
+            <a:ext cx="1878227" cy="369332"/>
+          </a:xfrm>
+          <a:prstGeom prst="rect">
+            <a:avLst/>
+          </a:prstGeom>
+          <a:noFill/>
+        </p:spPr>
+        <p:txBody>
+          <a:bodyPr wrap="square" rtlCol="0">
+            <a:spAutoFit/>
+          </a:bodyPr>
+          <a:lstStyle/>
+          <a:p>
+            <a:r>
+              <a:rPr lang="en-US" dirty="0" smtClean="0"/>
+              <a:t>Use Case 6</a:t>
+            </a:r>
+            <a:endParaRPr lang="en-US" dirty="0"/>
+          </a:p>
+        </p:txBody>
+      </p:sp>
       <p:pic>
         <p:nvPicPr>
-          <p:cNvPr id="8" name="Picture 7" descr="Screen Shot 2015-11-09 at 3.01.56 AM.png"/>
+          <p:cNvPr id="4" name="Picture 3"/>
           <p:cNvPicPr>
             <a:picLocks noChangeAspect="1"/>
           </p:cNvPicPr>
           <p:nvPr/>
         </p:nvPicPr>
         <p:blipFill>
-          <a:blip r:embed="rId3">
-            <a:extLst>
-              <a:ext uri="{28A0092B-C50C-407E-A947-70E740481C1C}">
-                <a14:useLocalDpi xmlns:a14="http://schemas.microsoft.com/office/drawing/2010/main" val="0"/>
-              </a:ext>
-            </a:extLst>
-          </a:blip>
+          <a:blip r:embed="rId3"/>
           <a:stretch>
             <a:fillRect/>
           </a:stretch>
         </p:blipFill>
         <p:spPr>
           <a:xfrm>
-            <a:off x="1424362" y="1440003"/>
-            <a:ext cx="9343277" cy="1733616"/>
+            <a:off x="802367" y="3130708"/>
+            <a:ext cx="3571875" cy="3209925"/>
           </a:xfrm>
           <a:prstGeom prst="rect">
             <a:avLst/>
           </a:prstGeom>
+          <a:effectLst>
+            <a:outerShdw blurRad="50800" dist="38100" dir="10800000" algn="r" rotWithShape="0">
+              <a:prstClr val="black">
+                <a:alpha val="40000"/>
+              </a:prstClr>
+            </a:outerShdw>
+          </a:effectLst>
         </p:spPr>
       </p:pic>
     </p:spTree>
@@ -5399,7 +7330,7 @@
   <p:timing>
     <p:tnLst>
       <p:par>
-        <p:cTn xmlns:p14="http://schemas.microsoft.com/office/powerpoint/2010/main" id="1" dur="indefinite" restart="never" nodeType="tmRoot"/>
+        <p:cTn id="1" dur="indefinite" restart="never" nodeType="tmRoot"/>
       </p:par>
     </p:tnLst>
   </p:timing>
@@ -5423,78 +7354,9 @@
           <a:chExt cx="0" cy="0"/>
         </a:xfrm>
       </p:grpSpPr>
-      <p:sp>
-        <p:nvSpPr>
-          <p:cNvPr id="2" name="Title 1"/>
-          <p:cNvSpPr>
-            <a:spLocks noGrp="1"/>
-          </p:cNvSpPr>
-          <p:nvPr>
-            <p:ph type="title"/>
-          </p:nvPr>
-        </p:nvSpPr>
-        <p:spPr/>
-        <p:txBody>
-          <a:bodyPr/>
-          <a:lstStyle/>
-          <a:p>
-            <a:r>
-              <a:rPr lang="en-US" dirty="0" smtClean="0"/>
-              <a:t>Coupon Management and Edit Coupon</a:t>
-            </a:r>
-            <a:endParaRPr lang="en-US" dirty="0"/>
-          </a:p>
-        </p:txBody>
-      </p:sp>
-      <p:sp>
-        <p:nvSpPr>
-          <p:cNvPr id="3" name="Content Placeholder 2"/>
-          <p:cNvSpPr>
-            <a:spLocks noGrp="1"/>
-          </p:cNvSpPr>
-          <p:nvPr>
-            <p:ph idx="1"/>
-          </p:nvPr>
-        </p:nvSpPr>
-        <p:spPr>
-          <a:xfrm>
-            <a:off x="838200" y="3426690"/>
-            <a:ext cx="5904345" cy="3240956"/>
-          </a:xfrm>
-        </p:spPr>
-        <p:txBody>
-          <a:bodyPr/>
-          <a:lstStyle/>
-          <a:p>
-            <a:r>
-              <a:rPr lang="en-US" dirty="0" smtClean="0"/>
-              <a:t>You can also edit any existing coupon.</a:t>
-            </a:r>
-          </a:p>
-          <a:p>
-            <a:r>
-              <a:rPr lang="en-US" dirty="0" smtClean="0"/>
-              <a:t>You are able to change the coupon savings amount.</a:t>
-            </a:r>
-          </a:p>
-          <a:p>
-            <a:r>
-              <a:rPr lang="en-US" dirty="0" smtClean="0"/>
-              <a:t>The start and end dates.</a:t>
-            </a:r>
-          </a:p>
-          <a:p>
-            <a:r>
-              <a:rPr lang="en-US" dirty="0" smtClean="0"/>
-              <a:t>Once you are done editing click Edit Coupon to save changes.</a:t>
-            </a:r>
-            <a:endParaRPr lang="en-US" dirty="0"/>
-          </a:p>
-        </p:txBody>
-      </p:sp>
       <p:pic>
         <p:nvPicPr>
-          <p:cNvPr id="7" name="Picture 6"/>
+          <p:cNvPr id="4" name="Picture 3"/>
           <p:cNvPicPr>
             <a:picLocks noChangeAspect="1"/>
           </p:cNvPicPr>
@@ -5508,12 +7370,157 @@
         </p:blipFill>
         <p:spPr>
           <a:xfrm>
-            <a:off x="7343774" y="3405188"/>
-            <a:ext cx="3705225" cy="3076575"/>
+            <a:off x="1476375" y="1543050"/>
+            <a:ext cx="9239250" cy="1809750"/>
           </a:xfrm>
           <a:prstGeom prst="rect">
             <a:avLst/>
           </a:prstGeom>
+        </p:spPr>
+      </p:pic>
+      <p:sp>
+        <p:nvSpPr>
+          <p:cNvPr id="2" name="Title 1"/>
+          <p:cNvSpPr>
+            <a:spLocks noGrp="1"/>
+          </p:cNvSpPr>
+          <p:nvPr>
+            <p:ph type="title"/>
+          </p:nvPr>
+        </p:nvSpPr>
+        <p:spPr/>
+        <p:txBody>
+          <a:bodyPr/>
+          <a:lstStyle/>
+          <a:p>
+            <a:r>
+              <a:rPr lang="en-US" dirty="0" smtClean="0"/>
+              <a:t>Coupon Management and Editing Coupon</a:t>
+            </a:r>
+            <a:endParaRPr lang="en-US" dirty="0"/>
+          </a:p>
+        </p:txBody>
+      </p:sp>
+      <p:sp>
+        <p:nvSpPr>
+          <p:cNvPr id="3" name="Content Placeholder 2"/>
+          <p:cNvSpPr>
+            <a:spLocks noGrp="1"/>
+          </p:cNvSpPr>
+          <p:nvPr>
+            <p:ph idx="1"/>
+          </p:nvPr>
+        </p:nvSpPr>
+        <p:spPr>
+          <a:xfrm>
+            <a:off x="838200" y="3426690"/>
+            <a:ext cx="5904345" cy="3240956"/>
+          </a:xfrm>
+        </p:spPr>
+        <p:txBody>
+          <a:bodyPr/>
+          <a:lstStyle/>
+          <a:p>
+            <a:pPr>
+              <a:buFont typeface="Arial" panose="020B0604020202020204" pitchFamily="34" charset="0"/>
+              <a:buChar char="•"/>
+            </a:pPr>
+            <a:r>
+              <a:rPr lang="en-US" dirty="0" smtClean="0"/>
+              <a:t>You </a:t>
+            </a:r>
+            <a:r>
+              <a:rPr lang="en-US" dirty="0" smtClean="0"/>
+              <a:t>can also edit any existing coupon</a:t>
+            </a:r>
+            <a:r>
+              <a:rPr lang="en-US" dirty="0" smtClean="0"/>
+              <a:t>.</a:t>
+            </a:r>
+          </a:p>
+          <a:p>
+            <a:pPr>
+              <a:buFont typeface="Arial" panose="020B0604020202020204" pitchFamily="34" charset="0"/>
+              <a:buChar char="•"/>
+            </a:pPr>
+            <a:r>
+              <a:rPr lang="en-US" dirty="0" smtClean="0"/>
+              <a:t>You can edit its name.</a:t>
+            </a:r>
+            <a:endParaRPr lang="en-US" dirty="0" smtClean="0"/>
+          </a:p>
+          <a:p>
+            <a:pPr>
+              <a:buFont typeface="Arial" panose="020B0604020202020204" pitchFamily="34" charset="0"/>
+              <a:buChar char="•"/>
+            </a:pPr>
+            <a:r>
+              <a:rPr lang="en-US" dirty="0" smtClean="0"/>
+              <a:t>Change </a:t>
+            </a:r>
+            <a:r>
+              <a:rPr lang="en-US" dirty="0" smtClean="0"/>
+              <a:t>the coupon savings amount.</a:t>
+            </a:r>
+          </a:p>
+          <a:p>
+            <a:pPr>
+              <a:buFont typeface="Arial" panose="020B0604020202020204" pitchFamily="34" charset="0"/>
+              <a:buChar char="•"/>
+            </a:pPr>
+            <a:r>
+              <a:rPr lang="en-US" dirty="0" smtClean="0"/>
+              <a:t>The </a:t>
+            </a:r>
+            <a:r>
+              <a:rPr lang="en-US" dirty="0" smtClean="0"/>
+              <a:t>start and end dates.</a:t>
+            </a:r>
+          </a:p>
+          <a:p>
+            <a:pPr>
+              <a:buFont typeface="Arial" panose="020B0604020202020204" pitchFamily="34" charset="0"/>
+              <a:buChar char="•"/>
+            </a:pPr>
+            <a:r>
+              <a:rPr lang="en-US" dirty="0" smtClean="0"/>
+              <a:t>Once </a:t>
+            </a:r>
+            <a:r>
+              <a:rPr lang="en-US" dirty="0" smtClean="0"/>
+              <a:t>you are done editing click Edit Coupon to save changes.</a:t>
+            </a:r>
+            <a:endParaRPr lang="en-US" dirty="0"/>
+          </a:p>
+        </p:txBody>
+      </p:sp>
+      <p:pic>
+        <p:nvPicPr>
+          <p:cNvPr id="5" name="Picture 4"/>
+          <p:cNvPicPr>
+            <a:picLocks noChangeAspect="1"/>
+          </p:cNvPicPr>
+          <p:nvPr/>
+        </p:nvPicPr>
+        <p:blipFill>
+          <a:blip r:embed="rId3"/>
+          <a:stretch>
+            <a:fillRect/>
+          </a:stretch>
+        </p:blipFill>
+        <p:spPr>
+          <a:xfrm>
+            <a:off x="7315200" y="2895600"/>
+            <a:ext cx="3700272" cy="3679366"/>
+          </a:xfrm>
+          <a:prstGeom prst="rect">
+            <a:avLst/>
+          </a:prstGeom>
+          <a:ln>
+            <a:solidFill>
+              <a:schemeClr val="bg1"/>
+            </a:solidFill>
+          </a:ln>
           <a:effectLst>
             <a:outerShdw blurRad="50800" dist="38100" dir="2700000" algn="tl" rotWithShape="0">
               <a:prstClr val="black">
@@ -5521,36 +7528,6 @@
               </a:prstClr>
             </a:outerShdw>
           </a:effectLst>
-        </p:spPr>
-      </p:pic>
-      <p:pic>
-        <p:nvPicPr>
-          <p:cNvPr id="5" name="Picture 4" descr="Screen Shot 2015-11-09 at 3.02.01 AM.png"/>
-          <p:cNvPicPr>
-            <a:picLocks noChangeAspect="1"/>
-          </p:cNvPicPr>
-          <p:nvPr/>
-        </p:nvPicPr>
-        <p:blipFill>
-          <a:blip r:embed="rId3">
-            <a:extLst>
-              <a:ext uri="{28A0092B-C50C-407E-A947-70E740481C1C}">
-                <a14:useLocalDpi xmlns:a14="http://schemas.microsoft.com/office/drawing/2010/main" val="0"/>
-              </a:ext>
-            </a:extLst>
-          </a:blip>
-          <a:stretch>
-            <a:fillRect/>
-          </a:stretch>
-        </p:blipFill>
-        <p:spPr>
-          <a:xfrm>
-            <a:off x="1500964" y="1392083"/>
-            <a:ext cx="9190072" cy="1694560"/>
-          </a:xfrm>
-          <a:prstGeom prst="rect">
-            <a:avLst/>
-          </a:prstGeom>
         </p:spPr>
       </p:pic>
     </p:spTree>
@@ -5566,7 +7543,7 @@
   <p:timing>
     <p:tnLst>
       <p:par>
-        <p:cTn xmlns:p14="http://schemas.microsoft.com/office/powerpoint/2010/main" id="1" dur="indefinite" restart="never" nodeType="tmRoot"/>
+        <p:cTn id="1" dur="indefinite" restart="never" nodeType="tmRoot"/>
       </p:par>
     </p:tnLst>
   </p:timing>
@@ -5590,60 +7567,9 @@
           <a:chExt cx="0" cy="0"/>
         </a:xfrm>
       </p:grpSpPr>
-      <p:sp>
-        <p:nvSpPr>
-          <p:cNvPr id="2" name="Title 1"/>
-          <p:cNvSpPr>
-            <a:spLocks noGrp="1"/>
-          </p:cNvSpPr>
-          <p:nvPr>
-            <p:ph type="title"/>
-          </p:nvPr>
-        </p:nvSpPr>
-        <p:spPr/>
-        <p:txBody>
-          <a:bodyPr/>
-          <a:lstStyle/>
-          <a:p>
-            <a:r>
-              <a:rPr lang="en-US" dirty="0" smtClean="0"/>
-              <a:t>Coupon Management and Delete Coupon</a:t>
-            </a:r>
-            <a:endParaRPr lang="en-US" dirty="0"/>
-          </a:p>
-        </p:txBody>
-      </p:sp>
-      <p:sp>
-        <p:nvSpPr>
-          <p:cNvPr id="3" name="Content Placeholder 2"/>
-          <p:cNvSpPr>
-            <a:spLocks noGrp="1"/>
-          </p:cNvSpPr>
-          <p:nvPr>
-            <p:ph idx="1"/>
-          </p:nvPr>
-        </p:nvSpPr>
-        <p:spPr>
-          <a:xfrm>
-            <a:off x="5384800" y="3595688"/>
-            <a:ext cx="5969000" cy="1725036"/>
-          </a:xfrm>
-        </p:spPr>
-        <p:txBody>
-          <a:bodyPr/>
-          <a:lstStyle/>
-          <a:p>
-            <a:r>
-              <a:rPr lang="en-US" dirty="0" smtClean="0"/>
-              <a:t>You can delete a coupon by selecting it and simply clicking Delete Coupon.</a:t>
-            </a:r>
-            <a:endParaRPr lang="en-US" dirty="0"/>
-          </a:p>
-        </p:txBody>
-      </p:sp>
       <p:pic>
         <p:nvPicPr>
-          <p:cNvPr id="6" name="Picture 5"/>
+          <p:cNvPr id="5" name="Picture 4"/>
           <p:cNvPicPr>
             <a:picLocks noChangeAspect="1"/>
           </p:cNvPicPr>
@@ -5657,42 +7583,102 @@
         </p:blipFill>
         <p:spPr>
           <a:xfrm>
-            <a:off x="838200" y="3595688"/>
-            <a:ext cx="4619625" cy="2028825"/>
+            <a:off x="1057275" y="1581150"/>
+            <a:ext cx="10077450" cy="2686050"/>
           </a:xfrm>
           <a:prstGeom prst="rect">
             <a:avLst/>
           </a:prstGeom>
         </p:spPr>
       </p:pic>
+      <p:sp>
+        <p:nvSpPr>
+          <p:cNvPr id="2" name="Title 1"/>
+          <p:cNvSpPr>
+            <a:spLocks noGrp="1"/>
+          </p:cNvSpPr>
+          <p:nvPr>
+            <p:ph type="title"/>
+          </p:nvPr>
+        </p:nvSpPr>
+        <p:spPr/>
+        <p:txBody>
+          <a:bodyPr/>
+          <a:lstStyle/>
+          <a:p>
+            <a:r>
+              <a:rPr lang="en-US" dirty="0" smtClean="0"/>
+              <a:t>Coupon Management and Deleting Coupon</a:t>
+            </a:r>
+            <a:endParaRPr lang="en-US" dirty="0"/>
+          </a:p>
+        </p:txBody>
+      </p:sp>
+      <p:sp>
+        <p:nvSpPr>
+          <p:cNvPr id="3" name="Content Placeholder 2"/>
+          <p:cNvSpPr>
+            <a:spLocks noGrp="1"/>
+          </p:cNvSpPr>
+          <p:nvPr>
+            <p:ph idx="1"/>
+          </p:nvPr>
+        </p:nvSpPr>
+        <p:spPr>
+          <a:xfrm>
+            <a:off x="5384800" y="3595688"/>
+            <a:ext cx="5969000" cy="1725036"/>
+          </a:xfrm>
+        </p:spPr>
+        <p:txBody>
+          <a:bodyPr/>
+          <a:lstStyle/>
+          <a:p>
+            <a:pPr>
+              <a:buFont typeface="Arial" panose="020B0604020202020204" pitchFamily="34" charset="0"/>
+              <a:buChar char="•"/>
+            </a:pPr>
+            <a:r>
+              <a:rPr lang="en-US" dirty="0" smtClean="0"/>
+              <a:t>You </a:t>
+            </a:r>
+            <a:r>
+              <a:rPr lang="en-US" dirty="0" smtClean="0"/>
+              <a:t>can delete a coupon by selecting it and simply clicking Delete Coupon.</a:t>
+            </a:r>
+            <a:endParaRPr lang="en-US" dirty="0"/>
+          </a:p>
+        </p:txBody>
+      </p:sp>
       <p:pic>
         <p:nvPicPr>
-          <p:cNvPr id="4" name="Picture 3" descr="Screen Shot 2015-11-09 at 3.02.07 AM.png"/>
+          <p:cNvPr id="4" name="Picture 3"/>
           <p:cNvPicPr>
             <a:picLocks noChangeAspect="1"/>
           </p:cNvPicPr>
           <p:nvPr/>
         </p:nvPicPr>
         <p:blipFill>
-          <a:blip r:embed="rId3">
-            <a:extLst>
-              <a:ext uri="{28A0092B-C50C-407E-A947-70E740481C1C}">
-                <a14:useLocalDpi xmlns:a14="http://schemas.microsoft.com/office/drawing/2010/main" val="0"/>
-              </a:ext>
-            </a:extLst>
-          </a:blip>
+          <a:blip r:embed="rId3"/>
           <a:stretch>
             <a:fillRect/>
           </a:stretch>
         </p:blipFill>
         <p:spPr>
           <a:xfrm>
-            <a:off x="1451006" y="1518134"/>
-            <a:ext cx="9289989" cy="1654382"/>
+            <a:off x="1020009" y="3277106"/>
+            <a:ext cx="3919975" cy="2362200"/>
           </a:xfrm>
           <a:prstGeom prst="rect">
             <a:avLst/>
           </a:prstGeom>
+          <a:effectLst>
+            <a:outerShdw blurRad="50800" dist="38100" dir="8100000" algn="tr" rotWithShape="0">
+              <a:prstClr val="black">
+                <a:alpha val="40000"/>
+              </a:prstClr>
+            </a:outerShdw>
+          </a:effectLst>
         </p:spPr>
       </p:pic>
     </p:spTree>
@@ -5708,7 +7694,7 @@
   <p:timing>
     <p:tnLst>
       <p:par>
-        <p:cTn xmlns:p14="http://schemas.microsoft.com/office/powerpoint/2010/main" id="1" dur="indefinite" restart="never" nodeType="tmRoot"/>
+        <p:cTn id="1" dur="indefinite" restart="never" nodeType="tmRoot"/>
       </p:par>
     </p:tnLst>
   </p:timing>
@@ -5716,9 +7702,9 @@
 </file>
 
 <file path=ppt/theme/theme1.xml><?xml version="1.0" encoding="utf-8"?>
-<a:theme xmlns:a="http://schemas.openxmlformats.org/drawingml/2006/main" name="Office Theme">
+<a:theme xmlns:a="http://schemas.openxmlformats.org/drawingml/2006/main" name="Integral">
   <a:themeElements>
-    <a:clrScheme name="Office">
+    <a:clrScheme name="Integral">
       <a:dk1>
         <a:sysClr val="windowText" lastClr="000000"/>
       </a:dk1>
@@ -5726,83 +7712,50 @@
         <a:sysClr val="window" lastClr="FFFFFF"/>
       </a:lt1>
       <a:dk2>
-        <a:srgbClr val="44546A"/>
+        <a:srgbClr val="455F51"/>
       </a:dk2>
       <a:lt2>
-        <a:srgbClr val="E7E6E6"/>
+        <a:srgbClr val="E3DED1"/>
       </a:lt2>
       <a:accent1>
-        <a:srgbClr val="5B9BD5"/>
+        <a:srgbClr val="99CB38"/>
       </a:accent1>
       <a:accent2>
-        <a:srgbClr val="ED7D31"/>
+        <a:srgbClr val="63A537"/>
       </a:accent2>
       <a:accent3>
-        <a:srgbClr val="A5A5A5"/>
+        <a:srgbClr val="E6D024"/>
       </a:accent3>
       <a:accent4>
-        <a:srgbClr val="FFC000"/>
+        <a:srgbClr val="CC9700"/>
       </a:accent4>
       <a:accent5>
-        <a:srgbClr val="4472C4"/>
+        <a:srgbClr val="4EB3CF"/>
       </a:accent5>
       <a:accent6>
-        <a:srgbClr val="70AD47"/>
+        <a:srgbClr val="378DA6"/>
       </a:accent6>
       <a:hlink>
-        <a:srgbClr val="0563C1"/>
+        <a:srgbClr val="6B9F25"/>
       </a:hlink>
       <a:folHlink>
-        <a:srgbClr val="954F72"/>
+        <a:srgbClr val="B26B02"/>
       </a:folHlink>
     </a:clrScheme>
-    <a:fontScheme name="Office">
+    <a:fontScheme name="Integral">
       <a:majorFont>
-        <a:latin typeface="Calibri Light"/>
+        <a:latin typeface="Tw Cen MT Condensed" panose="020B0606020104020203"/>
         <a:ea typeface=""/>
         <a:cs typeface=""/>
-        <a:font script="Jpan" typeface="ＭＳ Ｐゴシック"/>
-        <a:font script="Hang" typeface="맑은 고딕"/>
-        <a:font script="Hans" typeface="宋体"/>
-        <a:font script="Hant" typeface="新細明體"/>
-        <a:font script="Arab" typeface="Times New Roman"/>
-        <a:font script="Hebr" typeface="Times New Roman"/>
-        <a:font script="Thai" typeface="Angsana New"/>
-        <a:font script="Ethi" typeface="Nyala"/>
-        <a:font script="Beng" typeface="Vrinda"/>
-        <a:font script="Gujr" typeface="Shruti"/>
-        <a:font script="Khmr" typeface="MoolBoran"/>
-        <a:font script="Knda" typeface="Tunga"/>
-        <a:font script="Guru" typeface="Raavi"/>
-        <a:font script="Cans" typeface="Euphemia"/>
-        <a:font script="Cher" typeface="Plantagenet Cherokee"/>
-        <a:font script="Yiii" typeface="Microsoft Yi Baiti"/>
-        <a:font script="Tibt" typeface="Microsoft Himalaya"/>
-        <a:font script="Thaa" typeface="MV Boli"/>
-        <a:font script="Deva" typeface="Mangal"/>
-        <a:font script="Telu" typeface="Gautami"/>
-        <a:font script="Taml" typeface="Latha"/>
-        <a:font script="Syrc" typeface="Estrangelo Edessa"/>
-        <a:font script="Orya" typeface="Kalinga"/>
-        <a:font script="Mlym" typeface="Kartika"/>
-        <a:font script="Laoo" typeface="DokChampa"/>
-        <a:font script="Sinh" typeface="Iskoola Pota"/>
-        <a:font script="Mong" typeface="Mongolian Baiti"/>
-        <a:font script="Viet" typeface="Times New Roman"/>
-        <a:font script="Uigh" typeface="Microsoft Uighur"/>
-        <a:font script="Geor" typeface="Sylfaen"/>
-      </a:majorFont>
-      <a:minorFont>
-        <a:latin typeface="Calibri"/>
-        <a:ea typeface=""/>
-        <a:cs typeface=""/>
-        <a:font script="Jpan" typeface="ＭＳ Ｐゴシック"/>
-        <a:font script="Hang" typeface="맑은 고딕"/>
-        <a:font script="Hans" typeface="宋体"/>
-        <a:font script="Hant" typeface="新細明體"/>
+        <a:font script="Grek" typeface="Calibri"/>
+        <a:font script="Cyrl" typeface="Calibri"/>
+        <a:font script="Jpan" typeface="メイリオ"/>
+        <a:font script="Hang" typeface="HY얕은샘물M"/>
+        <a:font script="Hans" typeface="华文仿宋"/>
+        <a:font script="Hant" typeface="微軟正黑體"/>
         <a:font script="Arab" typeface="Arial"/>
-        <a:font script="Hebr" typeface="Arial"/>
-        <a:font script="Thai" typeface="Cordia New"/>
+        <a:font script="Hebr" typeface="Levenim MT"/>
+        <a:font script="Thai" typeface="FreesiaUPC"/>
         <a:font script="Ethi" typeface="Nyala"/>
         <a:font script="Beng" typeface="Vrinda"/>
         <a:font script="Gujr" typeface="Shruti"/>
@@ -5823,12 +7776,49 @@
         <a:font script="Laoo" typeface="DokChampa"/>
         <a:font script="Sinh" typeface="Iskoola Pota"/>
         <a:font script="Mong" typeface="Mongolian Baiti"/>
-        <a:font script="Viet" typeface="Arial"/>
+        <a:font script="Viet" typeface="Tahoma"/>
+        <a:font script="Uigh" typeface="Microsoft Uighur"/>
+        <a:font script="Geor" typeface="Sylfaen"/>
+      </a:majorFont>
+      <a:minorFont>
+        <a:latin typeface="Tw Cen MT" panose="020B0602020104020603"/>
+        <a:ea typeface=""/>
+        <a:cs typeface=""/>
+        <a:font script="Grek" typeface="Calibri"/>
+        <a:font script="Cyrl" typeface="Calibri"/>
+        <a:font script="Jpan" typeface="メイリオ"/>
+        <a:font script="Hang" typeface="HY얕은샘물M"/>
+        <a:font script="Hans" typeface="华文仿宋"/>
+        <a:font script="Hant" typeface="微軟正黑體"/>
+        <a:font script="Arab" typeface="Arial"/>
+        <a:font script="Hebr" typeface="Levenim MT"/>
+        <a:font script="Thai" typeface="FreesiaUPC"/>
+        <a:font script="Ethi" typeface="Nyala"/>
+        <a:font script="Beng" typeface="Vrinda"/>
+        <a:font script="Gujr" typeface="Shruti"/>
+        <a:font script="Khmr" typeface="DaunPenh"/>
+        <a:font script="Knda" typeface="Tunga"/>
+        <a:font script="Guru" typeface="Raavi"/>
+        <a:font script="Cans" typeface="Euphemia"/>
+        <a:font script="Cher" typeface="Plantagenet Cherokee"/>
+        <a:font script="Yiii" typeface="Microsoft Yi Baiti"/>
+        <a:font script="Tibt" typeface="Microsoft Himalaya"/>
+        <a:font script="Thaa" typeface="MV Boli"/>
+        <a:font script="Deva" typeface="Mangal"/>
+        <a:font script="Telu" typeface="Gautami"/>
+        <a:font script="Taml" typeface="Latha"/>
+        <a:font script="Syrc" typeface="Estrangelo Edessa"/>
+        <a:font script="Orya" typeface="Kalinga"/>
+        <a:font script="Mlym" typeface="Kartika"/>
+        <a:font script="Laoo" typeface="DokChampa"/>
+        <a:font script="Sinh" typeface="Iskoola Pota"/>
+        <a:font script="Mong" typeface="Mongolian Baiti"/>
+        <a:font script="Viet" typeface="Tahoma"/>
         <a:font script="Uigh" typeface="Microsoft Uighur"/>
         <a:font script="Geor" typeface="Sylfaen"/>
       </a:minorFont>
     </a:fontScheme>
-    <a:fmtScheme name="Office">
+    <a:fmtScheme name="Integral">
       <a:fillStyleLst>
         <a:solidFill>
           <a:schemeClr val="phClr"/>
@@ -5837,76 +7827,65 @@
           <a:gsLst>
             <a:gs pos="0">
               <a:schemeClr val="phClr">
-                <a:lumMod val="110000"/>
-                <a:satMod val="105000"/>
-                <a:tint val="67000"/>
-              </a:schemeClr>
-            </a:gs>
-            <a:gs pos="50000">
-              <a:schemeClr val="phClr">
-                <a:lumMod val="105000"/>
-                <a:satMod val="103000"/>
-                <a:tint val="73000"/>
+                <a:tint val="83000"/>
+                <a:satMod val="100000"/>
+                <a:lumMod val="100000"/>
               </a:schemeClr>
             </a:gs>
             <a:gs pos="100000">
               <a:schemeClr val="phClr">
-                <a:lumMod val="105000"/>
-                <a:satMod val="109000"/>
-                <a:tint val="81000"/>
+                <a:tint val="61000"/>
+                <a:satMod val="150000"/>
+                <a:lumMod val="100000"/>
               </a:schemeClr>
             </a:gs>
           </a:gsLst>
-          <a:lin ang="5400000" scaled="0"/>
+          <a:path path="circle">
+            <a:fillToRect l="100000" t="100000" r="100000" b="100000"/>
+          </a:path>
         </a:gradFill>
         <a:gradFill rotWithShape="1">
           <a:gsLst>
             <a:gs pos="0">
               <a:schemeClr val="phClr">
-                <a:satMod val="103000"/>
-                <a:lumMod val="102000"/>
-                <a:tint val="94000"/>
-              </a:schemeClr>
-            </a:gs>
-            <a:gs pos="50000">
-              <a:schemeClr val="phClr">
-                <a:satMod val="110000"/>
+                <a:tint val="100000"/>
+                <a:shade val="85000"/>
+                <a:satMod val="100000"/>
                 <a:lumMod val="100000"/>
-                <a:shade val="100000"/>
               </a:schemeClr>
             </a:gs>
             <a:gs pos="100000">
               <a:schemeClr val="phClr">
-                <a:lumMod val="99000"/>
-                <a:satMod val="120000"/>
-                <a:shade val="78000"/>
+                <a:tint val="90000"/>
+                <a:shade val="100000"/>
+                <a:satMod val="150000"/>
+                <a:lumMod val="100000"/>
               </a:schemeClr>
             </a:gs>
           </a:gsLst>
-          <a:lin ang="5400000" scaled="0"/>
+          <a:path path="circle">
+            <a:fillToRect l="100000" t="100000" r="100000" b="100000"/>
+          </a:path>
         </a:gradFill>
       </a:fillStyleLst>
       <a:lnStyleLst>
-        <a:ln w="6350" cap="flat" cmpd="sng" algn="ctr">
+        <a:ln w="9525" cap="flat" cmpd="sng" algn="ctr">
           <a:solidFill>
             <a:schemeClr val="phClr"/>
           </a:solidFill>
           <a:prstDash val="solid"/>
-          <a:miter lim="800000"/>
         </a:ln>
-        <a:ln w="12700" cap="flat" cmpd="sng" algn="ctr">
+        <a:ln w="15875" cap="flat" cmpd="sng" algn="ctr">
           <a:solidFill>
             <a:schemeClr val="phClr"/>
           </a:solidFill>
           <a:prstDash val="solid"/>
-          <a:miter lim="800000"/>
         </a:ln>
         <a:ln w="19050" cap="flat" cmpd="sng" algn="ctr">
           <a:solidFill>
             <a:schemeClr val="phClr"/>
           </a:solidFill>
           <a:prstDash val="solid"/>
-          <a:miter lim="800000"/>
         </a:ln>
       </a:lnStyleLst>
       <a:effectStyleLst>
@@ -5914,16 +7893,39 @@
           <a:effectLst/>
         </a:effectStyle>
         <a:effectStyle>
-          <a:effectLst/>
+          <a:effectLst>
+            <a:outerShdw blurRad="50800" dist="12700" dir="5400000" algn="ctr" rotWithShape="0">
+              <a:srgbClr val="000000">
+                <a:alpha val="50000"/>
+              </a:srgbClr>
+            </a:outerShdw>
+          </a:effectLst>
         </a:effectStyle>
         <a:effectStyle>
           <a:effectLst>
-            <a:outerShdw blurRad="57150" dist="19050" dir="5400000" algn="ctr" rotWithShape="0">
+            <a:outerShdw blurRad="76200" dist="25400" dir="5400000" algn="ctr" rotWithShape="0">
               <a:srgbClr val="000000">
-                <a:alpha val="63000"/>
+                <a:alpha val="60000"/>
               </a:srgbClr>
             </a:outerShdw>
           </a:effectLst>
+          <a:scene3d>
+            <a:camera prst="orthographicFront">
+              <a:rot lat="0" lon="0" rev="0"/>
+            </a:camera>
+            <a:lightRig rig="flat" dir="t">
+              <a:rot lat="0" lon="0" rev="3600000"/>
+            </a:lightRig>
+          </a:scene3d>
+          <a:sp3d contourW="12700" prstMaterial="flat">
+            <a:bevelT w="38100" h="44450" prst="angle"/>
+            <a:contourClr>
+              <a:schemeClr val="phClr">
+                <a:shade val="35000"/>
+                <a:satMod val="160000"/>
+              </a:schemeClr>
+            </a:contourClr>
+          </a:sp3d>
         </a:effectStyle>
       </a:effectStyleLst>
       <a:bgFillStyleLst>
@@ -5933,36 +7935,27 @@
         <a:solidFill>
           <a:schemeClr val="phClr">
             <a:tint val="95000"/>
-            <a:satMod val="170000"/>
+            <a:shade val="85000"/>
+            <a:satMod val="125000"/>
           </a:schemeClr>
         </a:solidFill>
-        <a:gradFill rotWithShape="1">
-          <a:gsLst>
-            <a:gs pos="0">
+        <a:blipFill rotWithShape="1">
+          <a:blip xmlns:r="http://schemas.openxmlformats.org/officeDocument/2006/relationships" r:embed="rId1">
+            <a:duotone>
               <a:schemeClr val="phClr">
-                <a:tint val="93000"/>
-                <a:satMod val="150000"/>
-                <a:shade val="98000"/>
-                <a:lumMod val="102000"/>
+                <a:tint val="95000"/>
+                <a:shade val="74000"/>
+                <a:satMod val="230000"/>
               </a:schemeClr>
-            </a:gs>
-            <a:gs pos="50000">
               <a:schemeClr val="phClr">
-                <a:tint val="98000"/>
-                <a:satMod val="130000"/>
-                <a:shade val="90000"/>
-                <a:lumMod val="103000"/>
+                <a:tint val="92000"/>
+                <a:shade val="69000"/>
+                <a:satMod val="250000"/>
               </a:schemeClr>
-            </a:gs>
-            <a:gs pos="100000">
-              <a:schemeClr val="phClr">
-                <a:shade val="63000"/>
-                <a:satMod val="120000"/>
-              </a:schemeClr>
-            </a:gs>
-          </a:gsLst>
-          <a:lin ang="5400000" scaled="0"/>
-        </a:gradFill>
+            </a:duotone>
+          </a:blip>
+          <a:tile tx="0" ty="0" sx="40000" sy="40000" flip="none" algn="tl"/>
+        </a:blipFill>
       </a:bgFillStyleLst>
     </a:fmtScheme>
   </a:themeElements>
@@ -5970,7 +7963,7 @@
   <a:extraClrSchemeLst/>
   <a:extLst>
     <a:ext uri="{05A4C25C-085E-4340-85A3-A5531E510DB2}">
-      <thm15:themeFamily xmlns:thm15="http://schemas.microsoft.com/office/thememl/2012/main" xmlns="" name="Office Theme" id="{62F939B6-93AF-4DB8-9C6B-D6C7DFDC589F}" vid="{4A3C46E8-61CC-4603-A589-7422A47A8E4A}"/>
+      <thm15:themeFamily xmlns:thm15="http://schemas.microsoft.com/office/thememl/2012/main" name="Integral" id="{3577F8C9-A904-41D8-97D2-FD898F53F20E}" vid="{29F68FFC-748B-4FC3-BF39-7F84A6D5840F}"/>
     </a:ext>
   </a:extLst>
 </a:theme>
